--- a/design.pptx
+++ b/design.pptx
@@ -5,8 +5,8 @@
     <p:sldMasterId id="2147483648" r:id="rId1"/>
   </p:sldMasterIdLst>
   <p:sldIdLst>
-    <p:sldId id="256" r:id="rId2"/>
-    <p:sldId id="257" r:id="rId3"/>
+    <p:sldId id="257" r:id="rId2"/>
+    <p:sldId id="256" r:id="rId3"/>
   </p:sldIdLst>
   <p:sldSz cx="6858000" cy="9906000" type="A4"/>
   <p:notesSz cx="6858000" cy="9144000"/>
@@ -116,7 +116,7 @@
 <file path=ppt/revisionInfo.xml><?xml version="1.0" encoding="utf-8"?>
 <p1510:revInfo xmlns:a="http://schemas.openxmlformats.org/drawingml/2006/main" xmlns:r="http://schemas.openxmlformats.org/officeDocument/2006/relationships" xmlns:p1510="http://schemas.microsoft.com/office/powerpoint/2015/10/main">
   <p1510:revLst>
-    <p1510:client id="{8FE0068D-03CB-4087-8DE3-4F974A9297DD}" v="2" dt="2022-09-03T04:26:48.739"/>
+    <p1510:client id="{8FE0068D-03CB-4087-8DE3-4F974A9297DD}" v="43" dt="2022-09-16T03:00:38.571"/>
   </p1510:revLst>
 </p1510:revInfo>
 </file>
@@ -125,8 +125,8 @@
 <pc:chgInfo xmlns:a="http://schemas.openxmlformats.org/drawingml/2006/main" xmlns:r="http://schemas.openxmlformats.org/officeDocument/2006/relationships" xmlns:ac="http://schemas.microsoft.com/office/drawing/2013/main/command" xmlns:pc="http://schemas.microsoft.com/office/powerpoint/2013/main/command">
   <pc:docChgLst>
     <pc:chgData name="LKG-laptop" userId="4d0fadd8-18c4-409d-a752-ea48dedb7f82" providerId="ADAL" clId="{8FE0068D-03CB-4087-8DE3-4F974A9297DD}"/>
-    <pc:docChg chg="undo custSel addSld modSld">
-      <pc:chgData name="LKG-laptop" userId="4d0fadd8-18c4-409d-a752-ea48dedb7f82" providerId="ADAL" clId="{8FE0068D-03CB-4087-8DE3-4F974A9297DD}" dt="2022-09-03T04:46:37.659" v="122" actId="208"/>
+    <pc:docChg chg="undo redo custSel addSld modSld sldOrd">
+      <pc:chgData name="LKG-laptop" userId="4d0fadd8-18c4-409d-a752-ea48dedb7f82" providerId="ADAL" clId="{8FE0068D-03CB-4087-8DE3-4F974A9297DD}" dt="2022-09-16T03:00:38.571" v="800" actId="164"/>
       <pc:docMkLst>
         <pc:docMk/>
       </pc:docMkLst>
@@ -497,252 +497,1036 @@
           </ac:picMkLst>
         </pc:picChg>
       </pc:sldChg>
-      <pc:sldChg chg="modSp add mod">
-        <pc:chgData name="LKG-laptop" userId="4d0fadd8-18c4-409d-a752-ea48dedb7f82" providerId="ADAL" clId="{8FE0068D-03CB-4087-8DE3-4F974A9297DD}" dt="2022-09-03T04:46:37.659" v="122" actId="208"/>
+      <pc:sldChg chg="addSp delSp modSp add mod ord">
+        <pc:chgData name="LKG-laptop" userId="4d0fadd8-18c4-409d-a752-ea48dedb7f82" providerId="ADAL" clId="{8FE0068D-03CB-4087-8DE3-4F974A9297DD}" dt="2022-09-16T03:00:38.571" v="800" actId="164"/>
         <pc:sldMkLst>
           <pc:docMk/>
           <pc:sldMk cId="2769116104" sldId="257"/>
         </pc:sldMkLst>
-        <pc:spChg chg="mod">
-          <ac:chgData name="LKG-laptop" userId="4d0fadd8-18c4-409d-a752-ea48dedb7f82" providerId="ADAL" clId="{8FE0068D-03CB-4087-8DE3-4F974A9297DD}" dt="2022-09-03T04:42:03.136" v="101" actId="20577"/>
+        <pc:spChg chg="mod topLvl">
+          <ac:chgData name="LKG-laptop" userId="4d0fadd8-18c4-409d-a752-ea48dedb7f82" providerId="ADAL" clId="{8FE0068D-03CB-4087-8DE3-4F974A9297DD}" dt="2022-09-16T03:00:38.571" v="800" actId="164"/>
           <ac:spMkLst>
             <pc:docMk/>
             <pc:sldMk cId="2769116104" sldId="257"/>
             <ac:spMk id="30" creationId="{188849D0-B58D-F4D8-260F-495D8B574838}"/>
           </ac:spMkLst>
         </pc:spChg>
-        <pc:spChg chg="mod">
-          <ac:chgData name="LKG-laptop" userId="4d0fadd8-18c4-409d-a752-ea48dedb7f82" providerId="ADAL" clId="{8FE0068D-03CB-4087-8DE3-4F974A9297DD}" dt="2022-09-03T04:39:44.838" v="93" actId="14100"/>
+        <pc:spChg chg="del mod topLvl">
+          <ac:chgData name="LKG-laptop" userId="4d0fadd8-18c4-409d-a752-ea48dedb7f82" providerId="ADAL" clId="{8FE0068D-03CB-4087-8DE3-4F974A9297DD}" dt="2022-09-16T01:53:21.038" v="215" actId="478"/>
           <ac:spMkLst>
             <pc:docMk/>
             <pc:sldMk cId="2769116104" sldId="257"/>
             <ac:spMk id="31" creationId="{22CB64B3-A166-3B15-F4D9-0DD484EF417A}"/>
           </ac:spMkLst>
         </pc:spChg>
-        <pc:spChg chg="mod">
-          <ac:chgData name="LKG-laptop" userId="4d0fadd8-18c4-409d-a752-ea48dedb7f82" providerId="ADAL" clId="{8FE0068D-03CB-4087-8DE3-4F974A9297DD}" dt="2022-09-03T04:39:50.849" v="94" actId="1076"/>
+        <pc:spChg chg="mod topLvl">
+          <ac:chgData name="LKG-laptop" userId="4d0fadd8-18c4-409d-a752-ea48dedb7f82" providerId="ADAL" clId="{8FE0068D-03CB-4087-8DE3-4F974A9297DD}" dt="2022-09-16T03:00:38.571" v="800" actId="164"/>
           <ac:spMkLst>
             <pc:docMk/>
             <pc:sldMk cId="2769116104" sldId="257"/>
             <ac:spMk id="33" creationId="{0FE54EC6-6DA6-2736-6951-E619D25D60F2}"/>
           </ac:spMkLst>
         </pc:spChg>
-        <pc:spChg chg="mod">
-          <ac:chgData name="LKG-laptop" userId="4d0fadd8-18c4-409d-a752-ea48dedb7f82" providerId="ADAL" clId="{8FE0068D-03CB-4087-8DE3-4F974A9297DD}" dt="2022-09-03T04:38:14.070" v="70" actId="255"/>
+        <pc:spChg chg="del mod topLvl">
+          <ac:chgData name="LKG-laptop" userId="4d0fadd8-18c4-409d-a752-ea48dedb7f82" providerId="ADAL" clId="{8FE0068D-03CB-4087-8DE3-4F974A9297DD}" dt="2022-09-16T01:55:56.006" v="238" actId="478"/>
           <ac:spMkLst>
             <pc:docMk/>
             <pc:sldMk cId="2769116104" sldId="257"/>
             <ac:spMk id="34" creationId="{3DA81455-B1A1-0137-0A27-D6DEF65B986F}"/>
           </ac:spMkLst>
         </pc:spChg>
-        <pc:spChg chg="mod">
-          <ac:chgData name="LKG-laptop" userId="4d0fadd8-18c4-409d-a752-ea48dedb7f82" providerId="ADAL" clId="{8FE0068D-03CB-4087-8DE3-4F974A9297DD}" dt="2022-09-03T04:38:14.070" v="70" actId="255"/>
+        <pc:spChg chg="mod topLvl">
+          <ac:chgData name="LKG-laptop" userId="4d0fadd8-18c4-409d-a752-ea48dedb7f82" providerId="ADAL" clId="{8FE0068D-03CB-4087-8DE3-4F974A9297DD}" dt="2022-09-16T03:00:38.571" v="800" actId="164"/>
           <ac:spMkLst>
             <pc:docMk/>
             <pc:sldMk cId="2769116104" sldId="257"/>
             <ac:spMk id="35" creationId="{E9311B15-16C5-FA0B-BEAF-5A452A2AD661}"/>
           </ac:spMkLst>
         </pc:spChg>
-        <pc:spChg chg="mod">
-          <ac:chgData name="LKG-laptop" userId="4d0fadd8-18c4-409d-a752-ea48dedb7f82" providerId="ADAL" clId="{8FE0068D-03CB-4087-8DE3-4F974A9297DD}" dt="2022-09-03T04:38:26.124" v="72" actId="14100"/>
+        <pc:spChg chg="mod topLvl">
+          <ac:chgData name="LKG-laptop" userId="4d0fadd8-18c4-409d-a752-ea48dedb7f82" providerId="ADAL" clId="{8FE0068D-03CB-4087-8DE3-4F974A9297DD}" dt="2022-09-16T03:00:38.571" v="800" actId="164"/>
           <ac:spMkLst>
             <pc:docMk/>
             <pc:sldMk cId="2769116104" sldId="257"/>
             <ac:spMk id="36" creationId="{24E44B73-305D-2917-549D-95AC27B82B38}"/>
           </ac:spMkLst>
         </pc:spChg>
-        <pc:spChg chg="mod">
-          <ac:chgData name="LKG-laptop" userId="4d0fadd8-18c4-409d-a752-ea48dedb7f82" providerId="ADAL" clId="{8FE0068D-03CB-4087-8DE3-4F974A9297DD}" dt="2022-09-03T04:45:46.549" v="110" actId="14100"/>
+        <pc:spChg chg="del mod topLvl">
+          <ac:chgData name="LKG-laptop" userId="4d0fadd8-18c4-409d-a752-ea48dedb7f82" providerId="ADAL" clId="{8FE0068D-03CB-4087-8DE3-4F974A9297DD}" dt="2022-09-16T01:56:32.950" v="244" actId="478"/>
           <ac:spMkLst>
             <pc:docMk/>
             <pc:sldMk cId="2769116104" sldId="257"/>
             <ac:spMk id="42" creationId="{43491979-337F-4471-77EC-7DB3DCBD19E8}"/>
           </ac:spMkLst>
         </pc:spChg>
-        <pc:spChg chg="mod">
-          <ac:chgData name="LKG-laptop" userId="4d0fadd8-18c4-409d-a752-ea48dedb7f82" providerId="ADAL" clId="{8FE0068D-03CB-4087-8DE3-4F974A9297DD}" dt="2022-09-03T04:38:14.070" v="70" actId="255"/>
+        <pc:spChg chg="mod topLvl">
+          <ac:chgData name="LKG-laptop" userId="4d0fadd8-18c4-409d-a752-ea48dedb7f82" providerId="ADAL" clId="{8FE0068D-03CB-4087-8DE3-4F974A9297DD}" dt="2022-09-16T03:00:38.571" v="800" actId="164"/>
           <ac:spMkLst>
             <pc:docMk/>
             <pc:sldMk cId="2769116104" sldId="257"/>
             <ac:spMk id="43" creationId="{D5FB475D-5D3E-E129-CF18-41750D1621F3}"/>
           </ac:spMkLst>
         </pc:spChg>
-        <pc:spChg chg="mod">
-          <ac:chgData name="LKG-laptop" userId="4d0fadd8-18c4-409d-a752-ea48dedb7f82" providerId="ADAL" clId="{8FE0068D-03CB-4087-8DE3-4F974A9297DD}" dt="2022-09-03T04:42:30.790" v="102" actId="20577"/>
+        <pc:spChg chg="add mod">
+          <ac:chgData name="LKG-laptop" userId="4d0fadd8-18c4-409d-a752-ea48dedb7f82" providerId="ADAL" clId="{8FE0068D-03CB-4087-8DE3-4F974A9297DD}" dt="2022-09-16T03:00:38.571" v="800" actId="164"/>
+          <ac:spMkLst>
+            <pc:docMk/>
+            <pc:sldMk cId="2769116104" sldId="257"/>
+            <ac:spMk id="47" creationId="{4B791426-F378-5CD6-0747-67306A9634E8}"/>
+          </ac:spMkLst>
+        </pc:spChg>
+        <pc:spChg chg="add del mod">
+          <ac:chgData name="LKG-laptop" userId="4d0fadd8-18c4-409d-a752-ea48dedb7f82" providerId="ADAL" clId="{8FE0068D-03CB-4087-8DE3-4F974A9297DD}" dt="2022-09-16T01:58:15.974" v="277" actId="478"/>
+          <ac:spMkLst>
+            <pc:docMk/>
+            <pc:sldMk cId="2769116104" sldId="257"/>
+            <ac:spMk id="48" creationId="{C08A0EB1-EDA0-322E-9B25-898D0AE8757A}"/>
+          </ac:spMkLst>
+        </pc:spChg>
+        <pc:spChg chg="add mod">
+          <ac:chgData name="LKG-laptop" userId="4d0fadd8-18c4-409d-a752-ea48dedb7f82" providerId="ADAL" clId="{8FE0068D-03CB-4087-8DE3-4F974A9297DD}" dt="2022-09-16T03:00:38.571" v="800" actId="164"/>
+          <ac:spMkLst>
+            <pc:docMk/>
+            <pc:sldMk cId="2769116104" sldId="257"/>
+            <ac:spMk id="49" creationId="{A4879A57-1425-5E51-1C04-E2272BF615B4}"/>
+          </ac:spMkLst>
+        </pc:spChg>
+        <pc:spChg chg="del mod topLvl">
+          <ac:chgData name="LKG-laptop" userId="4d0fadd8-18c4-409d-a752-ea48dedb7f82" providerId="ADAL" clId="{8FE0068D-03CB-4087-8DE3-4F974A9297DD}" dt="2022-09-16T02:29:26.952" v="475" actId="478"/>
           <ac:spMkLst>
             <pc:docMk/>
             <pc:sldMk cId="2769116104" sldId="257"/>
             <ac:spMk id="83" creationId="{4C3F7E9F-6CCE-02CF-70F7-2083BBC98544}"/>
           </ac:spMkLst>
         </pc:spChg>
-        <pc:spChg chg="mod">
-          <ac:chgData name="LKG-laptop" userId="4d0fadd8-18c4-409d-a752-ea48dedb7f82" providerId="ADAL" clId="{8FE0068D-03CB-4087-8DE3-4F974A9297DD}" dt="2022-09-03T04:40:06.426" v="97" actId="14100"/>
+        <pc:spChg chg="del mod topLvl">
+          <ac:chgData name="LKG-laptop" userId="4d0fadd8-18c4-409d-a752-ea48dedb7f82" providerId="ADAL" clId="{8FE0068D-03CB-4087-8DE3-4F974A9297DD}" dt="2022-09-16T02:29:26.952" v="475" actId="478"/>
           <ac:spMkLst>
             <pc:docMk/>
             <pc:sldMk cId="2769116104" sldId="257"/>
             <ac:spMk id="84" creationId="{B2436495-A261-2D0B-C383-8D084E718B2F}"/>
           </ac:spMkLst>
         </pc:spChg>
-        <pc:spChg chg="mod">
-          <ac:chgData name="LKG-laptop" userId="4d0fadd8-18c4-409d-a752-ea48dedb7f82" providerId="ADAL" clId="{8FE0068D-03CB-4087-8DE3-4F974A9297DD}" dt="2022-09-03T04:40:24.442" v="100" actId="1076"/>
+        <pc:spChg chg="del mod topLvl">
+          <ac:chgData name="LKG-laptop" userId="4d0fadd8-18c4-409d-a752-ea48dedb7f82" providerId="ADAL" clId="{8FE0068D-03CB-4087-8DE3-4F974A9297DD}" dt="2022-09-16T02:29:26.952" v="475" actId="478"/>
           <ac:spMkLst>
             <pc:docMk/>
             <pc:sldMk cId="2769116104" sldId="257"/>
             <ac:spMk id="85" creationId="{B777D483-C260-CBE7-B055-45A05D8A7271}"/>
           </ac:spMkLst>
         </pc:spChg>
-        <pc:spChg chg="mod">
-          <ac:chgData name="LKG-laptop" userId="4d0fadd8-18c4-409d-a752-ea48dedb7f82" providerId="ADAL" clId="{8FE0068D-03CB-4087-8DE3-4F974A9297DD}" dt="2022-09-03T04:38:14.070" v="70" actId="255"/>
+        <pc:spChg chg="del mod topLvl">
+          <ac:chgData name="LKG-laptop" userId="4d0fadd8-18c4-409d-a752-ea48dedb7f82" providerId="ADAL" clId="{8FE0068D-03CB-4087-8DE3-4F974A9297DD}" dt="2022-09-16T02:29:26.952" v="475" actId="478"/>
           <ac:spMkLst>
             <pc:docMk/>
             <pc:sldMk cId="2769116104" sldId="257"/>
             <ac:spMk id="86" creationId="{9749C1E8-B89A-A4C4-5B4A-36124AD49DD1}"/>
           </ac:spMkLst>
         </pc:spChg>
-        <pc:spChg chg="mod">
-          <ac:chgData name="LKG-laptop" userId="4d0fadd8-18c4-409d-a752-ea48dedb7f82" providerId="ADAL" clId="{8FE0068D-03CB-4087-8DE3-4F974A9297DD}" dt="2022-09-03T04:38:14.070" v="70" actId="255"/>
+        <pc:spChg chg="del mod topLvl">
+          <ac:chgData name="LKG-laptop" userId="4d0fadd8-18c4-409d-a752-ea48dedb7f82" providerId="ADAL" clId="{8FE0068D-03CB-4087-8DE3-4F974A9297DD}" dt="2022-09-16T02:29:26.952" v="475" actId="478"/>
           <ac:spMkLst>
             <pc:docMk/>
             <pc:sldMk cId="2769116104" sldId="257"/>
             <ac:spMk id="87" creationId="{CCDADDC1-7D10-2343-2EA0-0F476D870660}"/>
           </ac:spMkLst>
         </pc:spChg>
-        <pc:spChg chg="mod">
-          <ac:chgData name="LKG-laptop" userId="4d0fadd8-18c4-409d-a752-ea48dedb7f82" providerId="ADAL" clId="{8FE0068D-03CB-4087-8DE3-4F974A9297DD}" dt="2022-09-03T04:38:22.483" v="71" actId="14100"/>
+        <pc:spChg chg="del mod topLvl">
+          <ac:chgData name="LKG-laptop" userId="4d0fadd8-18c4-409d-a752-ea48dedb7f82" providerId="ADAL" clId="{8FE0068D-03CB-4087-8DE3-4F974A9297DD}" dt="2022-09-16T02:29:26.952" v="475" actId="478"/>
           <ac:spMkLst>
             <pc:docMk/>
             <pc:sldMk cId="2769116104" sldId="257"/>
             <ac:spMk id="88" creationId="{9FB23301-174B-31AD-4339-7FAAC0354757}"/>
           </ac:spMkLst>
         </pc:spChg>
-        <pc:spChg chg="mod">
-          <ac:chgData name="LKG-laptop" userId="4d0fadd8-18c4-409d-a752-ea48dedb7f82" providerId="ADAL" clId="{8FE0068D-03CB-4087-8DE3-4F974A9297DD}" dt="2022-09-03T04:45:42.796" v="109" actId="14100"/>
+        <pc:spChg chg="del mod topLvl">
+          <ac:chgData name="LKG-laptop" userId="4d0fadd8-18c4-409d-a752-ea48dedb7f82" providerId="ADAL" clId="{8FE0068D-03CB-4087-8DE3-4F974A9297DD}" dt="2022-09-16T02:29:26.952" v="475" actId="478"/>
           <ac:spMkLst>
             <pc:docMk/>
             <pc:sldMk cId="2769116104" sldId="257"/>
             <ac:spMk id="90" creationId="{9A2807CE-FAB6-16E9-F6F2-691625644101}"/>
           </ac:spMkLst>
         </pc:spChg>
-        <pc:spChg chg="mod">
-          <ac:chgData name="LKG-laptop" userId="4d0fadd8-18c4-409d-a752-ea48dedb7f82" providerId="ADAL" clId="{8FE0068D-03CB-4087-8DE3-4F974A9297DD}" dt="2022-09-03T04:38:14.070" v="70" actId="255"/>
+        <pc:spChg chg="del mod topLvl">
+          <ac:chgData name="LKG-laptop" userId="4d0fadd8-18c4-409d-a752-ea48dedb7f82" providerId="ADAL" clId="{8FE0068D-03CB-4087-8DE3-4F974A9297DD}" dt="2022-09-16T02:29:26.952" v="475" actId="478"/>
           <ac:spMkLst>
             <pc:docMk/>
             <pc:sldMk cId="2769116104" sldId="257"/>
             <ac:spMk id="91" creationId="{76409130-A004-FB55-6E45-0761C9942EB9}"/>
           </ac:spMkLst>
         </pc:spChg>
-        <pc:spChg chg="mod">
-          <ac:chgData name="LKG-laptop" userId="4d0fadd8-18c4-409d-a752-ea48dedb7f82" providerId="ADAL" clId="{8FE0068D-03CB-4087-8DE3-4F974A9297DD}" dt="2022-09-03T04:39:23.288" v="88" actId="14100"/>
+        <pc:spChg chg="mod topLvl">
+          <ac:chgData name="LKG-laptop" userId="4d0fadd8-18c4-409d-a752-ea48dedb7f82" providerId="ADAL" clId="{8FE0068D-03CB-4087-8DE3-4F974A9297DD}" dt="2022-09-16T03:00:38.571" v="800" actId="164"/>
           <ac:spMkLst>
             <pc:docMk/>
             <pc:sldMk cId="2769116104" sldId="257"/>
             <ac:spMk id="92" creationId="{1FF6CA13-7093-ED74-EC59-CB34BA4DC7A4}"/>
           </ac:spMkLst>
         </pc:spChg>
-        <pc:spChg chg="mod">
-          <ac:chgData name="LKG-laptop" userId="4d0fadd8-18c4-409d-a752-ea48dedb7f82" providerId="ADAL" clId="{8FE0068D-03CB-4087-8DE3-4F974A9297DD}" dt="2022-09-03T04:44:02.504" v="104" actId="20577"/>
+        <pc:spChg chg="mod topLvl">
+          <ac:chgData name="LKG-laptop" userId="4d0fadd8-18c4-409d-a752-ea48dedb7f82" providerId="ADAL" clId="{8FE0068D-03CB-4087-8DE3-4F974A9297DD}" dt="2022-09-16T03:00:38.571" v="800" actId="164"/>
           <ac:spMkLst>
             <pc:docMk/>
             <pc:sldMk cId="2769116104" sldId="257"/>
             <ac:spMk id="93" creationId="{1FAFA3C6-71D8-61D5-3FF1-518F09B57125}"/>
           </ac:spMkLst>
         </pc:spChg>
-        <pc:spChg chg="mod">
-          <ac:chgData name="LKG-laptop" userId="4d0fadd8-18c4-409d-a752-ea48dedb7f82" providerId="ADAL" clId="{8FE0068D-03CB-4087-8DE3-4F974A9297DD}" dt="2022-09-03T04:44:05.837" v="106" actId="20577"/>
+        <pc:spChg chg="del mod topLvl">
+          <ac:chgData name="LKG-laptop" userId="4d0fadd8-18c4-409d-a752-ea48dedb7f82" providerId="ADAL" clId="{8FE0068D-03CB-4087-8DE3-4F974A9297DD}" dt="2022-09-16T02:29:26.952" v="475" actId="478"/>
           <ac:spMkLst>
             <pc:docMk/>
             <pc:sldMk cId="2769116104" sldId="257"/>
             <ac:spMk id="94" creationId="{23261E0A-18F7-DAC3-71B6-21ADDCFDB43A}"/>
           </ac:spMkLst>
         </pc:spChg>
-        <pc:spChg chg="mod">
-          <ac:chgData name="LKG-laptop" userId="4d0fadd8-18c4-409d-a752-ea48dedb7f82" providerId="ADAL" clId="{8FE0068D-03CB-4087-8DE3-4F974A9297DD}" dt="2022-09-03T04:38:14.070" v="70" actId="255"/>
+        <pc:spChg chg="del mod topLvl">
+          <ac:chgData name="LKG-laptop" userId="4d0fadd8-18c4-409d-a752-ea48dedb7f82" providerId="ADAL" clId="{8FE0068D-03CB-4087-8DE3-4F974A9297DD}" dt="2022-09-16T01:59:57.046" v="291" actId="478"/>
           <ac:spMkLst>
             <pc:docMk/>
             <pc:sldMk cId="2769116104" sldId="257"/>
             <ac:spMk id="95" creationId="{05A4F69C-6F1C-A741-398E-607DDCBF3EF0}"/>
           </ac:spMkLst>
         </pc:spChg>
-        <pc:spChg chg="mod">
-          <ac:chgData name="LKG-laptop" userId="4d0fadd8-18c4-409d-a752-ea48dedb7f82" providerId="ADAL" clId="{8FE0068D-03CB-4087-8DE3-4F974A9297DD}" dt="2022-09-03T04:38:14.070" v="70" actId="255"/>
+        <pc:spChg chg="del mod topLvl">
+          <ac:chgData name="LKG-laptop" userId="4d0fadd8-18c4-409d-a752-ea48dedb7f82" providerId="ADAL" clId="{8FE0068D-03CB-4087-8DE3-4F974A9297DD}" dt="2022-09-16T01:59:57.944" v="292" actId="478"/>
           <ac:spMkLst>
             <pc:docMk/>
             <pc:sldMk cId="2769116104" sldId="257"/>
             <ac:spMk id="96" creationId="{C4B9EB13-4314-5E1D-7FF8-22A410AE08EF}"/>
           </ac:spMkLst>
         </pc:spChg>
-        <pc:spChg chg="mod">
-          <ac:chgData name="LKG-laptop" userId="4d0fadd8-18c4-409d-a752-ea48dedb7f82" providerId="ADAL" clId="{8FE0068D-03CB-4087-8DE3-4F974A9297DD}" dt="2022-09-03T04:38:14.070" v="70" actId="255"/>
+        <pc:spChg chg="del mod topLvl">
+          <ac:chgData name="LKG-laptop" userId="4d0fadd8-18c4-409d-a752-ea48dedb7f82" providerId="ADAL" clId="{8FE0068D-03CB-4087-8DE3-4F974A9297DD}" dt="2022-09-16T02:29:26.952" v="475" actId="478"/>
           <ac:spMkLst>
             <pc:docMk/>
             <pc:sldMk cId="2769116104" sldId="257"/>
             <ac:spMk id="97" creationId="{37E25310-D485-F519-4A25-967F9CBAC787}"/>
           </ac:spMkLst>
         </pc:spChg>
-        <pc:spChg chg="mod">
-          <ac:chgData name="LKG-laptop" userId="4d0fadd8-18c4-409d-a752-ea48dedb7f82" providerId="ADAL" clId="{8FE0068D-03CB-4087-8DE3-4F974A9297DD}" dt="2022-09-03T04:39:32.789" v="90" actId="1076"/>
+        <pc:spChg chg="mod topLvl">
+          <ac:chgData name="LKG-laptop" userId="4d0fadd8-18c4-409d-a752-ea48dedb7f82" providerId="ADAL" clId="{8FE0068D-03CB-4087-8DE3-4F974A9297DD}" dt="2022-09-16T03:00:38.571" v="800" actId="164"/>
           <ac:spMkLst>
             <pc:docMk/>
             <pc:sldMk cId="2769116104" sldId="257"/>
             <ac:spMk id="98" creationId="{9CC8ED86-D667-0077-E9BD-31536DE5F94A}"/>
           </ac:spMkLst>
         </pc:spChg>
-        <pc:spChg chg="mod">
-          <ac:chgData name="LKG-laptop" userId="4d0fadd8-18c4-409d-a752-ea48dedb7f82" providerId="ADAL" clId="{8FE0068D-03CB-4087-8DE3-4F974A9297DD}" dt="2022-09-03T04:46:37.659" v="122" actId="208"/>
+        <pc:spChg chg="del mod topLvl">
+          <ac:chgData name="LKG-laptop" userId="4d0fadd8-18c4-409d-a752-ea48dedb7f82" providerId="ADAL" clId="{8FE0068D-03CB-4087-8DE3-4F974A9297DD}" dt="2022-09-16T01:59:59.119" v="293" actId="478"/>
           <ac:spMkLst>
             <pc:docMk/>
             <pc:sldMk cId="2769116104" sldId="257"/>
             <ac:spMk id="101" creationId="{B546DF54-8B2F-5222-3A31-80E2D9BAAECE}"/>
           </ac:spMkLst>
         </pc:spChg>
-        <pc:spChg chg="mod">
-          <ac:chgData name="LKG-laptop" userId="4d0fadd8-18c4-409d-a752-ea48dedb7f82" providerId="ADAL" clId="{8FE0068D-03CB-4087-8DE3-4F974A9297DD}" dt="2022-09-03T04:39:12.533" v="85" actId="1076"/>
+        <pc:spChg chg="del mod topLvl">
+          <ac:chgData name="LKG-laptop" userId="4d0fadd8-18c4-409d-a752-ea48dedb7f82" providerId="ADAL" clId="{8FE0068D-03CB-4087-8DE3-4F974A9297DD}" dt="2022-09-16T02:29:29.388" v="476" actId="21"/>
           <ac:spMkLst>
             <pc:docMk/>
             <pc:sldMk cId="2769116104" sldId="257"/>
             <ac:spMk id="102" creationId="{CA1542AA-A578-475B-C185-7499525EE08D}"/>
           </ac:spMkLst>
         </pc:spChg>
-        <pc:spChg chg="mod">
-          <ac:chgData name="LKG-laptop" userId="4d0fadd8-18c4-409d-a752-ea48dedb7f82" providerId="ADAL" clId="{8FE0068D-03CB-4087-8DE3-4F974A9297DD}" dt="2022-09-03T04:46:35.297" v="120" actId="208"/>
+        <pc:spChg chg="del mod topLvl">
+          <ac:chgData name="LKG-laptop" userId="4d0fadd8-18c4-409d-a752-ea48dedb7f82" providerId="ADAL" clId="{8FE0068D-03CB-4087-8DE3-4F974A9297DD}" dt="2022-09-16T02:19:42.358" v="405" actId="478"/>
           <ac:spMkLst>
             <pc:docMk/>
             <pc:sldMk cId="2769116104" sldId="257"/>
             <ac:spMk id="104" creationId="{01DC0101-C04D-2303-2C69-A090EBF62A97}"/>
           </ac:spMkLst>
         </pc:spChg>
-        <pc:spChg chg="mod">
-          <ac:chgData name="LKG-laptop" userId="4d0fadd8-18c4-409d-a752-ea48dedb7f82" providerId="ADAL" clId="{8FE0068D-03CB-4087-8DE3-4F974A9297DD}" dt="2022-09-03T04:46:32.360" v="118" actId="208"/>
+        <pc:spChg chg="del mod topLvl">
+          <ac:chgData name="LKG-laptop" userId="4d0fadd8-18c4-409d-a752-ea48dedb7f82" providerId="ADAL" clId="{8FE0068D-03CB-4087-8DE3-4F974A9297DD}" dt="2022-09-16T02:19:41.614" v="404" actId="478"/>
           <ac:spMkLst>
             <pc:docMk/>
             <pc:sldMk cId="2769116104" sldId="257"/>
             <ac:spMk id="105" creationId="{9E99C68B-FA8C-747C-42C7-267431C755CE}"/>
           </ac:spMkLst>
         </pc:spChg>
-        <pc:spChg chg="mod">
-          <ac:chgData name="LKG-laptop" userId="4d0fadd8-18c4-409d-a752-ea48dedb7f82" providerId="ADAL" clId="{8FE0068D-03CB-4087-8DE3-4F974A9297DD}" dt="2022-09-03T04:39:28.625" v="89" actId="1076"/>
+        <pc:spChg chg="del mod topLvl">
+          <ac:chgData name="LKG-laptop" userId="4d0fadd8-18c4-409d-a752-ea48dedb7f82" providerId="ADAL" clId="{8FE0068D-03CB-4087-8DE3-4F974A9297DD}" dt="2022-09-16T02:27:19.462" v="459" actId="478"/>
           <ac:spMkLst>
             <pc:docMk/>
             <pc:sldMk cId="2769116104" sldId="257"/>
             <ac:spMk id="106" creationId="{19A183A4-A806-3958-A0BF-2408FFBCD2B6}"/>
           </ac:spMkLst>
         </pc:spChg>
+        <pc:spChg chg="add del mod">
+          <ac:chgData name="LKG-laptop" userId="4d0fadd8-18c4-409d-a752-ea48dedb7f82" providerId="ADAL" clId="{8FE0068D-03CB-4087-8DE3-4F974A9297DD}" dt="2022-09-16T02:24:41.906" v="446"/>
+          <ac:spMkLst>
+            <pc:docMk/>
+            <pc:sldMk cId="2769116104" sldId="257"/>
+            <ac:spMk id="116" creationId="{681438D9-817F-93EF-2E97-109F80B49FE8}"/>
+          </ac:spMkLst>
+        </pc:spChg>
+        <pc:spChg chg="add del mod">
+          <ac:chgData name="LKG-laptop" userId="4d0fadd8-18c4-409d-a752-ea48dedb7f82" providerId="ADAL" clId="{8FE0068D-03CB-4087-8DE3-4F974A9297DD}" dt="2022-09-16T02:24:41.906" v="446"/>
+          <ac:spMkLst>
+            <pc:docMk/>
+            <pc:sldMk cId="2769116104" sldId="257"/>
+            <ac:spMk id="117" creationId="{4EDB3E1C-822F-19EF-FDA2-77E50A7ADCC2}"/>
+          </ac:spMkLst>
+        </pc:spChg>
+        <pc:spChg chg="add del mod">
+          <ac:chgData name="LKG-laptop" userId="4d0fadd8-18c4-409d-a752-ea48dedb7f82" providerId="ADAL" clId="{8FE0068D-03CB-4087-8DE3-4F974A9297DD}" dt="2022-09-16T02:24:41.906" v="446"/>
+          <ac:spMkLst>
+            <pc:docMk/>
+            <pc:sldMk cId="2769116104" sldId="257"/>
+            <ac:spMk id="118" creationId="{FCF5166B-FA72-0E59-2D94-410CE90A588A}"/>
+          </ac:spMkLst>
+        </pc:spChg>
+        <pc:spChg chg="add del mod">
+          <ac:chgData name="LKG-laptop" userId="4d0fadd8-18c4-409d-a752-ea48dedb7f82" providerId="ADAL" clId="{8FE0068D-03CB-4087-8DE3-4F974A9297DD}" dt="2022-09-16T02:24:41.906" v="446"/>
+          <ac:spMkLst>
+            <pc:docMk/>
+            <pc:sldMk cId="2769116104" sldId="257"/>
+            <ac:spMk id="119" creationId="{7ADEF745-FDA3-B0B9-3C84-5E85F8E60894}"/>
+          </ac:spMkLst>
+        </pc:spChg>
+        <pc:spChg chg="add del mod">
+          <ac:chgData name="LKG-laptop" userId="4d0fadd8-18c4-409d-a752-ea48dedb7f82" providerId="ADAL" clId="{8FE0068D-03CB-4087-8DE3-4F974A9297DD}" dt="2022-09-16T02:24:41.906" v="446"/>
+          <ac:spMkLst>
+            <pc:docMk/>
+            <pc:sldMk cId="2769116104" sldId="257"/>
+            <ac:spMk id="121" creationId="{BF34C2B4-58B3-A8E4-3779-9164A0ACD190}"/>
+          </ac:spMkLst>
+        </pc:spChg>
+        <pc:spChg chg="add mod">
+          <ac:chgData name="LKG-laptop" userId="4d0fadd8-18c4-409d-a752-ea48dedb7f82" providerId="ADAL" clId="{8FE0068D-03CB-4087-8DE3-4F974A9297DD}" dt="2022-09-16T03:00:38.571" v="800" actId="164"/>
+          <ac:spMkLst>
+            <pc:docMk/>
+            <pc:sldMk cId="2769116104" sldId="257"/>
+            <ac:spMk id="132" creationId="{BD22F1B5-CAC7-0D30-9C56-3A3BB98EA4F6}"/>
+          </ac:spMkLst>
+        </pc:spChg>
+        <pc:spChg chg="add mod">
+          <ac:chgData name="LKG-laptop" userId="4d0fadd8-18c4-409d-a752-ea48dedb7f82" providerId="ADAL" clId="{8FE0068D-03CB-4087-8DE3-4F974A9297DD}" dt="2022-09-16T03:00:38.571" v="800" actId="164"/>
+          <ac:spMkLst>
+            <pc:docMk/>
+            <pc:sldMk cId="2769116104" sldId="257"/>
+            <ac:spMk id="133" creationId="{63713FD3-2EA6-1862-29AD-C99ADF3F500E}"/>
+          </ac:spMkLst>
+        </pc:spChg>
+        <pc:spChg chg="add mod">
+          <ac:chgData name="LKG-laptop" userId="4d0fadd8-18c4-409d-a752-ea48dedb7f82" providerId="ADAL" clId="{8FE0068D-03CB-4087-8DE3-4F974A9297DD}" dt="2022-09-16T03:00:38.571" v="800" actId="164"/>
+          <ac:spMkLst>
+            <pc:docMk/>
+            <pc:sldMk cId="2769116104" sldId="257"/>
+            <ac:spMk id="134" creationId="{801C2FC0-EACA-4EA5-AD0B-50AE8A57E846}"/>
+          </ac:spMkLst>
+        </pc:spChg>
+        <pc:spChg chg="add mod">
+          <ac:chgData name="LKG-laptop" userId="4d0fadd8-18c4-409d-a752-ea48dedb7f82" providerId="ADAL" clId="{8FE0068D-03CB-4087-8DE3-4F974A9297DD}" dt="2022-09-16T03:00:38.571" v="800" actId="164"/>
+          <ac:spMkLst>
+            <pc:docMk/>
+            <pc:sldMk cId="2769116104" sldId="257"/>
+            <ac:spMk id="135" creationId="{7666FF2E-C0D8-4B6A-A865-58AF7A0FE018}"/>
+          </ac:spMkLst>
+        </pc:spChg>
+        <pc:spChg chg="add mod">
+          <ac:chgData name="LKG-laptop" userId="4d0fadd8-18c4-409d-a752-ea48dedb7f82" providerId="ADAL" clId="{8FE0068D-03CB-4087-8DE3-4F974A9297DD}" dt="2022-09-16T03:00:38.571" v="800" actId="164"/>
+          <ac:spMkLst>
+            <pc:docMk/>
+            <pc:sldMk cId="2769116104" sldId="257"/>
+            <ac:spMk id="137" creationId="{1861E827-30F1-538C-DE5F-F38622A5A8AA}"/>
+          </ac:spMkLst>
+        </pc:spChg>
+        <pc:spChg chg="add mod">
+          <ac:chgData name="LKG-laptop" userId="4d0fadd8-18c4-409d-a752-ea48dedb7f82" providerId="ADAL" clId="{8FE0068D-03CB-4087-8DE3-4F974A9297DD}" dt="2022-09-16T03:00:38.571" v="800" actId="164"/>
+          <ac:spMkLst>
+            <pc:docMk/>
+            <pc:sldMk cId="2769116104" sldId="257"/>
+            <ac:spMk id="143" creationId="{8EC17298-7AAD-8D2C-2486-4B47D130C141}"/>
+          </ac:spMkLst>
+        </pc:spChg>
+        <pc:spChg chg="add mod">
+          <ac:chgData name="LKG-laptop" userId="4d0fadd8-18c4-409d-a752-ea48dedb7f82" providerId="ADAL" clId="{8FE0068D-03CB-4087-8DE3-4F974A9297DD}" dt="2022-09-16T03:00:38.571" v="800" actId="164"/>
+          <ac:spMkLst>
+            <pc:docMk/>
+            <pc:sldMk cId="2769116104" sldId="257"/>
+            <ac:spMk id="150" creationId="{0F2B0ECE-8234-7925-87E1-FA6035E03074}"/>
+          </ac:spMkLst>
+        </pc:spChg>
+        <pc:spChg chg="add mod">
+          <ac:chgData name="LKG-laptop" userId="4d0fadd8-18c4-409d-a752-ea48dedb7f82" providerId="ADAL" clId="{8FE0068D-03CB-4087-8DE3-4F974A9297DD}" dt="2022-09-16T03:00:38.571" v="800" actId="164"/>
+          <ac:spMkLst>
+            <pc:docMk/>
+            <pc:sldMk cId="2769116104" sldId="257"/>
+            <ac:spMk id="154" creationId="{A8E97E3B-6107-E94A-A204-2EE998C30A98}"/>
+          </ac:spMkLst>
+        </pc:spChg>
+        <pc:spChg chg="add mod">
+          <ac:chgData name="LKG-laptop" userId="4d0fadd8-18c4-409d-a752-ea48dedb7f82" providerId="ADAL" clId="{8FE0068D-03CB-4087-8DE3-4F974A9297DD}" dt="2022-09-16T03:00:38.571" v="800" actId="164"/>
+          <ac:spMkLst>
+            <pc:docMk/>
+            <pc:sldMk cId="2769116104" sldId="257"/>
+            <ac:spMk id="190" creationId="{1A5A91FE-4AA0-8681-2CCC-AFD5AFBB317C}"/>
+          </ac:spMkLst>
+        </pc:spChg>
+        <pc:spChg chg="add mod ord">
+          <ac:chgData name="LKG-laptop" userId="4d0fadd8-18c4-409d-a752-ea48dedb7f82" providerId="ADAL" clId="{8FE0068D-03CB-4087-8DE3-4F974A9297DD}" dt="2022-09-16T03:00:38.571" v="800" actId="164"/>
+          <ac:spMkLst>
+            <pc:docMk/>
+            <pc:sldMk cId="2769116104" sldId="257"/>
+            <ac:spMk id="191" creationId="{43DE360A-B977-1ACA-F947-82BE6CD59200}"/>
+          </ac:spMkLst>
+        </pc:spChg>
+        <pc:spChg chg="add mod ord">
+          <ac:chgData name="LKG-laptop" userId="4d0fadd8-18c4-409d-a752-ea48dedb7f82" providerId="ADAL" clId="{8FE0068D-03CB-4087-8DE3-4F974A9297DD}" dt="2022-09-16T03:00:38.571" v="800" actId="164"/>
+          <ac:spMkLst>
+            <pc:docMk/>
+            <pc:sldMk cId="2769116104" sldId="257"/>
+            <ac:spMk id="192" creationId="{E8B1C02E-0FA8-89DC-576A-C095F0A86CC8}"/>
+          </ac:spMkLst>
+        </pc:spChg>
+        <pc:spChg chg="add mod ord">
+          <ac:chgData name="LKG-laptop" userId="4d0fadd8-18c4-409d-a752-ea48dedb7f82" providerId="ADAL" clId="{8FE0068D-03CB-4087-8DE3-4F974A9297DD}" dt="2022-09-16T03:00:38.571" v="800" actId="164"/>
+          <ac:spMkLst>
+            <pc:docMk/>
+            <pc:sldMk cId="2769116104" sldId="257"/>
+            <ac:spMk id="193" creationId="{9CBC67AF-88A6-F240-36A0-BB3EBA38171B}"/>
+          </ac:spMkLst>
+        </pc:spChg>
+        <pc:spChg chg="add mod ord">
+          <ac:chgData name="LKG-laptop" userId="4d0fadd8-18c4-409d-a752-ea48dedb7f82" providerId="ADAL" clId="{8FE0068D-03CB-4087-8DE3-4F974A9297DD}" dt="2022-09-16T03:00:38.571" v="800" actId="164"/>
+          <ac:spMkLst>
+            <pc:docMk/>
+            <pc:sldMk cId="2769116104" sldId="257"/>
+            <ac:spMk id="194" creationId="{D23654F9-9B13-3915-9E32-AB165CBFFE7F}"/>
+          </ac:spMkLst>
+        </pc:spChg>
+        <pc:spChg chg="add mod ord">
+          <ac:chgData name="LKG-laptop" userId="4d0fadd8-18c4-409d-a752-ea48dedb7f82" providerId="ADAL" clId="{8FE0068D-03CB-4087-8DE3-4F974A9297DD}" dt="2022-09-16T03:00:38.571" v="800" actId="164"/>
+          <ac:spMkLst>
+            <pc:docMk/>
+            <pc:sldMk cId="2769116104" sldId="257"/>
+            <ac:spMk id="195" creationId="{1AC53D0D-FF6F-51BF-2E61-582073A13DA4}"/>
+          </ac:spMkLst>
+        </pc:spChg>
+        <pc:spChg chg="add mod ord">
+          <ac:chgData name="LKG-laptop" userId="4d0fadd8-18c4-409d-a752-ea48dedb7f82" providerId="ADAL" clId="{8FE0068D-03CB-4087-8DE3-4F974A9297DD}" dt="2022-09-16T03:00:38.571" v="800" actId="164"/>
+          <ac:spMkLst>
+            <pc:docMk/>
+            <pc:sldMk cId="2769116104" sldId="257"/>
+            <ac:spMk id="198" creationId="{8AAC2E27-286C-99AA-638E-8D00698A32FE}"/>
+          </ac:spMkLst>
+        </pc:spChg>
+        <pc:grpChg chg="add mod">
+          <ac:chgData name="LKG-laptop" userId="4d0fadd8-18c4-409d-a752-ea48dedb7f82" providerId="ADAL" clId="{8FE0068D-03CB-4087-8DE3-4F974A9297DD}" dt="2022-09-16T03:00:38.571" v="800" actId="164"/>
+          <ac:grpSpMkLst>
+            <pc:docMk/>
+            <pc:sldMk cId="2769116104" sldId="257"/>
+            <ac:grpSpMk id="2" creationId="{EFB71361-2479-6FE7-E504-6C65B9F6B4D1}"/>
+          </ac:grpSpMkLst>
+        </pc:grpChg>
+        <pc:grpChg chg="mod topLvl">
+          <ac:chgData name="LKG-laptop" userId="4d0fadd8-18c4-409d-a752-ea48dedb7f82" providerId="ADAL" clId="{8FE0068D-03CB-4087-8DE3-4F974A9297DD}" dt="2022-09-16T03:00:38.571" v="800" actId="164"/>
+          <ac:grpSpMkLst>
+            <pc:docMk/>
+            <pc:sldMk cId="2769116104" sldId="257"/>
+            <ac:grpSpMk id="29" creationId="{B5B7B4F2-7F3F-890D-92E3-C0734CD4707C}"/>
+          </ac:grpSpMkLst>
+        </pc:grpChg>
+        <pc:grpChg chg="del mod topLvl">
+          <ac:chgData name="LKG-laptop" userId="4d0fadd8-18c4-409d-a752-ea48dedb7f82" providerId="ADAL" clId="{8FE0068D-03CB-4087-8DE3-4F974A9297DD}" dt="2022-09-16T02:29:26.952" v="475" actId="478"/>
+          <ac:grpSpMkLst>
+            <pc:docMk/>
+            <pc:sldMk cId="2769116104" sldId="257"/>
+            <ac:grpSpMk id="76" creationId="{35EDB79F-BC19-DF4A-2C48-96C0AEE2C360}"/>
+          </ac:grpSpMkLst>
+        </pc:grpChg>
+        <pc:grpChg chg="del">
+          <ac:chgData name="LKG-laptop" userId="4d0fadd8-18c4-409d-a752-ea48dedb7f82" providerId="ADAL" clId="{8FE0068D-03CB-4087-8DE3-4F974A9297DD}" dt="2022-09-16T01:36:39.577" v="123" actId="165"/>
+          <ac:grpSpMkLst>
+            <pc:docMk/>
+            <pc:sldMk cId="2769116104" sldId="257"/>
+            <ac:grpSpMk id="109" creationId="{1FCE4B2D-577A-513D-5B0E-94EF305F3A0A}"/>
+          </ac:grpSpMkLst>
+        </pc:grpChg>
+        <pc:grpChg chg="add del mod">
+          <ac:chgData name="LKG-laptop" userId="4d0fadd8-18c4-409d-a752-ea48dedb7f82" providerId="ADAL" clId="{8FE0068D-03CB-4087-8DE3-4F974A9297DD}" dt="2022-09-16T02:32:18.936" v="493" actId="165"/>
+          <ac:grpSpMkLst>
+            <pc:docMk/>
+            <pc:sldMk cId="2769116104" sldId="257"/>
+            <ac:grpSpMk id="125" creationId="{CC52DBF2-97FC-4762-22EF-EF54E66CB867}"/>
+          </ac:grpSpMkLst>
+        </pc:grpChg>
+        <pc:grpChg chg="add mod">
+          <ac:chgData name="LKG-laptop" userId="4d0fadd8-18c4-409d-a752-ea48dedb7f82" providerId="ADAL" clId="{8FE0068D-03CB-4087-8DE3-4F974A9297DD}" dt="2022-09-16T03:00:38.571" v="800" actId="164"/>
+          <ac:grpSpMkLst>
+            <pc:docMk/>
+            <pc:sldMk cId="2769116104" sldId="257"/>
+            <ac:grpSpMk id="172" creationId="{73AA990E-CA77-F6F5-ADCD-6916E0087094}"/>
+          </ac:grpSpMkLst>
+        </pc:grpChg>
+        <pc:grpChg chg="add del mod">
+          <ac:chgData name="LKG-laptop" userId="4d0fadd8-18c4-409d-a752-ea48dedb7f82" providerId="ADAL" clId="{8FE0068D-03CB-4087-8DE3-4F974A9297DD}" dt="2022-09-16T02:39:52.350" v="580" actId="478"/>
+          <ac:grpSpMkLst>
+            <pc:docMk/>
+            <pc:sldMk cId="2769116104" sldId="257"/>
+            <ac:grpSpMk id="173" creationId="{32FBD31A-640E-A3EA-3785-0CCB319A8BDD}"/>
+          </ac:grpSpMkLst>
+        </pc:grpChg>
+        <pc:grpChg chg="add del mod">
+          <ac:chgData name="LKG-laptop" userId="4d0fadd8-18c4-409d-a752-ea48dedb7f82" providerId="ADAL" clId="{8FE0068D-03CB-4087-8DE3-4F974A9297DD}" dt="2022-09-16T02:40:26.261" v="591" actId="478"/>
+          <ac:grpSpMkLst>
+            <pc:docMk/>
+            <pc:sldMk cId="2769116104" sldId="257"/>
+            <ac:grpSpMk id="180" creationId="{1E198EE5-79A7-B325-28C7-1A20B5F36EE7}"/>
+          </ac:grpSpMkLst>
+        </pc:grpChg>
+        <pc:grpChg chg="add del mod">
+          <ac:chgData name="LKG-laptop" userId="4d0fadd8-18c4-409d-a752-ea48dedb7f82" providerId="ADAL" clId="{8FE0068D-03CB-4087-8DE3-4F974A9297DD}" dt="2022-09-16T02:40:18.959" v="587" actId="478"/>
+          <ac:grpSpMkLst>
+            <pc:docMk/>
+            <pc:sldMk cId="2769116104" sldId="257"/>
+            <ac:grpSpMk id="181" creationId="{5D2FF746-42FB-EF57-D420-6E5AD4F18C1C}"/>
+          </ac:grpSpMkLst>
+        </pc:grpChg>
         <pc:picChg chg="mod">
-          <ac:chgData name="LKG-laptop" userId="4d0fadd8-18c4-409d-a752-ea48dedb7f82" providerId="ADAL" clId="{8FE0068D-03CB-4087-8DE3-4F974A9297DD}" dt="2022-09-03T04:45:32.760" v="108" actId="208"/>
+          <ac:chgData name="LKG-laptop" userId="4d0fadd8-18c4-409d-a752-ea48dedb7f82" providerId="ADAL" clId="{8FE0068D-03CB-4087-8DE3-4F974A9297DD}" dt="2022-09-16T01:36:39.577" v="123" actId="165"/>
+          <ac:picMkLst>
+            <pc:docMk/>
+            <pc:sldMk cId="2769116104" sldId="257"/>
+            <ac:picMk id="11" creationId="{5860ED0B-4DE4-8AF6-28C8-F8C7CBC1876F}"/>
+          </ac:picMkLst>
+        </pc:picChg>
+        <pc:picChg chg="mod">
+          <ac:chgData name="LKG-laptop" userId="4d0fadd8-18c4-409d-a752-ea48dedb7f82" providerId="ADAL" clId="{8FE0068D-03CB-4087-8DE3-4F974A9297DD}" dt="2022-09-16T01:36:39.577" v="123" actId="165"/>
+          <ac:picMkLst>
+            <pc:docMk/>
+            <pc:sldMk cId="2769116104" sldId="257"/>
+            <ac:picMk id="15" creationId="{9AE19F95-F996-B76C-331C-4AB7A191192D}"/>
+          </ac:picMkLst>
+        </pc:picChg>
+        <pc:picChg chg="mod">
+          <ac:chgData name="LKG-laptop" userId="4d0fadd8-18c4-409d-a752-ea48dedb7f82" providerId="ADAL" clId="{8FE0068D-03CB-4087-8DE3-4F974A9297DD}" dt="2022-09-16T01:36:39.577" v="123" actId="165"/>
+          <ac:picMkLst>
+            <pc:docMk/>
+            <pc:sldMk cId="2769116104" sldId="257"/>
+            <ac:picMk id="17" creationId="{E65710DB-E261-3597-EF60-6CA0E64EA158}"/>
+          </ac:picMkLst>
+        </pc:picChg>
+        <pc:picChg chg="mod">
+          <ac:chgData name="LKG-laptop" userId="4d0fadd8-18c4-409d-a752-ea48dedb7f82" providerId="ADAL" clId="{8FE0068D-03CB-4087-8DE3-4F974A9297DD}" dt="2022-09-16T01:36:39.577" v="123" actId="165"/>
+          <ac:picMkLst>
+            <pc:docMk/>
+            <pc:sldMk cId="2769116104" sldId="257"/>
+            <ac:picMk id="19" creationId="{FA3FAB41-73EC-B915-8B25-B95714C0ADAA}"/>
+          </ac:picMkLst>
+        </pc:picChg>
+        <pc:picChg chg="mod">
+          <ac:chgData name="LKG-laptop" userId="4d0fadd8-18c4-409d-a752-ea48dedb7f82" providerId="ADAL" clId="{8FE0068D-03CB-4087-8DE3-4F974A9297DD}" dt="2022-09-16T01:36:39.577" v="123" actId="165"/>
+          <ac:picMkLst>
+            <pc:docMk/>
+            <pc:sldMk cId="2769116104" sldId="257"/>
+            <ac:picMk id="25" creationId="{CE0C5607-07F1-AA11-F155-66093FFB721E}"/>
+          </ac:picMkLst>
+        </pc:picChg>
+        <pc:picChg chg="mod">
+          <ac:chgData name="LKG-laptop" userId="4d0fadd8-18c4-409d-a752-ea48dedb7f82" providerId="ADAL" clId="{8FE0068D-03CB-4087-8DE3-4F974A9297DD}" dt="2022-09-16T01:36:39.577" v="123" actId="165"/>
+          <ac:picMkLst>
+            <pc:docMk/>
+            <pc:sldMk cId="2769116104" sldId="257"/>
+            <ac:picMk id="27" creationId="{2390D1C7-E69A-0AC1-5A85-285927A30E78}"/>
+          </ac:picMkLst>
+        </pc:picChg>
+        <pc:picChg chg="add del mod">
+          <ac:chgData name="LKG-laptop" userId="4d0fadd8-18c4-409d-a752-ea48dedb7f82" providerId="ADAL" clId="{8FE0068D-03CB-4087-8DE3-4F974A9297DD}" dt="2022-09-16T02:10:09.901" v="302" actId="478"/>
+          <ac:picMkLst>
+            <pc:docMk/>
+            <pc:sldMk cId="2769116104" sldId="257"/>
+            <ac:picMk id="32" creationId="{9377F2D3-C03E-5992-9B76-CC81B6203BCA}"/>
+          </ac:picMkLst>
+        </pc:picChg>
+        <pc:picChg chg="add del mod">
+          <ac:chgData name="LKG-laptop" userId="4d0fadd8-18c4-409d-a752-ea48dedb7f82" providerId="ADAL" clId="{8FE0068D-03CB-4087-8DE3-4F974A9297DD}" dt="2022-09-16T02:11:07.072" v="310" actId="478"/>
+          <ac:picMkLst>
+            <pc:docMk/>
+            <pc:sldMk cId="2769116104" sldId="257"/>
+            <ac:picMk id="38" creationId="{BB00D541-6307-A275-FCD2-7D7838CF531E}"/>
+          </ac:picMkLst>
+        </pc:picChg>
+        <pc:picChg chg="mod topLvl">
+          <ac:chgData name="LKG-laptop" userId="4d0fadd8-18c4-409d-a752-ea48dedb7f82" providerId="ADAL" clId="{8FE0068D-03CB-4087-8DE3-4F974A9297DD}" dt="2022-09-16T03:00:38.571" v="800" actId="164"/>
           <ac:picMkLst>
             <pc:docMk/>
             <pc:sldMk cId="2769116104" sldId="257"/>
             <ac:picMk id="40" creationId="{3AB5C61A-A05D-0F97-CC0A-66ABF48EDEAD}"/>
           </ac:picMkLst>
         </pc:picChg>
+        <pc:picChg chg="add mod">
+          <ac:chgData name="LKG-laptop" userId="4d0fadd8-18c4-409d-a752-ea48dedb7f82" providerId="ADAL" clId="{8FE0068D-03CB-4087-8DE3-4F974A9297DD}" dt="2022-09-16T03:00:38.571" v="800" actId="164"/>
+          <ac:picMkLst>
+            <pc:docMk/>
+            <pc:sldMk cId="2769116104" sldId="257"/>
+            <ac:picMk id="41" creationId="{D4E7C94A-B467-0B7E-D29E-27AE86ADDC85}"/>
+          </ac:picMkLst>
+        </pc:picChg>
         <pc:picChg chg="mod">
-          <ac:chgData name="LKG-laptop" userId="4d0fadd8-18c4-409d-a752-ea48dedb7f82" providerId="ADAL" clId="{8FE0068D-03CB-4087-8DE3-4F974A9297DD}" dt="2022-09-03T04:45:25.110" v="107" actId="208"/>
+          <ac:chgData name="LKG-laptop" userId="4d0fadd8-18c4-409d-a752-ea48dedb7f82" providerId="ADAL" clId="{8FE0068D-03CB-4087-8DE3-4F974A9297DD}" dt="2022-09-16T01:36:39.577" v="123" actId="165"/>
+          <ac:picMkLst>
+            <pc:docMk/>
+            <pc:sldMk cId="2769116104" sldId="257"/>
+            <ac:picMk id="77" creationId="{E67B7D37-C4D1-50E9-AEC1-1B556C7D8B47}"/>
+          </ac:picMkLst>
+        </pc:picChg>
+        <pc:picChg chg="mod">
+          <ac:chgData name="LKG-laptop" userId="4d0fadd8-18c4-409d-a752-ea48dedb7f82" providerId="ADAL" clId="{8FE0068D-03CB-4087-8DE3-4F974A9297DD}" dt="2022-09-16T01:36:39.577" v="123" actId="165"/>
+          <ac:picMkLst>
+            <pc:docMk/>
+            <pc:sldMk cId="2769116104" sldId="257"/>
+            <ac:picMk id="78" creationId="{3760A974-F713-D54F-2578-A8FFFABB04F0}"/>
+          </ac:picMkLst>
+        </pc:picChg>
+        <pc:picChg chg="mod">
+          <ac:chgData name="LKG-laptop" userId="4d0fadd8-18c4-409d-a752-ea48dedb7f82" providerId="ADAL" clId="{8FE0068D-03CB-4087-8DE3-4F974A9297DD}" dt="2022-09-16T01:36:39.577" v="123" actId="165"/>
+          <ac:picMkLst>
+            <pc:docMk/>
+            <pc:sldMk cId="2769116104" sldId="257"/>
+            <ac:picMk id="79" creationId="{5EB0F1B7-B22A-CE33-0254-B26B773C8E01}"/>
+          </ac:picMkLst>
+        </pc:picChg>
+        <pc:picChg chg="mod">
+          <ac:chgData name="LKG-laptop" userId="4d0fadd8-18c4-409d-a752-ea48dedb7f82" providerId="ADAL" clId="{8FE0068D-03CB-4087-8DE3-4F974A9297DD}" dt="2022-09-16T01:36:39.577" v="123" actId="165"/>
+          <ac:picMkLst>
+            <pc:docMk/>
+            <pc:sldMk cId="2769116104" sldId="257"/>
+            <ac:picMk id="80" creationId="{602303A1-AF4D-342D-CB3C-3B9B892E215E}"/>
+          </ac:picMkLst>
+        </pc:picChg>
+        <pc:picChg chg="mod">
+          <ac:chgData name="LKG-laptop" userId="4d0fadd8-18c4-409d-a752-ea48dedb7f82" providerId="ADAL" clId="{8FE0068D-03CB-4087-8DE3-4F974A9297DD}" dt="2022-09-16T01:36:39.577" v="123" actId="165"/>
+          <ac:picMkLst>
+            <pc:docMk/>
+            <pc:sldMk cId="2769116104" sldId="257"/>
+            <ac:picMk id="81" creationId="{F97F4583-B577-F95F-7899-08ACF1E3D540}"/>
+          </ac:picMkLst>
+        </pc:picChg>
+        <pc:picChg chg="mod">
+          <ac:chgData name="LKG-laptop" userId="4d0fadd8-18c4-409d-a752-ea48dedb7f82" providerId="ADAL" clId="{8FE0068D-03CB-4087-8DE3-4F974A9297DD}" dt="2022-09-16T01:36:39.577" v="123" actId="165"/>
+          <ac:picMkLst>
+            <pc:docMk/>
+            <pc:sldMk cId="2769116104" sldId="257"/>
+            <ac:picMk id="82" creationId="{F1E5A658-B3B3-1433-244F-4447FDC33437}"/>
+          </ac:picMkLst>
+        </pc:picChg>
+        <pc:picChg chg="del mod topLvl">
+          <ac:chgData name="LKG-laptop" userId="4d0fadd8-18c4-409d-a752-ea48dedb7f82" providerId="ADAL" clId="{8FE0068D-03CB-4087-8DE3-4F974A9297DD}" dt="2022-09-16T02:29:26.952" v="475" actId="478"/>
           <ac:picMkLst>
             <pc:docMk/>
             <pc:sldMk cId="2769116104" sldId="257"/>
             <ac:picMk id="89" creationId="{5893C3BB-1E4C-38B0-A4C1-570AACFE1794}"/>
           </ac:picMkLst>
         </pc:picChg>
+        <pc:picChg chg="add del mod">
+          <ac:chgData name="LKG-laptop" userId="4d0fadd8-18c4-409d-a752-ea48dedb7f82" providerId="ADAL" clId="{8FE0068D-03CB-4087-8DE3-4F974A9297DD}" dt="2022-09-16T02:24:41.906" v="446"/>
+          <ac:picMkLst>
+            <pc:docMk/>
+            <pc:sldMk cId="2769116104" sldId="257"/>
+            <ac:picMk id="120" creationId="{E7B9DA51-7B00-9163-D476-A24BAB758DE3}"/>
+          </ac:picMkLst>
+        </pc:picChg>
+        <pc:picChg chg="del mod topLvl">
+          <ac:chgData name="LKG-laptop" userId="4d0fadd8-18c4-409d-a752-ea48dedb7f82" providerId="ADAL" clId="{8FE0068D-03CB-4087-8DE3-4F974A9297DD}" dt="2022-09-16T02:40:29.752" v="592" actId="478"/>
+          <ac:picMkLst>
+            <pc:docMk/>
+            <pc:sldMk cId="2769116104" sldId="257"/>
+            <ac:picMk id="126" creationId="{4727096F-AD92-36BA-6FCA-B21B964B4DDF}"/>
+          </ac:picMkLst>
+        </pc:picChg>
+        <pc:picChg chg="del mod topLvl">
+          <ac:chgData name="LKG-laptop" userId="4d0fadd8-18c4-409d-a752-ea48dedb7f82" providerId="ADAL" clId="{8FE0068D-03CB-4087-8DE3-4F974A9297DD}" dt="2022-09-16T02:40:29.752" v="592" actId="478"/>
+          <ac:picMkLst>
+            <pc:docMk/>
+            <pc:sldMk cId="2769116104" sldId="257"/>
+            <ac:picMk id="127" creationId="{667437B1-0606-F981-0708-EF7033341CBF}"/>
+          </ac:picMkLst>
+        </pc:picChg>
+        <pc:picChg chg="del mod topLvl">
+          <ac:chgData name="LKG-laptop" userId="4d0fadd8-18c4-409d-a752-ea48dedb7f82" providerId="ADAL" clId="{8FE0068D-03CB-4087-8DE3-4F974A9297DD}" dt="2022-09-16T02:40:29.752" v="592" actId="478"/>
+          <ac:picMkLst>
+            <pc:docMk/>
+            <pc:sldMk cId="2769116104" sldId="257"/>
+            <ac:picMk id="128" creationId="{BB4F31B0-3050-C0A0-33D4-4871708E942F}"/>
+          </ac:picMkLst>
+        </pc:picChg>
+        <pc:picChg chg="del mod topLvl">
+          <ac:chgData name="LKG-laptop" userId="4d0fadd8-18c4-409d-a752-ea48dedb7f82" providerId="ADAL" clId="{8FE0068D-03CB-4087-8DE3-4F974A9297DD}" dt="2022-09-16T02:40:29.752" v="592" actId="478"/>
+          <ac:picMkLst>
+            <pc:docMk/>
+            <pc:sldMk cId="2769116104" sldId="257"/>
+            <ac:picMk id="129" creationId="{FADF1AC8-2968-5F89-3D6B-FB540E1833C7}"/>
+          </ac:picMkLst>
+        </pc:picChg>
+        <pc:picChg chg="del mod topLvl">
+          <ac:chgData name="LKG-laptop" userId="4d0fadd8-18c4-409d-a752-ea48dedb7f82" providerId="ADAL" clId="{8FE0068D-03CB-4087-8DE3-4F974A9297DD}" dt="2022-09-16T02:40:29.752" v="592" actId="478"/>
+          <ac:picMkLst>
+            <pc:docMk/>
+            <pc:sldMk cId="2769116104" sldId="257"/>
+            <ac:picMk id="130" creationId="{3A0D6CC4-39DF-238A-1565-BA5A52B21E96}"/>
+          </ac:picMkLst>
+        </pc:picChg>
+        <pc:picChg chg="del mod topLvl">
+          <ac:chgData name="LKG-laptop" userId="4d0fadd8-18c4-409d-a752-ea48dedb7f82" providerId="ADAL" clId="{8FE0068D-03CB-4087-8DE3-4F974A9297DD}" dt="2022-09-16T02:40:29.752" v="592" actId="478"/>
+          <ac:picMkLst>
+            <pc:docMk/>
+            <pc:sldMk cId="2769116104" sldId="257"/>
+            <ac:picMk id="131" creationId="{A9C1D7FD-8545-C086-C8B0-5CE97817A7B6}"/>
+          </ac:picMkLst>
+        </pc:picChg>
+        <pc:picChg chg="add mod">
+          <ac:chgData name="LKG-laptop" userId="4d0fadd8-18c4-409d-a752-ea48dedb7f82" providerId="ADAL" clId="{8FE0068D-03CB-4087-8DE3-4F974A9297DD}" dt="2022-09-16T03:00:38.571" v="800" actId="164"/>
+          <ac:picMkLst>
+            <pc:docMk/>
+            <pc:sldMk cId="2769116104" sldId="257"/>
+            <ac:picMk id="136" creationId="{6453A468-A055-EDFB-6ECA-EB13C7D864E5}"/>
+          </ac:picMkLst>
+        </pc:picChg>
+        <pc:picChg chg="add mod ord">
+          <ac:chgData name="LKG-laptop" userId="4d0fadd8-18c4-409d-a752-ea48dedb7f82" providerId="ADAL" clId="{8FE0068D-03CB-4087-8DE3-4F974A9297DD}" dt="2022-09-16T02:39:18.344" v="576" actId="164"/>
+          <ac:picMkLst>
+            <pc:docMk/>
+            <pc:sldMk cId="2769116104" sldId="257"/>
+            <ac:picMk id="156" creationId="{EC640E95-781C-3A1E-E0F5-141750C24D41}"/>
+          </ac:picMkLst>
+        </pc:picChg>
+        <pc:picChg chg="add mod ord">
+          <ac:chgData name="LKG-laptop" userId="4d0fadd8-18c4-409d-a752-ea48dedb7f82" providerId="ADAL" clId="{8FE0068D-03CB-4087-8DE3-4F974A9297DD}" dt="2022-09-16T02:39:18.344" v="576" actId="164"/>
+          <ac:picMkLst>
+            <pc:docMk/>
+            <pc:sldMk cId="2769116104" sldId="257"/>
+            <ac:picMk id="158" creationId="{14DB5323-2E31-A594-2D71-1A753056B13F}"/>
+          </ac:picMkLst>
+        </pc:picChg>
+        <pc:picChg chg="add mod ord">
+          <ac:chgData name="LKG-laptop" userId="4d0fadd8-18c4-409d-a752-ea48dedb7f82" providerId="ADAL" clId="{8FE0068D-03CB-4087-8DE3-4F974A9297DD}" dt="2022-09-16T02:39:18.344" v="576" actId="164"/>
+          <ac:picMkLst>
+            <pc:docMk/>
+            <pc:sldMk cId="2769116104" sldId="257"/>
+            <ac:picMk id="160" creationId="{F9A57A32-6BCE-1AA2-95BC-11F3A3DA45F3}"/>
+          </ac:picMkLst>
+        </pc:picChg>
+        <pc:picChg chg="add mod ord">
+          <ac:chgData name="LKG-laptop" userId="4d0fadd8-18c4-409d-a752-ea48dedb7f82" providerId="ADAL" clId="{8FE0068D-03CB-4087-8DE3-4F974A9297DD}" dt="2022-09-16T02:39:18.344" v="576" actId="164"/>
+          <ac:picMkLst>
+            <pc:docMk/>
+            <pc:sldMk cId="2769116104" sldId="257"/>
+            <ac:picMk id="162" creationId="{2B3C0E01-10AC-C551-7C75-974DEDB8E0DE}"/>
+          </ac:picMkLst>
+        </pc:picChg>
+        <pc:picChg chg="add mod modCrop">
+          <ac:chgData name="LKG-laptop" userId="4d0fadd8-18c4-409d-a752-ea48dedb7f82" providerId="ADAL" clId="{8FE0068D-03CB-4087-8DE3-4F974A9297DD}" dt="2022-09-16T02:39:18.344" v="576" actId="164"/>
+          <ac:picMkLst>
+            <pc:docMk/>
+            <pc:sldMk cId="2769116104" sldId="257"/>
+            <ac:picMk id="164" creationId="{6F53DB8D-0A11-8634-A0DA-1F0DA47E0FE1}"/>
+          </ac:picMkLst>
+        </pc:picChg>
+        <pc:picChg chg="add mod">
+          <ac:chgData name="LKG-laptop" userId="4d0fadd8-18c4-409d-a752-ea48dedb7f82" providerId="ADAL" clId="{8FE0068D-03CB-4087-8DE3-4F974A9297DD}" dt="2022-09-16T02:39:18.344" v="576" actId="164"/>
+          <ac:picMkLst>
+            <pc:docMk/>
+            <pc:sldMk cId="2769116104" sldId="257"/>
+            <ac:picMk id="166" creationId="{993DC914-9F9C-F9A1-F68B-F78BFE2AFE2F}"/>
+          </ac:picMkLst>
+        </pc:picChg>
+        <pc:picChg chg="add mod">
+          <ac:chgData name="LKG-laptop" userId="4d0fadd8-18c4-409d-a752-ea48dedb7f82" providerId="ADAL" clId="{8FE0068D-03CB-4087-8DE3-4F974A9297DD}" dt="2022-09-16T02:39:21.672" v="577" actId="164"/>
+          <ac:picMkLst>
+            <pc:docMk/>
+            <pc:sldMk cId="2769116104" sldId="257"/>
+            <ac:picMk id="167" creationId="{B1C1A24B-F1BB-7E04-669B-7DFC056CB616}"/>
+          </ac:picMkLst>
+        </pc:picChg>
+        <pc:picChg chg="add mod">
+          <ac:chgData name="LKG-laptop" userId="4d0fadd8-18c4-409d-a752-ea48dedb7f82" providerId="ADAL" clId="{8FE0068D-03CB-4087-8DE3-4F974A9297DD}" dt="2022-09-16T02:39:21.672" v="577" actId="164"/>
+          <ac:picMkLst>
+            <pc:docMk/>
+            <pc:sldMk cId="2769116104" sldId="257"/>
+            <ac:picMk id="168" creationId="{60BB2FA3-4228-D678-C4CC-C14CA55A9134}"/>
+          </ac:picMkLst>
+        </pc:picChg>
+        <pc:picChg chg="add mod">
+          <ac:chgData name="LKG-laptop" userId="4d0fadd8-18c4-409d-a752-ea48dedb7f82" providerId="ADAL" clId="{8FE0068D-03CB-4087-8DE3-4F974A9297DD}" dt="2022-09-16T02:39:21.672" v="577" actId="164"/>
+          <ac:picMkLst>
+            <pc:docMk/>
+            <pc:sldMk cId="2769116104" sldId="257"/>
+            <ac:picMk id="169" creationId="{83A12CB6-D4D6-4740-782E-7C7696AACEDC}"/>
+          </ac:picMkLst>
+        </pc:picChg>
+        <pc:picChg chg="add mod">
+          <ac:chgData name="LKG-laptop" userId="4d0fadd8-18c4-409d-a752-ea48dedb7f82" providerId="ADAL" clId="{8FE0068D-03CB-4087-8DE3-4F974A9297DD}" dt="2022-09-16T02:39:21.672" v="577" actId="164"/>
+          <ac:picMkLst>
+            <pc:docMk/>
+            <pc:sldMk cId="2769116104" sldId="257"/>
+            <ac:picMk id="170" creationId="{EE518BF6-D418-0107-A264-A5B6D78C0E20}"/>
+          </ac:picMkLst>
+        </pc:picChg>
+        <pc:picChg chg="add mod">
+          <ac:chgData name="LKG-laptop" userId="4d0fadd8-18c4-409d-a752-ea48dedb7f82" providerId="ADAL" clId="{8FE0068D-03CB-4087-8DE3-4F974A9297DD}" dt="2022-09-16T02:39:21.672" v="577" actId="164"/>
+          <ac:picMkLst>
+            <pc:docMk/>
+            <pc:sldMk cId="2769116104" sldId="257"/>
+            <ac:picMk id="171" creationId="{3F6D17F1-61EB-291E-A134-3777D9F6CBA7}"/>
+          </ac:picMkLst>
+        </pc:picChg>
+        <pc:picChg chg="add mod">
+          <ac:chgData name="LKG-laptop" userId="4d0fadd8-18c4-409d-a752-ea48dedb7f82" providerId="ADAL" clId="{8FE0068D-03CB-4087-8DE3-4F974A9297DD}" dt="2022-09-16T02:40:03.457" v="582" actId="164"/>
+          <ac:picMkLst>
+            <pc:docMk/>
+            <pc:sldMk cId="2769116104" sldId="257"/>
+            <ac:picMk id="174" creationId="{B68AC707-D425-0AF2-B426-23711075DDF7}"/>
+          </ac:picMkLst>
+        </pc:picChg>
+        <pc:picChg chg="add mod">
+          <ac:chgData name="LKG-laptop" userId="4d0fadd8-18c4-409d-a752-ea48dedb7f82" providerId="ADAL" clId="{8FE0068D-03CB-4087-8DE3-4F974A9297DD}" dt="2022-09-16T02:40:03.457" v="582" actId="164"/>
+          <ac:picMkLst>
+            <pc:docMk/>
+            <pc:sldMk cId="2769116104" sldId="257"/>
+            <ac:picMk id="175" creationId="{219DE451-7289-08C1-01C5-9D3BD3B4C735}"/>
+          </ac:picMkLst>
+        </pc:picChg>
+        <pc:picChg chg="add mod">
+          <ac:chgData name="LKG-laptop" userId="4d0fadd8-18c4-409d-a752-ea48dedb7f82" providerId="ADAL" clId="{8FE0068D-03CB-4087-8DE3-4F974A9297DD}" dt="2022-09-16T02:40:03.457" v="582" actId="164"/>
+          <ac:picMkLst>
+            <pc:docMk/>
+            <pc:sldMk cId="2769116104" sldId="257"/>
+            <ac:picMk id="176" creationId="{4AC68DBF-1C62-5F17-E86F-A99D09A699D7}"/>
+          </ac:picMkLst>
+        </pc:picChg>
+        <pc:picChg chg="add mod">
+          <ac:chgData name="LKG-laptop" userId="4d0fadd8-18c4-409d-a752-ea48dedb7f82" providerId="ADAL" clId="{8FE0068D-03CB-4087-8DE3-4F974A9297DD}" dt="2022-09-16T02:40:03.457" v="582" actId="164"/>
+          <ac:picMkLst>
+            <pc:docMk/>
+            <pc:sldMk cId="2769116104" sldId="257"/>
+            <ac:picMk id="177" creationId="{FB692851-7AB0-2695-1496-C4775A653236}"/>
+          </ac:picMkLst>
+        </pc:picChg>
+        <pc:picChg chg="add mod">
+          <ac:chgData name="LKG-laptop" userId="4d0fadd8-18c4-409d-a752-ea48dedb7f82" providerId="ADAL" clId="{8FE0068D-03CB-4087-8DE3-4F974A9297DD}" dt="2022-09-16T02:40:03.457" v="582" actId="164"/>
+          <ac:picMkLst>
+            <pc:docMk/>
+            <pc:sldMk cId="2769116104" sldId="257"/>
+            <ac:picMk id="178" creationId="{ED1FAF43-AF3B-66A4-9BFE-A4439DBBD9AE}"/>
+          </ac:picMkLst>
+        </pc:picChg>
+        <pc:picChg chg="add mod">
+          <ac:chgData name="LKG-laptop" userId="4d0fadd8-18c4-409d-a752-ea48dedb7f82" providerId="ADAL" clId="{8FE0068D-03CB-4087-8DE3-4F974A9297DD}" dt="2022-09-16T02:40:03.457" v="582" actId="164"/>
+          <ac:picMkLst>
+            <pc:docMk/>
+            <pc:sldMk cId="2769116104" sldId="257"/>
+            <ac:picMk id="179" creationId="{90FE92C9-33C7-749E-FCB6-89677DDD1DF4}"/>
+          </ac:picMkLst>
+        </pc:picChg>
+        <pc:picChg chg="mod">
+          <ac:chgData name="LKG-laptop" userId="4d0fadd8-18c4-409d-a752-ea48dedb7f82" providerId="ADAL" clId="{8FE0068D-03CB-4087-8DE3-4F974A9297DD}" dt="2022-09-16T02:40:04.832" v="583" actId="571"/>
+          <ac:picMkLst>
+            <pc:docMk/>
+            <pc:sldMk cId="2769116104" sldId="257"/>
+            <ac:picMk id="182" creationId="{75A313D3-438F-C263-E760-BFBBAE0DED65}"/>
+          </ac:picMkLst>
+        </pc:picChg>
+        <pc:picChg chg="mod">
+          <ac:chgData name="LKG-laptop" userId="4d0fadd8-18c4-409d-a752-ea48dedb7f82" providerId="ADAL" clId="{8FE0068D-03CB-4087-8DE3-4F974A9297DD}" dt="2022-09-16T02:40:04.832" v="583" actId="571"/>
+          <ac:picMkLst>
+            <pc:docMk/>
+            <pc:sldMk cId="2769116104" sldId="257"/>
+            <ac:picMk id="183" creationId="{E774FFCC-7A07-5736-3CFE-CAD57C511186}"/>
+          </ac:picMkLst>
+        </pc:picChg>
+        <pc:picChg chg="mod">
+          <ac:chgData name="LKG-laptop" userId="4d0fadd8-18c4-409d-a752-ea48dedb7f82" providerId="ADAL" clId="{8FE0068D-03CB-4087-8DE3-4F974A9297DD}" dt="2022-09-16T02:40:04.832" v="583" actId="571"/>
+          <ac:picMkLst>
+            <pc:docMk/>
+            <pc:sldMk cId="2769116104" sldId="257"/>
+            <ac:picMk id="184" creationId="{FEFD57CF-F175-B218-7F60-EF1D65D1148E}"/>
+          </ac:picMkLst>
+        </pc:picChg>
+        <pc:picChg chg="mod">
+          <ac:chgData name="LKG-laptop" userId="4d0fadd8-18c4-409d-a752-ea48dedb7f82" providerId="ADAL" clId="{8FE0068D-03CB-4087-8DE3-4F974A9297DD}" dt="2022-09-16T02:40:04.832" v="583" actId="571"/>
+          <ac:picMkLst>
+            <pc:docMk/>
+            <pc:sldMk cId="2769116104" sldId="257"/>
+            <ac:picMk id="185" creationId="{F20F4F5E-7C63-E31B-6CF6-2B1239C36693}"/>
+          </ac:picMkLst>
+        </pc:picChg>
+        <pc:picChg chg="mod">
+          <ac:chgData name="LKG-laptop" userId="4d0fadd8-18c4-409d-a752-ea48dedb7f82" providerId="ADAL" clId="{8FE0068D-03CB-4087-8DE3-4F974A9297DD}" dt="2022-09-16T02:40:04.832" v="583" actId="571"/>
+          <ac:picMkLst>
+            <pc:docMk/>
+            <pc:sldMk cId="2769116104" sldId="257"/>
+            <ac:picMk id="186" creationId="{68A3BA94-978A-F122-D8D3-F905FB0379E7}"/>
+          </ac:picMkLst>
+        </pc:picChg>
+        <pc:picChg chg="mod">
+          <ac:chgData name="LKG-laptop" userId="4d0fadd8-18c4-409d-a752-ea48dedb7f82" providerId="ADAL" clId="{8FE0068D-03CB-4087-8DE3-4F974A9297DD}" dt="2022-09-16T02:40:04.832" v="583" actId="571"/>
+          <ac:picMkLst>
+            <pc:docMk/>
+            <pc:sldMk cId="2769116104" sldId="257"/>
+            <ac:picMk id="187" creationId="{061B7237-268F-43AB-C7B5-9C87D00D3939}"/>
+          </ac:picMkLst>
+        </pc:picChg>
+        <pc:picChg chg="add del mod">
+          <ac:chgData name="LKG-laptop" userId="4d0fadd8-18c4-409d-a752-ea48dedb7f82" providerId="ADAL" clId="{8FE0068D-03CB-4087-8DE3-4F974A9297DD}" dt="2022-09-16T02:41:15.587" v="601" actId="21"/>
+          <ac:picMkLst>
+            <pc:docMk/>
+            <pc:sldMk cId="2769116104" sldId="257"/>
+            <ac:picMk id="189" creationId="{DD2E43C4-F852-FDD9-EB3B-7A22D2E1F897}"/>
+          </ac:picMkLst>
+        </pc:picChg>
+        <pc:cxnChg chg="add del mod">
+          <ac:chgData name="LKG-laptop" userId="4d0fadd8-18c4-409d-a752-ea48dedb7f82" providerId="ADAL" clId="{8FE0068D-03CB-4087-8DE3-4F974A9297DD}" dt="2022-09-16T01:54:58.950" v="227" actId="478"/>
+          <ac:cxnSpMkLst>
+            <pc:docMk/>
+            <pc:sldMk cId="2769116104" sldId="257"/>
+            <ac:cxnSpMk id="3" creationId="{DA4AA514-7D96-6BAA-C4E9-AC910083F046}"/>
+          </ac:cxnSpMkLst>
+        </pc:cxnChg>
+        <pc:cxnChg chg="add mod">
+          <ac:chgData name="LKG-laptop" userId="4d0fadd8-18c4-409d-a752-ea48dedb7f82" providerId="ADAL" clId="{8FE0068D-03CB-4087-8DE3-4F974A9297DD}" dt="2022-09-16T03:00:38.571" v="800" actId="164"/>
+          <ac:cxnSpMkLst>
+            <pc:docMk/>
+            <pc:sldMk cId="2769116104" sldId="257"/>
+            <ac:cxnSpMk id="8" creationId="{966F5C95-C77C-F849-DF88-EC0415305CC4}"/>
+          </ac:cxnSpMkLst>
+        </pc:cxnChg>
+        <pc:cxnChg chg="add mod">
+          <ac:chgData name="LKG-laptop" userId="4d0fadd8-18c4-409d-a752-ea48dedb7f82" providerId="ADAL" clId="{8FE0068D-03CB-4087-8DE3-4F974A9297DD}" dt="2022-09-16T03:00:38.571" v="800" actId="164"/>
+          <ac:cxnSpMkLst>
+            <pc:docMk/>
+            <pc:sldMk cId="2769116104" sldId="257"/>
+            <ac:cxnSpMk id="13" creationId="{4206E632-4874-114D-F648-8BFA6B69DEB5}"/>
+          </ac:cxnSpMkLst>
+        </pc:cxnChg>
+        <pc:cxnChg chg="add del mod modVis">
+          <ac:chgData name="LKG-laptop" userId="4d0fadd8-18c4-409d-a752-ea48dedb7f82" providerId="ADAL" clId="{8FE0068D-03CB-4087-8DE3-4F974A9297DD}" dt="2022-09-16T02:13:51.960" v="352"/>
+          <ac:cxnSpMkLst>
+            <pc:docMk/>
+            <pc:sldMk cId="2769116104" sldId="257"/>
+            <ac:cxnSpMk id="46" creationId="{BF1B620D-A5AF-7936-0EB0-A785257C157B}"/>
+          </ac:cxnSpMkLst>
+        </pc:cxnChg>
+        <pc:cxnChg chg="add del mod modVis">
+          <ac:chgData name="LKG-laptop" userId="4d0fadd8-18c4-409d-a752-ea48dedb7f82" providerId="ADAL" clId="{8FE0068D-03CB-4087-8DE3-4F974A9297DD}" dt="2022-09-16T02:13:51.960" v="352"/>
+          <ac:cxnSpMkLst>
+            <pc:docMk/>
+            <pc:sldMk cId="2769116104" sldId="257"/>
+            <ac:cxnSpMk id="50" creationId="{C3A9C18D-B4FC-08A6-1D38-021AC72AF578}"/>
+          </ac:cxnSpMkLst>
+        </pc:cxnChg>
+        <pc:cxnChg chg="add mod">
+          <ac:chgData name="LKG-laptop" userId="4d0fadd8-18c4-409d-a752-ea48dedb7f82" providerId="ADAL" clId="{8FE0068D-03CB-4087-8DE3-4F974A9297DD}" dt="2022-09-16T03:00:38.571" v="800" actId="164"/>
+          <ac:cxnSpMkLst>
+            <pc:docMk/>
+            <pc:sldMk cId="2769116104" sldId="257"/>
+            <ac:cxnSpMk id="59" creationId="{6F28458D-43AD-BD05-BE12-D3EA50219596}"/>
+          </ac:cxnSpMkLst>
+        </pc:cxnChg>
+        <pc:cxnChg chg="add mod">
+          <ac:chgData name="LKG-laptop" userId="4d0fadd8-18c4-409d-a752-ea48dedb7f82" providerId="ADAL" clId="{8FE0068D-03CB-4087-8DE3-4F974A9297DD}" dt="2022-09-16T03:00:38.571" v="800" actId="164"/>
+          <ac:cxnSpMkLst>
+            <pc:docMk/>
+            <pc:sldMk cId="2769116104" sldId="257"/>
+            <ac:cxnSpMk id="67" creationId="{E3951CDF-0464-50D5-38EF-96335896529F}"/>
+          </ac:cxnSpMkLst>
+        </pc:cxnChg>
+        <pc:cxnChg chg="add mod">
+          <ac:chgData name="LKG-laptop" userId="4d0fadd8-18c4-409d-a752-ea48dedb7f82" providerId="ADAL" clId="{8FE0068D-03CB-4087-8DE3-4F974A9297DD}" dt="2022-09-16T03:00:38.571" v="800" actId="164"/>
+          <ac:cxnSpMkLst>
+            <pc:docMk/>
+            <pc:sldMk cId="2769116104" sldId="257"/>
+            <ac:cxnSpMk id="99" creationId="{217C51CA-0795-522D-5E04-9A37BE538078}"/>
+          </ac:cxnSpMkLst>
+        </pc:cxnChg>
+        <pc:cxnChg chg="add mod">
+          <ac:chgData name="LKG-laptop" userId="4d0fadd8-18c4-409d-a752-ea48dedb7f82" providerId="ADAL" clId="{8FE0068D-03CB-4087-8DE3-4F974A9297DD}" dt="2022-09-16T03:00:38.571" v="800" actId="164"/>
+          <ac:cxnSpMkLst>
+            <pc:docMk/>
+            <pc:sldMk cId="2769116104" sldId="257"/>
+            <ac:cxnSpMk id="100" creationId="{FEC2C331-F192-3BB2-F435-FAC558B9A92E}"/>
+          </ac:cxnSpMkLst>
+        </pc:cxnChg>
+        <pc:cxnChg chg="add mod">
+          <ac:chgData name="LKG-laptop" userId="4d0fadd8-18c4-409d-a752-ea48dedb7f82" providerId="ADAL" clId="{8FE0068D-03CB-4087-8DE3-4F974A9297DD}" dt="2022-09-16T03:00:38.571" v="800" actId="164"/>
+          <ac:cxnSpMkLst>
+            <pc:docMk/>
+            <pc:sldMk cId="2769116104" sldId="257"/>
+            <ac:cxnSpMk id="107" creationId="{345D0739-F44B-412A-DF3D-6B383D20E4C6}"/>
+          </ac:cxnSpMkLst>
+        </pc:cxnChg>
+        <pc:cxnChg chg="add del mod">
+          <ac:chgData name="LKG-laptop" userId="4d0fadd8-18c4-409d-a752-ea48dedb7f82" providerId="ADAL" clId="{8FE0068D-03CB-4087-8DE3-4F974A9297DD}" dt="2022-09-16T02:24:41.906" v="446"/>
+          <ac:cxnSpMkLst>
+            <pc:docMk/>
+            <pc:sldMk cId="2769116104" sldId="257"/>
+            <ac:cxnSpMk id="122" creationId="{77E4939B-528A-6486-4C50-8E8AA6EC88EC}"/>
+          </ac:cxnSpMkLst>
+        </pc:cxnChg>
+        <pc:cxnChg chg="add del mod">
+          <ac:chgData name="LKG-laptop" userId="4d0fadd8-18c4-409d-a752-ea48dedb7f82" providerId="ADAL" clId="{8FE0068D-03CB-4087-8DE3-4F974A9297DD}" dt="2022-09-16T02:24:41.906" v="446"/>
+          <ac:cxnSpMkLst>
+            <pc:docMk/>
+            <pc:sldMk cId="2769116104" sldId="257"/>
+            <ac:cxnSpMk id="123" creationId="{FAA52436-F221-654A-D860-D602294071FA}"/>
+          </ac:cxnSpMkLst>
+        </pc:cxnChg>
+        <pc:cxnChg chg="add del mod">
+          <ac:chgData name="LKG-laptop" userId="4d0fadd8-18c4-409d-a752-ea48dedb7f82" providerId="ADAL" clId="{8FE0068D-03CB-4087-8DE3-4F974A9297DD}" dt="2022-09-16T02:24:41.906" v="446"/>
+          <ac:cxnSpMkLst>
+            <pc:docMk/>
+            <pc:sldMk cId="2769116104" sldId="257"/>
+            <ac:cxnSpMk id="124" creationId="{5050F0F1-4860-29EF-DB91-DC401F4AD9E7}"/>
+          </ac:cxnSpMkLst>
+        </pc:cxnChg>
+        <pc:cxnChg chg="add mod">
+          <ac:chgData name="LKG-laptop" userId="4d0fadd8-18c4-409d-a752-ea48dedb7f82" providerId="ADAL" clId="{8FE0068D-03CB-4087-8DE3-4F974A9297DD}" dt="2022-09-16T03:00:38.571" v="800" actId="164"/>
+          <ac:cxnSpMkLst>
+            <pc:docMk/>
+            <pc:sldMk cId="2769116104" sldId="257"/>
+            <ac:cxnSpMk id="138" creationId="{22D251A2-E4A5-E99D-FAD7-0EACCE268CAB}"/>
+          </ac:cxnSpMkLst>
+        </pc:cxnChg>
+        <pc:cxnChg chg="add mod">
+          <ac:chgData name="LKG-laptop" userId="4d0fadd8-18c4-409d-a752-ea48dedb7f82" providerId="ADAL" clId="{8FE0068D-03CB-4087-8DE3-4F974A9297DD}" dt="2022-09-16T03:00:38.571" v="800" actId="164"/>
+          <ac:cxnSpMkLst>
+            <pc:docMk/>
+            <pc:sldMk cId="2769116104" sldId="257"/>
+            <ac:cxnSpMk id="139" creationId="{94A46EC9-D458-380C-A2E2-76029D6F2BA2}"/>
+          </ac:cxnSpMkLst>
+        </pc:cxnChg>
+        <pc:cxnChg chg="add mod">
+          <ac:chgData name="LKG-laptop" userId="4d0fadd8-18c4-409d-a752-ea48dedb7f82" providerId="ADAL" clId="{8FE0068D-03CB-4087-8DE3-4F974A9297DD}" dt="2022-09-16T03:00:38.571" v="800" actId="164"/>
+          <ac:cxnSpMkLst>
+            <pc:docMk/>
+            <pc:sldMk cId="2769116104" sldId="257"/>
+            <ac:cxnSpMk id="140" creationId="{C4A6EB70-87FC-9A65-9558-7CC6EF6275C2}"/>
+          </ac:cxnSpMkLst>
+        </pc:cxnChg>
+        <pc:cxnChg chg="add mod">
+          <ac:chgData name="LKG-laptop" userId="4d0fadd8-18c4-409d-a752-ea48dedb7f82" providerId="ADAL" clId="{8FE0068D-03CB-4087-8DE3-4F974A9297DD}" dt="2022-09-16T03:00:38.571" v="800" actId="164"/>
+          <ac:cxnSpMkLst>
+            <pc:docMk/>
+            <pc:sldMk cId="2769116104" sldId="257"/>
+            <ac:cxnSpMk id="144" creationId="{9DCC245C-017C-CE8D-3C7F-D3500E42E197}"/>
+          </ac:cxnSpMkLst>
+        </pc:cxnChg>
+        <pc:cxnChg chg="add mod">
+          <ac:chgData name="LKG-laptop" userId="4d0fadd8-18c4-409d-a752-ea48dedb7f82" providerId="ADAL" clId="{8FE0068D-03CB-4087-8DE3-4F974A9297DD}" dt="2022-09-16T03:00:38.571" v="800" actId="164"/>
+          <ac:cxnSpMkLst>
+            <pc:docMk/>
+            <pc:sldMk cId="2769116104" sldId="257"/>
+            <ac:cxnSpMk id="148" creationId="{F031DB09-93DC-7CC6-9708-62F769550D00}"/>
+          </ac:cxnSpMkLst>
+        </pc:cxnChg>
+        <pc:cxnChg chg="add mod">
+          <ac:chgData name="LKG-laptop" userId="4d0fadd8-18c4-409d-a752-ea48dedb7f82" providerId="ADAL" clId="{8FE0068D-03CB-4087-8DE3-4F974A9297DD}" dt="2022-09-16T03:00:38.571" v="800" actId="164"/>
+          <ac:cxnSpMkLst>
+            <pc:docMk/>
+            <pc:sldMk cId="2769116104" sldId="257"/>
+            <ac:cxnSpMk id="151" creationId="{7EE5906D-38EC-8D68-019E-6F1F77FEB0A0}"/>
+          </ac:cxnSpMkLst>
+        </pc:cxnChg>
       </pc:sldChg>
     </pc:docChg>
   </pc:docChgLst>
@@ -896,7 +1680,7 @@
           <a:p>
             <a:fld id="{8EF70FED-C9BA-4950-B4EA-3907F5FAD0FB}" type="datetimeFigureOut">
               <a:rPr lang="zh-CN" altLang="en-US" smtClean="0"/>
-              <a:t>2022/9/3</a:t>
+              <a:t>2022/9/16</a:t>
             </a:fld>
             <a:endParaRPr lang="zh-CN" altLang="en-US"/>
           </a:p>
@@ -1094,7 +1878,7 @@
           <a:p>
             <a:fld id="{8EF70FED-C9BA-4950-B4EA-3907F5FAD0FB}" type="datetimeFigureOut">
               <a:rPr lang="zh-CN" altLang="en-US" smtClean="0"/>
-              <a:t>2022/9/3</a:t>
+              <a:t>2022/9/16</a:t>
             </a:fld>
             <a:endParaRPr lang="zh-CN" altLang="en-US"/>
           </a:p>
@@ -1302,7 +2086,7 @@
           <a:p>
             <a:fld id="{8EF70FED-C9BA-4950-B4EA-3907F5FAD0FB}" type="datetimeFigureOut">
               <a:rPr lang="zh-CN" altLang="en-US" smtClean="0"/>
-              <a:t>2022/9/3</a:t>
+              <a:t>2022/9/16</a:t>
             </a:fld>
             <a:endParaRPr lang="zh-CN" altLang="en-US"/>
           </a:p>
@@ -1500,7 +2284,7 @@
           <a:p>
             <a:fld id="{8EF70FED-C9BA-4950-B4EA-3907F5FAD0FB}" type="datetimeFigureOut">
               <a:rPr lang="zh-CN" altLang="en-US" smtClean="0"/>
-              <a:t>2022/9/3</a:t>
+              <a:t>2022/9/16</a:t>
             </a:fld>
             <a:endParaRPr lang="zh-CN" altLang="en-US"/>
           </a:p>
@@ -1775,7 +2559,7 @@
           <a:p>
             <a:fld id="{8EF70FED-C9BA-4950-B4EA-3907F5FAD0FB}" type="datetimeFigureOut">
               <a:rPr lang="zh-CN" altLang="en-US" smtClean="0"/>
-              <a:t>2022/9/3</a:t>
+              <a:t>2022/9/16</a:t>
             </a:fld>
             <a:endParaRPr lang="zh-CN" altLang="en-US"/>
           </a:p>
@@ -2040,7 +2824,7 @@
           <a:p>
             <a:fld id="{8EF70FED-C9BA-4950-B4EA-3907F5FAD0FB}" type="datetimeFigureOut">
               <a:rPr lang="zh-CN" altLang="en-US" smtClean="0"/>
-              <a:t>2022/9/3</a:t>
+              <a:t>2022/9/16</a:t>
             </a:fld>
             <a:endParaRPr lang="zh-CN" altLang="en-US"/>
           </a:p>
@@ -2452,7 +3236,7 @@
           <a:p>
             <a:fld id="{8EF70FED-C9BA-4950-B4EA-3907F5FAD0FB}" type="datetimeFigureOut">
               <a:rPr lang="zh-CN" altLang="en-US" smtClean="0"/>
-              <a:t>2022/9/3</a:t>
+              <a:t>2022/9/16</a:t>
             </a:fld>
             <a:endParaRPr lang="zh-CN" altLang="en-US"/>
           </a:p>
@@ -2593,7 +3377,7 @@
           <a:p>
             <a:fld id="{8EF70FED-C9BA-4950-B4EA-3907F5FAD0FB}" type="datetimeFigureOut">
               <a:rPr lang="zh-CN" altLang="en-US" smtClean="0"/>
-              <a:t>2022/9/3</a:t>
+              <a:t>2022/9/16</a:t>
             </a:fld>
             <a:endParaRPr lang="zh-CN" altLang="en-US"/>
           </a:p>
@@ -2706,7 +3490,7 @@
           <a:p>
             <a:fld id="{8EF70FED-C9BA-4950-B4EA-3907F5FAD0FB}" type="datetimeFigureOut">
               <a:rPr lang="zh-CN" altLang="en-US" smtClean="0"/>
-              <a:t>2022/9/3</a:t>
+              <a:t>2022/9/16</a:t>
             </a:fld>
             <a:endParaRPr lang="zh-CN" altLang="en-US"/>
           </a:p>
@@ -3017,7 +3801,7 @@
           <a:p>
             <a:fld id="{8EF70FED-C9BA-4950-B4EA-3907F5FAD0FB}" type="datetimeFigureOut">
               <a:rPr lang="zh-CN" altLang="en-US" smtClean="0"/>
-              <a:t>2022/9/3</a:t>
+              <a:t>2022/9/16</a:t>
             </a:fld>
             <a:endParaRPr lang="zh-CN" altLang="en-US"/>
           </a:p>
@@ -3305,7 +4089,7 @@
           <a:p>
             <a:fld id="{8EF70FED-C9BA-4950-B4EA-3907F5FAD0FB}" type="datetimeFigureOut">
               <a:rPr lang="zh-CN" altLang="en-US" smtClean="0"/>
-              <a:t>2022/9/3</a:t>
+              <a:t>2022/9/16</a:t>
             </a:fld>
             <a:endParaRPr lang="zh-CN" altLang="en-US"/>
           </a:p>
@@ -3546,7 +4330,7 @@
           <a:p>
             <a:fld id="{8EF70FED-C9BA-4950-B4EA-3907F5FAD0FB}" type="datetimeFigureOut">
               <a:rPr lang="zh-CN" altLang="en-US" smtClean="0"/>
-              <a:t>2022/9/3</a:t>
+              <a:t>2022/9/16</a:t>
             </a:fld>
             <a:endParaRPr lang="zh-CN" altLang="en-US"/>
           </a:p>
@@ -3947,6 +4731,3154 @@
 </file>
 
 <file path=ppt/slides/slide1.xml><?xml version="1.0" encoding="utf-8"?>
+<p:sld xmlns:a="http://schemas.openxmlformats.org/drawingml/2006/main" xmlns:r="http://schemas.openxmlformats.org/officeDocument/2006/relationships" xmlns:p="http://schemas.openxmlformats.org/presentationml/2006/main">
+  <p:cSld>
+    <p:spTree>
+      <p:nvGrpSpPr>
+        <p:cNvPr id="1" name=""/>
+        <p:cNvGrpSpPr/>
+        <p:nvPr/>
+      </p:nvGrpSpPr>
+      <p:grpSpPr>
+        <a:xfrm>
+          <a:off x="0" y="0"/>
+          <a:ext cx="0" cy="0"/>
+          <a:chOff x="0" y="0"/>
+          <a:chExt cx="0" cy="0"/>
+        </a:xfrm>
+      </p:grpSpPr>
+      <p:grpSp>
+        <p:nvGrpSpPr>
+          <p:cNvPr id="2" name="组合 1">
+            <a:extLst>
+              <a:ext uri="{FF2B5EF4-FFF2-40B4-BE49-F238E27FC236}">
+                <a16:creationId xmlns:a16="http://schemas.microsoft.com/office/drawing/2014/main" id="{EFB71361-2479-6FE7-E504-6C65B9F6B4D1}"/>
+              </a:ext>
+            </a:extLst>
+          </p:cNvPr>
+          <p:cNvGrpSpPr/>
+          <p:nvPr/>
+        </p:nvGrpSpPr>
+        <p:grpSpPr>
+          <a:xfrm>
+            <a:off x="-5218" y="-43777"/>
+            <a:ext cx="6863218" cy="5054732"/>
+            <a:chOff x="-5218" y="-43777"/>
+            <a:chExt cx="6863218" cy="5054732"/>
+          </a:xfrm>
+        </p:grpSpPr>
+        <p:sp>
+          <p:nvSpPr>
+            <p:cNvPr id="198" name="矩形: 圆角 197">
+              <a:extLst>
+                <a:ext uri="{FF2B5EF4-FFF2-40B4-BE49-F238E27FC236}">
+                  <a16:creationId xmlns:a16="http://schemas.microsoft.com/office/drawing/2014/main" id="{8AAC2E27-286C-99AA-638E-8D00698A32FE}"/>
+                </a:ext>
+              </a:extLst>
+            </p:cNvPr>
+            <p:cNvSpPr/>
+            <p:nvPr/>
+          </p:nvSpPr>
+          <p:spPr>
+            <a:xfrm>
+              <a:off x="1346200" y="2479187"/>
+              <a:ext cx="990600" cy="1333681"/>
+            </a:xfrm>
+            <a:prstGeom prst="roundRect">
+              <a:avLst>
+                <a:gd name="adj" fmla="val 3158"/>
+              </a:avLst>
+            </a:prstGeom>
+            <a:solidFill>
+              <a:schemeClr val="accent4">
+                <a:lumMod val="20000"/>
+                <a:lumOff val="80000"/>
+              </a:schemeClr>
+            </a:solidFill>
+            <a:ln>
+              <a:noFill/>
+            </a:ln>
+          </p:spPr>
+          <p:style>
+            <a:lnRef idx="2">
+              <a:schemeClr val="accent1">
+                <a:shade val="50000"/>
+              </a:schemeClr>
+            </a:lnRef>
+            <a:fillRef idx="1">
+              <a:schemeClr val="accent1"/>
+            </a:fillRef>
+            <a:effectRef idx="0">
+              <a:schemeClr val="accent1"/>
+            </a:effectRef>
+            <a:fontRef idx="minor">
+              <a:schemeClr val="lt1"/>
+            </a:fontRef>
+          </p:style>
+          <p:txBody>
+            <a:bodyPr rtlCol="0" anchor="ctr"/>
+            <a:lstStyle/>
+            <a:p>
+              <a:pPr algn="ctr"/>
+              <a:endParaRPr lang="zh-CN" altLang="en-US"/>
+            </a:p>
+          </p:txBody>
+        </p:sp>
+        <p:sp>
+          <p:nvSpPr>
+            <p:cNvPr id="195" name="矩形: 圆角 194">
+              <a:extLst>
+                <a:ext uri="{FF2B5EF4-FFF2-40B4-BE49-F238E27FC236}">
+                  <a16:creationId xmlns:a16="http://schemas.microsoft.com/office/drawing/2014/main" id="{1AC53D0D-FF6F-51BF-2E61-582073A13DA4}"/>
+                </a:ext>
+              </a:extLst>
+            </p:cNvPr>
+            <p:cNvSpPr/>
+            <p:nvPr/>
+          </p:nvSpPr>
+          <p:spPr>
+            <a:xfrm>
+              <a:off x="2656925" y="2178304"/>
+              <a:ext cx="1323605" cy="1333681"/>
+            </a:xfrm>
+            <a:prstGeom prst="roundRect">
+              <a:avLst>
+                <a:gd name="adj" fmla="val 3158"/>
+              </a:avLst>
+            </a:prstGeom>
+            <a:solidFill>
+              <a:srgbClr val="E6CAE4"/>
+            </a:solidFill>
+            <a:ln>
+              <a:noFill/>
+            </a:ln>
+          </p:spPr>
+          <p:style>
+            <a:lnRef idx="2">
+              <a:schemeClr val="accent1">
+                <a:shade val="50000"/>
+              </a:schemeClr>
+            </a:lnRef>
+            <a:fillRef idx="1">
+              <a:schemeClr val="accent1"/>
+            </a:fillRef>
+            <a:effectRef idx="0">
+              <a:schemeClr val="accent1"/>
+            </a:effectRef>
+            <a:fontRef idx="minor">
+              <a:schemeClr val="lt1"/>
+            </a:fontRef>
+          </p:style>
+          <p:txBody>
+            <a:bodyPr rtlCol="0" anchor="ctr"/>
+            <a:lstStyle/>
+            <a:p>
+              <a:pPr algn="ctr"/>
+              <a:endParaRPr lang="zh-CN" altLang="en-US"/>
+            </a:p>
+          </p:txBody>
+        </p:sp>
+        <p:sp>
+          <p:nvSpPr>
+            <p:cNvPr id="194" name="矩形: 圆角 193">
+              <a:extLst>
+                <a:ext uri="{FF2B5EF4-FFF2-40B4-BE49-F238E27FC236}">
+                  <a16:creationId xmlns:a16="http://schemas.microsoft.com/office/drawing/2014/main" id="{D23654F9-9B13-3915-9E32-AB165CBFFE7F}"/>
+                </a:ext>
+              </a:extLst>
+            </p:cNvPr>
+            <p:cNvSpPr/>
+            <p:nvPr/>
+          </p:nvSpPr>
+          <p:spPr>
+            <a:xfrm>
+              <a:off x="1346200" y="1028184"/>
+              <a:ext cx="5511800" cy="1333681"/>
+            </a:xfrm>
+            <a:prstGeom prst="roundRect">
+              <a:avLst>
+                <a:gd name="adj" fmla="val 3158"/>
+              </a:avLst>
+            </a:prstGeom>
+            <a:solidFill>
+              <a:srgbClr val="E6CAE4"/>
+            </a:solidFill>
+            <a:ln>
+              <a:noFill/>
+            </a:ln>
+          </p:spPr>
+          <p:style>
+            <a:lnRef idx="2">
+              <a:schemeClr val="accent1">
+                <a:shade val="50000"/>
+              </a:schemeClr>
+            </a:lnRef>
+            <a:fillRef idx="1">
+              <a:schemeClr val="accent1"/>
+            </a:fillRef>
+            <a:effectRef idx="0">
+              <a:schemeClr val="accent1"/>
+            </a:effectRef>
+            <a:fontRef idx="minor">
+              <a:schemeClr val="lt1"/>
+            </a:fontRef>
+          </p:style>
+          <p:txBody>
+            <a:bodyPr rtlCol="0" anchor="ctr"/>
+            <a:lstStyle/>
+            <a:p>
+              <a:pPr algn="ctr"/>
+              <a:endParaRPr lang="zh-CN" altLang="en-US"/>
+            </a:p>
+          </p:txBody>
+        </p:sp>
+        <p:sp>
+          <p:nvSpPr>
+            <p:cNvPr id="193" name="矩形: 圆角 192">
+              <a:extLst>
+                <a:ext uri="{FF2B5EF4-FFF2-40B4-BE49-F238E27FC236}">
+                  <a16:creationId xmlns:a16="http://schemas.microsoft.com/office/drawing/2014/main" id="{9CBC67AF-88A6-F240-36A0-BB3EBA38171B}"/>
+                </a:ext>
+              </a:extLst>
+            </p:cNvPr>
+            <p:cNvSpPr/>
+            <p:nvPr/>
+          </p:nvSpPr>
+          <p:spPr>
+            <a:xfrm>
+              <a:off x="-5218" y="-13668"/>
+              <a:ext cx="6863218" cy="1333681"/>
+            </a:xfrm>
+            <a:prstGeom prst="roundRect">
+              <a:avLst>
+                <a:gd name="adj" fmla="val 3158"/>
+              </a:avLst>
+            </a:prstGeom>
+            <a:solidFill>
+              <a:srgbClr val="E6CAE4"/>
+            </a:solidFill>
+            <a:ln>
+              <a:noFill/>
+            </a:ln>
+          </p:spPr>
+          <p:style>
+            <a:lnRef idx="2">
+              <a:schemeClr val="accent1">
+                <a:shade val="50000"/>
+              </a:schemeClr>
+            </a:lnRef>
+            <a:fillRef idx="1">
+              <a:schemeClr val="accent1"/>
+            </a:fillRef>
+            <a:effectRef idx="0">
+              <a:schemeClr val="accent1"/>
+            </a:effectRef>
+            <a:fontRef idx="minor">
+              <a:schemeClr val="lt1"/>
+            </a:fontRef>
+          </p:style>
+          <p:txBody>
+            <a:bodyPr rtlCol="0" anchor="ctr"/>
+            <a:lstStyle/>
+            <a:p>
+              <a:pPr algn="ctr"/>
+              <a:endParaRPr lang="zh-CN" altLang="en-US"/>
+            </a:p>
+          </p:txBody>
+        </p:sp>
+        <p:sp>
+          <p:nvSpPr>
+            <p:cNvPr id="192" name="矩形: 圆角 191">
+              <a:extLst>
+                <a:ext uri="{FF2B5EF4-FFF2-40B4-BE49-F238E27FC236}">
+                  <a16:creationId xmlns:a16="http://schemas.microsoft.com/office/drawing/2014/main" id="{E8B1C02E-0FA8-89DC-576A-C095F0A86CC8}"/>
+                </a:ext>
+              </a:extLst>
+            </p:cNvPr>
+            <p:cNvSpPr/>
+            <p:nvPr/>
+          </p:nvSpPr>
+          <p:spPr>
+            <a:xfrm>
+              <a:off x="4089400" y="2485571"/>
+              <a:ext cx="2763382" cy="1333681"/>
+            </a:xfrm>
+            <a:prstGeom prst="roundRect">
+              <a:avLst>
+                <a:gd name="adj" fmla="val 3158"/>
+              </a:avLst>
+            </a:prstGeom>
+            <a:solidFill>
+              <a:schemeClr val="accent4">
+                <a:lumMod val="20000"/>
+                <a:lumOff val="80000"/>
+              </a:schemeClr>
+            </a:solidFill>
+            <a:ln>
+              <a:noFill/>
+            </a:ln>
+          </p:spPr>
+          <p:style>
+            <a:lnRef idx="2">
+              <a:schemeClr val="accent1">
+                <a:shade val="50000"/>
+              </a:schemeClr>
+            </a:lnRef>
+            <a:fillRef idx="1">
+              <a:schemeClr val="accent1"/>
+            </a:fillRef>
+            <a:effectRef idx="0">
+              <a:schemeClr val="accent1"/>
+            </a:effectRef>
+            <a:fontRef idx="minor">
+              <a:schemeClr val="lt1"/>
+            </a:fontRef>
+          </p:style>
+          <p:txBody>
+            <a:bodyPr rtlCol="0" anchor="ctr"/>
+            <a:lstStyle/>
+            <a:p>
+              <a:pPr algn="ctr"/>
+              <a:endParaRPr lang="zh-CN" altLang="en-US"/>
+            </a:p>
+          </p:txBody>
+        </p:sp>
+        <p:sp>
+          <p:nvSpPr>
+            <p:cNvPr id="191" name="矩形: 圆角 190">
+              <a:extLst>
+                <a:ext uri="{FF2B5EF4-FFF2-40B4-BE49-F238E27FC236}">
+                  <a16:creationId xmlns:a16="http://schemas.microsoft.com/office/drawing/2014/main" id="{43DE360A-B977-1ACA-F947-82BE6CD59200}"/>
+                </a:ext>
+              </a:extLst>
+            </p:cNvPr>
+            <p:cNvSpPr/>
+            <p:nvPr/>
+          </p:nvSpPr>
+          <p:spPr>
+            <a:xfrm>
+              <a:off x="0" y="3592160"/>
+              <a:ext cx="6858000" cy="1333681"/>
+            </a:xfrm>
+            <a:prstGeom prst="roundRect">
+              <a:avLst>
+                <a:gd name="adj" fmla="val 3158"/>
+              </a:avLst>
+            </a:prstGeom>
+            <a:solidFill>
+              <a:schemeClr val="accent4">
+                <a:lumMod val="20000"/>
+                <a:lumOff val="80000"/>
+              </a:schemeClr>
+            </a:solidFill>
+            <a:ln>
+              <a:noFill/>
+            </a:ln>
+          </p:spPr>
+          <p:style>
+            <a:lnRef idx="2">
+              <a:schemeClr val="accent1">
+                <a:shade val="50000"/>
+              </a:schemeClr>
+            </a:lnRef>
+            <a:fillRef idx="1">
+              <a:schemeClr val="accent1"/>
+            </a:fillRef>
+            <a:effectRef idx="0">
+              <a:schemeClr val="accent1"/>
+            </a:effectRef>
+            <a:fontRef idx="minor">
+              <a:schemeClr val="lt1"/>
+            </a:fontRef>
+          </p:style>
+          <p:txBody>
+            <a:bodyPr rtlCol="0" anchor="ctr"/>
+            <a:lstStyle/>
+            <a:p>
+              <a:pPr algn="ctr"/>
+              <a:endParaRPr lang="zh-CN" altLang="en-US"/>
+            </a:p>
+          </p:txBody>
+        </p:sp>
+        <p:grpSp>
+          <p:nvGrpSpPr>
+            <p:cNvPr id="29" name="组合 28">
+              <a:extLst>
+                <a:ext uri="{FF2B5EF4-FFF2-40B4-BE49-F238E27FC236}">
+                  <a16:creationId xmlns:a16="http://schemas.microsoft.com/office/drawing/2014/main" id="{B5B7B4F2-7F3F-890D-92E3-C0734CD4707C}"/>
+                </a:ext>
+              </a:extLst>
+            </p:cNvPr>
+            <p:cNvGrpSpPr/>
+            <p:nvPr/>
+          </p:nvGrpSpPr>
+          <p:grpSpPr>
+            <a:xfrm>
+              <a:off x="1943384" y="-43777"/>
+              <a:ext cx="1433485" cy="1439439"/>
+              <a:chOff x="1316796" y="2610364"/>
+              <a:chExt cx="1433485" cy="1439439"/>
+            </a:xfrm>
+          </p:grpSpPr>
+          <p:pic>
+            <p:nvPicPr>
+              <p:cNvPr id="11" name="图片 10">
+                <a:extLst>
+                  <a:ext uri="{FF2B5EF4-FFF2-40B4-BE49-F238E27FC236}">
+                    <a16:creationId xmlns:a16="http://schemas.microsoft.com/office/drawing/2014/main" id="{5860ED0B-4DE4-8AF6-28C8-F8C7CBC1876F}"/>
+                  </a:ext>
+                </a:extLst>
+              </p:cNvPr>
+              <p:cNvPicPr>
+                <a:picLocks noChangeAspect="1"/>
+              </p:cNvPicPr>
+              <p:nvPr/>
+            </p:nvPicPr>
+            <p:blipFill>
+              <a:blip r:embed="rId2"/>
+              <a:stretch>
+                <a:fillRect/>
+              </a:stretch>
+            </p:blipFill>
+            <p:spPr>
+              <a:xfrm>
+                <a:off x="1331267" y="3329803"/>
+                <a:ext cx="1419014" cy="720000"/>
+              </a:xfrm>
+              <a:prstGeom prst="rect">
+                <a:avLst/>
+              </a:prstGeom>
+              <a:ln w="9525">
+                <a:solidFill>
+                  <a:schemeClr val="bg2">
+                    <a:lumMod val="25000"/>
+                  </a:schemeClr>
+                </a:solidFill>
+              </a:ln>
+              <a:effectLst>
+                <a:outerShdw blurRad="292100" dist="139700" dir="2700000" algn="tl" rotWithShape="0">
+                  <a:srgbClr val="333333">
+                    <a:alpha val="65000"/>
+                  </a:srgbClr>
+                </a:outerShdw>
+              </a:effectLst>
+              <a:scene3d>
+                <a:camera prst="isometricOffAxis2Top"/>
+                <a:lightRig rig="threePt" dir="t"/>
+              </a:scene3d>
+            </p:spPr>
+          </p:pic>
+          <p:pic>
+            <p:nvPicPr>
+              <p:cNvPr id="15" name="图片 14">
+                <a:extLst>
+                  <a:ext uri="{FF2B5EF4-FFF2-40B4-BE49-F238E27FC236}">
+                    <a16:creationId xmlns:a16="http://schemas.microsoft.com/office/drawing/2014/main" id="{9AE19F95-F996-B76C-331C-4AB7A191192D}"/>
+                  </a:ext>
+                </a:extLst>
+              </p:cNvPr>
+              <p:cNvPicPr>
+                <a:picLocks noChangeAspect="1"/>
+              </p:cNvPicPr>
+              <p:nvPr/>
+            </p:nvPicPr>
+            <p:blipFill>
+              <a:blip r:embed="rId3"/>
+              <a:stretch>
+                <a:fillRect/>
+              </a:stretch>
+            </p:blipFill>
+            <p:spPr>
+              <a:xfrm>
+                <a:off x="1329610" y="3185916"/>
+                <a:ext cx="1420671" cy="720000"/>
+              </a:xfrm>
+              <a:prstGeom prst="rect">
+                <a:avLst/>
+              </a:prstGeom>
+              <a:ln w="9525">
+                <a:solidFill>
+                  <a:schemeClr val="bg2">
+                    <a:lumMod val="25000"/>
+                  </a:schemeClr>
+                </a:solidFill>
+              </a:ln>
+              <a:effectLst>
+                <a:outerShdw blurRad="292100" dist="139700" dir="2700000" algn="tl" rotWithShape="0">
+                  <a:srgbClr val="333333">
+                    <a:alpha val="65000"/>
+                  </a:srgbClr>
+                </a:outerShdw>
+              </a:effectLst>
+              <a:scene3d>
+                <a:camera prst="isometricOffAxis2Top"/>
+                <a:lightRig rig="threePt" dir="t"/>
+              </a:scene3d>
+            </p:spPr>
+          </p:pic>
+          <p:pic>
+            <p:nvPicPr>
+              <p:cNvPr id="17" name="图片 16">
+                <a:extLst>
+                  <a:ext uri="{FF2B5EF4-FFF2-40B4-BE49-F238E27FC236}">
+                    <a16:creationId xmlns:a16="http://schemas.microsoft.com/office/drawing/2014/main" id="{E65710DB-E261-3597-EF60-6CA0E64EA158}"/>
+                  </a:ext>
+                </a:extLst>
+              </p:cNvPr>
+              <p:cNvPicPr>
+                <a:picLocks noChangeAspect="1"/>
+              </p:cNvPicPr>
+              <p:nvPr/>
+            </p:nvPicPr>
+            <p:blipFill>
+              <a:blip r:embed="rId4"/>
+              <a:stretch>
+                <a:fillRect/>
+              </a:stretch>
+            </p:blipFill>
+            <p:spPr>
+              <a:xfrm>
+                <a:off x="1326497" y="3042028"/>
+                <a:ext cx="1423784" cy="720000"/>
+              </a:xfrm>
+              <a:prstGeom prst="rect">
+                <a:avLst/>
+              </a:prstGeom>
+              <a:ln w="9525">
+                <a:solidFill>
+                  <a:schemeClr val="bg2">
+                    <a:lumMod val="25000"/>
+                  </a:schemeClr>
+                </a:solidFill>
+              </a:ln>
+              <a:effectLst>
+                <a:outerShdw blurRad="292100" dist="139700" dir="2700000" algn="tl" rotWithShape="0">
+                  <a:srgbClr val="333333">
+                    <a:alpha val="65000"/>
+                  </a:srgbClr>
+                </a:outerShdw>
+              </a:effectLst>
+              <a:scene3d>
+                <a:camera prst="isometricOffAxis2Top"/>
+                <a:lightRig rig="threePt" dir="t"/>
+              </a:scene3d>
+            </p:spPr>
+          </p:pic>
+          <p:pic>
+            <p:nvPicPr>
+              <p:cNvPr id="19" name="图片 18">
+                <a:extLst>
+                  <a:ext uri="{FF2B5EF4-FFF2-40B4-BE49-F238E27FC236}">
+                    <a16:creationId xmlns:a16="http://schemas.microsoft.com/office/drawing/2014/main" id="{FA3FAB41-73EC-B915-8B25-B95714C0ADAA}"/>
+                  </a:ext>
+                </a:extLst>
+              </p:cNvPr>
+              <p:cNvPicPr>
+                <a:picLocks noChangeAspect="1"/>
+              </p:cNvPicPr>
+              <p:nvPr/>
+            </p:nvPicPr>
+            <p:blipFill>
+              <a:blip r:embed="rId5"/>
+              <a:stretch>
+                <a:fillRect/>
+              </a:stretch>
+            </p:blipFill>
+            <p:spPr>
+              <a:xfrm>
+                <a:off x="1316796" y="2898140"/>
+                <a:ext cx="1433485" cy="720000"/>
+              </a:xfrm>
+              <a:prstGeom prst="rect">
+                <a:avLst/>
+              </a:prstGeom>
+              <a:ln w="9525">
+                <a:solidFill>
+                  <a:schemeClr val="bg2">
+                    <a:lumMod val="25000"/>
+                  </a:schemeClr>
+                </a:solidFill>
+              </a:ln>
+              <a:effectLst>
+                <a:outerShdw blurRad="292100" dist="139700" dir="2700000" algn="tl" rotWithShape="0">
+                  <a:srgbClr val="333333">
+                    <a:alpha val="65000"/>
+                  </a:srgbClr>
+                </a:outerShdw>
+              </a:effectLst>
+              <a:scene3d>
+                <a:camera prst="isometricOffAxis2Top"/>
+                <a:lightRig rig="threePt" dir="t"/>
+              </a:scene3d>
+            </p:spPr>
+          </p:pic>
+          <p:pic>
+            <p:nvPicPr>
+              <p:cNvPr id="27" name="图片 26">
+                <a:extLst>
+                  <a:ext uri="{FF2B5EF4-FFF2-40B4-BE49-F238E27FC236}">
+                    <a16:creationId xmlns:a16="http://schemas.microsoft.com/office/drawing/2014/main" id="{2390D1C7-E69A-0AC1-5A85-285927A30E78}"/>
+                  </a:ext>
+                </a:extLst>
+              </p:cNvPr>
+              <p:cNvPicPr>
+                <a:picLocks noChangeAspect="1"/>
+              </p:cNvPicPr>
+              <p:nvPr/>
+            </p:nvPicPr>
+            <p:blipFill>
+              <a:blip r:embed="rId6"/>
+              <a:stretch>
+                <a:fillRect/>
+              </a:stretch>
+            </p:blipFill>
+            <p:spPr>
+              <a:xfrm>
+                <a:off x="1348511" y="2754252"/>
+                <a:ext cx="1401770" cy="720000"/>
+              </a:xfrm>
+              <a:prstGeom prst="rect">
+                <a:avLst/>
+              </a:prstGeom>
+              <a:ln w="9525">
+                <a:solidFill>
+                  <a:schemeClr val="bg2">
+                    <a:lumMod val="25000"/>
+                  </a:schemeClr>
+                </a:solidFill>
+              </a:ln>
+              <a:effectLst>
+                <a:outerShdw blurRad="292100" dist="139700" dir="2700000" algn="tl" rotWithShape="0">
+                  <a:srgbClr val="333333">
+                    <a:alpha val="65000"/>
+                  </a:srgbClr>
+                </a:outerShdw>
+              </a:effectLst>
+              <a:scene3d>
+                <a:camera prst="isometricOffAxis2Top"/>
+                <a:lightRig rig="threePt" dir="t"/>
+              </a:scene3d>
+            </p:spPr>
+          </p:pic>
+          <p:pic>
+            <p:nvPicPr>
+              <p:cNvPr id="25" name="图片 24">
+                <a:extLst>
+                  <a:ext uri="{FF2B5EF4-FFF2-40B4-BE49-F238E27FC236}">
+                    <a16:creationId xmlns:a16="http://schemas.microsoft.com/office/drawing/2014/main" id="{CE0C5607-07F1-AA11-F155-66093FFB721E}"/>
+                  </a:ext>
+                </a:extLst>
+              </p:cNvPr>
+              <p:cNvPicPr>
+                <a:picLocks noChangeAspect="1"/>
+              </p:cNvPicPr>
+              <p:nvPr/>
+            </p:nvPicPr>
+            <p:blipFill>
+              <a:blip r:embed="rId7"/>
+              <a:stretch>
+                <a:fillRect/>
+              </a:stretch>
+            </p:blipFill>
+            <p:spPr>
+              <a:xfrm>
+                <a:off x="1359228" y="2610364"/>
+                <a:ext cx="1391053" cy="720000"/>
+              </a:xfrm>
+              <a:prstGeom prst="rect">
+                <a:avLst/>
+              </a:prstGeom>
+              <a:ln w="9525">
+                <a:solidFill>
+                  <a:schemeClr val="bg2">
+                    <a:lumMod val="25000"/>
+                  </a:schemeClr>
+                </a:solidFill>
+              </a:ln>
+              <a:effectLst>
+                <a:outerShdw blurRad="292100" dist="139700" dir="2700000" algn="tl" rotWithShape="0">
+                  <a:srgbClr val="333333">
+                    <a:alpha val="65000"/>
+                  </a:srgbClr>
+                </a:outerShdw>
+              </a:effectLst>
+              <a:scene3d>
+                <a:camera prst="isometricOffAxis2Top"/>
+                <a:lightRig rig="threePt" dir="t"/>
+              </a:scene3d>
+            </p:spPr>
+          </p:pic>
+        </p:grpSp>
+        <p:sp>
+          <p:nvSpPr>
+            <p:cNvPr id="30" name="矩形: 圆角 29">
+              <a:extLst>
+                <a:ext uri="{FF2B5EF4-FFF2-40B4-BE49-F238E27FC236}">
+                  <a16:creationId xmlns:a16="http://schemas.microsoft.com/office/drawing/2014/main" id="{188849D0-B58D-F4D8-260F-495D8B574838}"/>
+                </a:ext>
+              </a:extLst>
+            </p:cNvPr>
+            <p:cNvSpPr/>
+            <p:nvPr/>
+          </p:nvSpPr>
+          <p:spPr>
+            <a:xfrm>
+              <a:off x="110531" y="264010"/>
+              <a:ext cx="826806" cy="716697"/>
+            </a:xfrm>
+            <a:prstGeom prst="roundRect">
+              <a:avLst>
+                <a:gd name="adj" fmla="val 8334"/>
+              </a:avLst>
+            </a:prstGeom>
+            <a:solidFill>
+              <a:schemeClr val="accent1">
+                <a:lumMod val="40000"/>
+                <a:lumOff val="60000"/>
+              </a:schemeClr>
+            </a:solidFill>
+            <a:ln w="19050">
+              <a:solidFill>
+                <a:schemeClr val="accent1">
+                  <a:lumMod val="75000"/>
+                </a:schemeClr>
+              </a:solidFill>
+            </a:ln>
+          </p:spPr>
+          <p:style>
+            <a:lnRef idx="2">
+              <a:schemeClr val="accent1">
+                <a:shade val="50000"/>
+              </a:schemeClr>
+            </a:lnRef>
+            <a:fillRef idx="1">
+              <a:schemeClr val="accent1"/>
+            </a:fillRef>
+            <a:effectRef idx="0">
+              <a:schemeClr val="accent1"/>
+            </a:effectRef>
+            <a:fontRef idx="minor">
+              <a:schemeClr val="lt1"/>
+            </a:fontRef>
+          </p:style>
+          <p:txBody>
+            <a:bodyPr rtlCol="0" anchor="ctr"/>
+            <a:lstStyle/>
+            <a:p>
+              <a:pPr algn="ctr"/>
+              <a:r>
+                <a:rPr lang="en-US" altLang="zh-CN" sz="900" b="1" dirty="0">
+                  <a:solidFill>
+                    <a:schemeClr val="tx1"/>
+                  </a:solidFill>
+                  <a:latin typeface="Times New Roman" panose="02020603050405020304" pitchFamily="18" charset="0"/>
+                  <a:cs typeface="Times New Roman" panose="02020603050405020304" pitchFamily="18" charset="0"/>
+                </a:rPr>
+                <a:t>Train database</a:t>
+              </a:r>
+            </a:p>
+            <a:p>
+              <a:pPr algn="ctr"/>
+              <a:r>
+                <a:rPr lang="en-US" altLang="zh-CN" sz="900" b="1" dirty="0">
+                  <a:solidFill>
+                    <a:schemeClr val="tx1"/>
+                  </a:solidFill>
+                  <a:latin typeface="Times New Roman" panose="02020603050405020304" pitchFamily="18" charset="0"/>
+                  <a:cs typeface="Times New Roman" panose="02020603050405020304" pitchFamily="18" charset="0"/>
+                </a:rPr>
+                <a:t>2008-2017</a:t>
+              </a:r>
+              <a:endParaRPr lang="zh-CN" altLang="en-US" sz="900" b="1" dirty="0">
+                <a:solidFill>
+                  <a:schemeClr val="tx1"/>
+                </a:solidFill>
+                <a:latin typeface="Times New Roman" panose="02020603050405020304" pitchFamily="18" charset="0"/>
+                <a:cs typeface="Times New Roman" panose="02020603050405020304" pitchFamily="18" charset="0"/>
+              </a:endParaRPr>
+            </a:p>
+          </p:txBody>
+        </p:sp>
+        <p:sp>
+          <p:nvSpPr>
+            <p:cNvPr id="33" name="文本框 32">
+              <a:extLst>
+                <a:ext uri="{FF2B5EF4-FFF2-40B4-BE49-F238E27FC236}">
+                  <a16:creationId xmlns:a16="http://schemas.microsoft.com/office/drawing/2014/main" id="{0FE54EC6-6DA6-2736-6951-E619D25D60F2}"/>
+                </a:ext>
+              </a:extLst>
+            </p:cNvPr>
+            <p:cNvSpPr txBox="1"/>
+            <p:nvPr/>
+          </p:nvSpPr>
+          <p:spPr>
+            <a:xfrm>
+              <a:off x="971253" y="387887"/>
+              <a:ext cx="826806" cy="230832"/>
+            </a:xfrm>
+            <a:prstGeom prst="rect">
+              <a:avLst/>
+            </a:prstGeom>
+            <a:noFill/>
+          </p:spPr>
+          <p:txBody>
+            <a:bodyPr wrap="square">
+              <a:spAutoFit/>
+            </a:bodyPr>
+            <a:lstStyle/>
+            <a:p>
+              <a:r>
+                <a:rPr lang="en-US" altLang="zh-CN" sz="900" dirty="0">
+                  <a:latin typeface="Times New Roman" panose="02020603050405020304" pitchFamily="18" charset="0"/>
+                  <a:cs typeface="Times New Roman" panose="02020603050405020304" pitchFamily="18" charset="0"/>
+                </a:rPr>
+                <a:t>Train</a:t>
+              </a:r>
+              <a:r>
+                <a:rPr lang="zh-CN" altLang="en-US" sz="900" dirty="0">
+                  <a:latin typeface="Times New Roman" panose="02020603050405020304" pitchFamily="18" charset="0"/>
+                  <a:cs typeface="Times New Roman" panose="02020603050405020304" pitchFamily="18" charset="0"/>
+                </a:rPr>
+                <a:t> models</a:t>
+              </a:r>
+            </a:p>
+          </p:txBody>
+        </p:sp>
+        <p:sp>
+          <p:nvSpPr>
+            <p:cNvPr id="35" name="文本框 34">
+              <a:extLst>
+                <a:ext uri="{FF2B5EF4-FFF2-40B4-BE49-F238E27FC236}">
+                  <a16:creationId xmlns:a16="http://schemas.microsoft.com/office/drawing/2014/main" id="{E9311B15-16C5-FA0B-BEAF-5A452A2AD661}"/>
+                </a:ext>
+              </a:extLst>
+            </p:cNvPr>
+            <p:cNvSpPr txBox="1"/>
+            <p:nvPr/>
+          </p:nvSpPr>
+          <p:spPr>
+            <a:xfrm>
+              <a:off x="3506514" y="387887"/>
+              <a:ext cx="741636" cy="230832"/>
+            </a:xfrm>
+            <a:prstGeom prst="rect">
+              <a:avLst/>
+            </a:prstGeom>
+            <a:noFill/>
+          </p:spPr>
+          <p:txBody>
+            <a:bodyPr wrap="square">
+              <a:spAutoFit/>
+            </a:bodyPr>
+            <a:lstStyle/>
+            <a:p>
+              <a:r>
+                <a:rPr lang="en-US" altLang="zh-CN" sz="900" dirty="0">
+                  <a:latin typeface="Times New Roman" panose="02020603050405020304" pitchFamily="18" charset="0"/>
+                  <a:cs typeface="Times New Roman" panose="02020603050405020304" pitchFamily="18" charset="0"/>
+                </a:rPr>
+                <a:t>Test</a:t>
+              </a:r>
+              <a:r>
+                <a:rPr lang="zh-CN" altLang="en-US" sz="900" dirty="0">
+                  <a:latin typeface="Times New Roman" panose="02020603050405020304" pitchFamily="18" charset="0"/>
+                  <a:cs typeface="Times New Roman" panose="02020603050405020304" pitchFamily="18" charset="0"/>
+                </a:rPr>
+                <a:t> models</a:t>
+              </a:r>
+            </a:p>
+          </p:txBody>
+        </p:sp>
+        <p:sp>
+          <p:nvSpPr>
+            <p:cNvPr id="36" name="矩形: 圆角 35">
+              <a:extLst>
+                <a:ext uri="{FF2B5EF4-FFF2-40B4-BE49-F238E27FC236}">
+                  <a16:creationId xmlns:a16="http://schemas.microsoft.com/office/drawing/2014/main" id="{24E44B73-305D-2917-549D-95AC27B82B38}"/>
+                </a:ext>
+              </a:extLst>
+            </p:cNvPr>
+            <p:cNvSpPr/>
+            <p:nvPr/>
+          </p:nvSpPr>
+          <p:spPr>
+            <a:xfrm>
+              <a:off x="4390974" y="206859"/>
+              <a:ext cx="831114" cy="763475"/>
+            </a:xfrm>
+            <a:prstGeom prst="roundRect">
+              <a:avLst>
+                <a:gd name="adj" fmla="val 8334"/>
+              </a:avLst>
+            </a:prstGeom>
+            <a:solidFill>
+              <a:srgbClr val="C9E6E4"/>
+            </a:solidFill>
+            <a:ln w="19050">
+              <a:solidFill>
+                <a:schemeClr val="accent6">
+                  <a:lumMod val="75000"/>
+                </a:schemeClr>
+              </a:solidFill>
+            </a:ln>
+          </p:spPr>
+          <p:style>
+            <a:lnRef idx="2">
+              <a:schemeClr val="accent1">
+                <a:shade val="50000"/>
+              </a:schemeClr>
+            </a:lnRef>
+            <a:fillRef idx="1">
+              <a:schemeClr val="accent1"/>
+            </a:fillRef>
+            <a:effectRef idx="0">
+              <a:schemeClr val="accent1"/>
+            </a:effectRef>
+            <a:fontRef idx="minor">
+              <a:schemeClr val="lt1"/>
+            </a:fontRef>
+          </p:style>
+          <p:txBody>
+            <a:bodyPr rtlCol="0" anchor="ctr"/>
+            <a:lstStyle/>
+            <a:p>
+              <a:pPr algn="ctr"/>
+              <a:r>
+                <a:rPr lang="en-US" altLang="zh-CN" sz="900" b="1" dirty="0">
+                  <a:solidFill>
+                    <a:schemeClr val="tx1"/>
+                  </a:solidFill>
+                  <a:latin typeface="Times New Roman" panose="02020603050405020304" pitchFamily="18" charset="0"/>
+                  <a:cs typeface="Times New Roman" panose="02020603050405020304" pitchFamily="18" charset="0"/>
+                </a:rPr>
+                <a:t>Test database</a:t>
+              </a:r>
+            </a:p>
+            <a:p>
+              <a:pPr algn="ctr"/>
+              <a:r>
+                <a:rPr lang="en-US" altLang="zh-CN" sz="900" b="1" dirty="0">
+                  <a:solidFill>
+                    <a:schemeClr val="tx1"/>
+                  </a:solidFill>
+                  <a:latin typeface="Times New Roman" panose="02020603050405020304" pitchFamily="18" charset="0"/>
+                  <a:cs typeface="Times New Roman" panose="02020603050405020304" pitchFamily="18" charset="0"/>
+                </a:rPr>
+                <a:t>2018-2019</a:t>
+              </a:r>
+              <a:endParaRPr lang="zh-CN" altLang="en-US" sz="900" b="1" dirty="0">
+                <a:solidFill>
+                  <a:schemeClr val="tx1"/>
+                </a:solidFill>
+                <a:latin typeface="Times New Roman" panose="02020603050405020304" pitchFamily="18" charset="0"/>
+                <a:cs typeface="Times New Roman" panose="02020603050405020304" pitchFamily="18" charset="0"/>
+              </a:endParaRPr>
+            </a:p>
+          </p:txBody>
+        </p:sp>
+        <p:pic>
+          <p:nvPicPr>
+            <p:cNvPr id="40" name="图片 39">
+              <a:extLst>
+                <a:ext uri="{FF2B5EF4-FFF2-40B4-BE49-F238E27FC236}">
+                  <a16:creationId xmlns:a16="http://schemas.microsoft.com/office/drawing/2014/main" id="{3AB5C61A-A05D-0F97-CC0A-66ABF48EDEAD}"/>
+                </a:ext>
+              </a:extLst>
+            </p:cNvPr>
+            <p:cNvPicPr>
+              <a:picLocks noChangeAspect="1"/>
+            </p:cNvPicPr>
+            <p:nvPr/>
+          </p:nvPicPr>
+          <p:blipFill>
+            <a:blip r:embed="rId2"/>
+            <a:stretch>
+              <a:fillRect/>
+            </a:stretch>
+          </p:blipFill>
+          <p:spPr>
+            <a:xfrm>
+              <a:off x="5367643" y="894733"/>
+              <a:ext cx="1419013" cy="720000"/>
+            </a:xfrm>
+            <a:prstGeom prst="rect">
+              <a:avLst/>
+            </a:prstGeom>
+            <a:ln>
+              <a:solidFill>
+                <a:schemeClr val="tx1"/>
+              </a:solidFill>
+            </a:ln>
+          </p:spPr>
+        </p:pic>
+        <p:sp>
+          <p:nvSpPr>
+            <p:cNvPr id="43" name="文本框 42">
+              <a:extLst>
+                <a:ext uri="{FF2B5EF4-FFF2-40B4-BE49-F238E27FC236}">
+                  <a16:creationId xmlns:a16="http://schemas.microsoft.com/office/drawing/2014/main" id="{D5FB475D-5D3E-E129-CF18-41750D1621F3}"/>
+                </a:ext>
+              </a:extLst>
+            </p:cNvPr>
+            <p:cNvSpPr txBox="1"/>
+            <p:nvPr/>
+          </p:nvSpPr>
+          <p:spPr>
+            <a:xfrm>
+              <a:off x="5233879" y="384394"/>
+              <a:ext cx="1113442" cy="230832"/>
+            </a:xfrm>
+            <a:prstGeom prst="rect">
+              <a:avLst/>
+            </a:prstGeom>
+            <a:noFill/>
+          </p:spPr>
+          <p:txBody>
+            <a:bodyPr wrap="square">
+              <a:spAutoFit/>
+            </a:bodyPr>
+            <a:lstStyle/>
+            <a:p>
+              <a:r>
+                <a:rPr lang="en-US" altLang="zh-CN" sz="900" dirty="0">
+                  <a:latin typeface="Times New Roman" panose="02020603050405020304" pitchFamily="18" charset="0"/>
+                  <a:cs typeface="Times New Roman" panose="02020603050405020304" pitchFamily="18" charset="0"/>
+                </a:rPr>
+                <a:t>Find the best</a:t>
+              </a:r>
+              <a:r>
+                <a:rPr lang="zh-CN" altLang="en-US" sz="900" dirty="0">
+                  <a:latin typeface="Times New Roman" panose="02020603050405020304" pitchFamily="18" charset="0"/>
+                  <a:cs typeface="Times New Roman" panose="02020603050405020304" pitchFamily="18" charset="0"/>
+                </a:rPr>
+                <a:t> model</a:t>
+              </a:r>
+            </a:p>
+          </p:txBody>
+        </p:sp>
+        <p:sp>
+          <p:nvSpPr>
+            <p:cNvPr id="92" name="矩形: 圆角 91">
+              <a:extLst>
+                <a:ext uri="{FF2B5EF4-FFF2-40B4-BE49-F238E27FC236}">
+                  <a16:creationId xmlns:a16="http://schemas.microsoft.com/office/drawing/2014/main" id="{1FF6CA13-7093-ED74-EC59-CB34BA4DC7A4}"/>
+                </a:ext>
+              </a:extLst>
+            </p:cNvPr>
+            <p:cNvSpPr/>
+            <p:nvPr/>
+          </p:nvSpPr>
+          <p:spPr>
+            <a:xfrm>
+              <a:off x="1416717" y="1508338"/>
+              <a:ext cx="826806" cy="758521"/>
+            </a:xfrm>
+            <a:prstGeom prst="roundRect">
+              <a:avLst>
+                <a:gd name="adj" fmla="val 8334"/>
+              </a:avLst>
+            </a:prstGeom>
+            <a:solidFill>
+              <a:schemeClr val="accent6">
+                <a:lumMod val="40000"/>
+                <a:lumOff val="60000"/>
+              </a:schemeClr>
+            </a:solidFill>
+            <a:ln w="19050">
+              <a:solidFill>
+                <a:schemeClr val="bg2">
+                  <a:lumMod val="25000"/>
+                </a:schemeClr>
+              </a:solidFill>
+            </a:ln>
+          </p:spPr>
+          <p:style>
+            <a:lnRef idx="2">
+              <a:schemeClr val="accent1">
+                <a:shade val="50000"/>
+              </a:schemeClr>
+            </a:lnRef>
+            <a:fillRef idx="1">
+              <a:schemeClr val="accent1"/>
+            </a:fillRef>
+            <a:effectRef idx="0">
+              <a:schemeClr val="accent1"/>
+            </a:effectRef>
+            <a:fontRef idx="minor">
+              <a:schemeClr val="lt1"/>
+            </a:fontRef>
+          </p:style>
+          <p:txBody>
+            <a:bodyPr rtlCol="0" anchor="ctr"/>
+            <a:lstStyle/>
+            <a:p>
+              <a:pPr algn="ctr"/>
+              <a:r>
+                <a:rPr lang="en-US" altLang="zh-CN" sz="900" b="1" dirty="0">
+                  <a:solidFill>
+                    <a:schemeClr val="tx1"/>
+                  </a:solidFill>
+                  <a:latin typeface="Times New Roman" panose="02020603050405020304" pitchFamily="18" charset="0"/>
+                  <a:cs typeface="Times New Roman" panose="02020603050405020304" pitchFamily="18" charset="0"/>
+                </a:rPr>
+                <a:t>Forecast</a:t>
+              </a:r>
+            </a:p>
+            <a:p>
+              <a:pPr algn="ctr"/>
+              <a:r>
+                <a:rPr lang="en-US" altLang="zh-CN" sz="900" b="1" dirty="0">
+                  <a:solidFill>
+                    <a:schemeClr val="tx1"/>
+                  </a:solidFill>
+                  <a:latin typeface="Times New Roman" panose="02020603050405020304" pitchFamily="18" charset="0"/>
+                  <a:cs typeface="Times New Roman" panose="02020603050405020304" pitchFamily="18" charset="0"/>
+                </a:rPr>
+                <a:t>2020-2022.5</a:t>
+              </a:r>
+            </a:p>
+            <a:p>
+              <a:pPr algn="ctr"/>
+              <a:r>
+                <a:rPr lang="en-US" altLang="zh-CN" sz="900" b="1" dirty="0">
+                  <a:solidFill>
+                    <a:schemeClr val="tx1"/>
+                  </a:solidFill>
+                  <a:latin typeface="Times New Roman" panose="02020603050405020304" pitchFamily="18" charset="0"/>
+                  <a:cs typeface="Times New Roman" panose="02020603050405020304" pitchFamily="18" charset="0"/>
+                </a:rPr>
+                <a:t>without COVID-19</a:t>
+              </a:r>
+              <a:endParaRPr lang="zh-CN" altLang="en-US" sz="900" b="1" dirty="0">
+                <a:solidFill>
+                  <a:schemeClr val="tx1"/>
+                </a:solidFill>
+                <a:latin typeface="Times New Roman" panose="02020603050405020304" pitchFamily="18" charset="0"/>
+                <a:cs typeface="Times New Roman" panose="02020603050405020304" pitchFamily="18" charset="0"/>
+              </a:endParaRPr>
+            </a:p>
+          </p:txBody>
+        </p:sp>
+        <p:sp>
+          <p:nvSpPr>
+            <p:cNvPr id="93" name="矩形: 圆角 92">
+              <a:extLst>
+                <a:ext uri="{FF2B5EF4-FFF2-40B4-BE49-F238E27FC236}">
+                  <a16:creationId xmlns:a16="http://schemas.microsoft.com/office/drawing/2014/main" id="{1FAFA3C6-71D8-61D5-3FF1-518F09B57125}"/>
+                </a:ext>
+              </a:extLst>
+            </p:cNvPr>
+            <p:cNvSpPr/>
+            <p:nvPr/>
+          </p:nvSpPr>
+          <p:spPr>
+            <a:xfrm>
+              <a:off x="2854998" y="2610241"/>
+              <a:ext cx="928808" cy="716696"/>
+            </a:xfrm>
+            <a:prstGeom prst="roundRect">
+              <a:avLst>
+                <a:gd name="adj" fmla="val 8334"/>
+              </a:avLst>
+            </a:prstGeom>
+            <a:solidFill>
+              <a:schemeClr val="accent6">
+                <a:lumMod val="40000"/>
+                <a:lumOff val="60000"/>
+              </a:schemeClr>
+            </a:solidFill>
+            <a:ln w="19050">
+              <a:solidFill>
+                <a:schemeClr val="bg2">
+                  <a:lumMod val="25000"/>
+                </a:schemeClr>
+              </a:solidFill>
+            </a:ln>
+          </p:spPr>
+          <p:style>
+            <a:lnRef idx="2">
+              <a:schemeClr val="accent1">
+                <a:shade val="50000"/>
+              </a:schemeClr>
+            </a:lnRef>
+            <a:fillRef idx="1">
+              <a:schemeClr val="accent1"/>
+            </a:fillRef>
+            <a:effectRef idx="0">
+              <a:schemeClr val="accent1"/>
+            </a:effectRef>
+            <a:fontRef idx="minor">
+              <a:schemeClr val="lt1"/>
+            </a:fontRef>
+          </p:style>
+          <p:txBody>
+            <a:bodyPr rtlCol="0" anchor="ctr"/>
+            <a:lstStyle/>
+            <a:p>
+              <a:pPr algn="ctr"/>
+              <a:r>
+                <a:rPr lang="en-US" altLang="zh-CN" sz="900" b="1" dirty="0">
+                  <a:solidFill>
+                    <a:schemeClr val="tx1"/>
+                  </a:solidFill>
+                  <a:latin typeface="Times New Roman" panose="02020603050405020304" pitchFamily="18" charset="0"/>
+                  <a:cs typeface="Times New Roman" panose="02020603050405020304" pitchFamily="18" charset="0"/>
+                </a:rPr>
+                <a:t>Forecast</a:t>
+              </a:r>
+            </a:p>
+            <a:p>
+              <a:pPr algn="ctr"/>
+              <a:r>
+                <a:rPr lang="en-US" altLang="zh-CN" sz="900" b="1" dirty="0">
+                  <a:solidFill>
+                    <a:schemeClr val="tx1"/>
+                  </a:solidFill>
+                  <a:latin typeface="Times New Roman" panose="02020603050405020304" pitchFamily="18" charset="0"/>
+                  <a:cs typeface="Times New Roman" panose="02020603050405020304" pitchFamily="18" charset="0"/>
+                </a:rPr>
+                <a:t>2022.6-2025.5</a:t>
+              </a:r>
+            </a:p>
+            <a:p>
+              <a:pPr algn="ctr"/>
+              <a:r>
+                <a:rPr lang="en-US" altLang="zh-CN" sz="900" b="1" dirty="0">
+                  <a:solidFill>
+                    <a:schemeClr val="tx1"/>
+                  </a:solidFill>
+                  <a:latin typeface="Times New Roman" panose="02020603050405020304" pitchFamily="18" charset="0"/>
+                  <a:cs typeface="Times New Roman" panose="02020603050405020304" pitchFamily="18" charset="0"/>
+                </a:rPr>
+                <a:t>without COVID-19</a:t>
+              </a:r>
+              <a:endParaRPr lang="zh-CN" altLang="en-US" sz="900" b="1" dirty="0">
+                <a:solidFill>
+                  <a:schemeClr val="tx1"/>
+                </a:solidFill>
+                <a:latin typeface="Times New Roman" panose="02020603050405020304" pitchFamily="18" charset="0"/>
+                <a:cs typeface="Times New Roman" panose="02020603050405020304" pitchFamily="18" charset="0"/>
+              </a:endParaRPr>
+            </a:p>
+          </p:txBody>
+        </p:sp>
+        <p:sp>
+          <p:nvSpPr>
+            <p:cNvPr id="98" name="矩形: 圆角 97">
+              <a:extLst>
+                <a:ext uri="{FF2B5EF4-FFF2-40B4-BE49-F238E27FC236}">
+                  <a16:creationId xmlns:a16="http://schemas.microsoft.com/office/drawing/2014/main" id="{9CC8ED86-D667-0077-E9BD-31536DE5F94A}"/>
+                </a:ext>
+              </a:extLst>
+            </p:cNvPr>
+            <p:cNvSpPr/>
+            <p:nvPr/>
+          </p:nvSpPr>
+          <p:spPr>
+            <a:xfrm>
+              <a:off x="1416717" y="2611641"/>
+              <a:ext cx="831116" cy="715296"/>
+            </a:xfrm>
+            <a:prstGeom prst="roundRect">
+              <a:avLst>
+                <a:gd name="adj" fmla="val 8334"/>
+              </a:avLst>
+            </a:prstGeom>
+            <a:solidFill>
+              <a:schemeClr val="accent2">
+                <a:lumMod val="40000"/>
+                <a:lumOff val="60000"/>
+              </a:schemeClr>
+            </a:solidFill>
+            <a:ln w="19050">
+              <a:solidFill>
+                <a:schemeClr val="bg2">
+                  <a:lumMod val="25000"/>
+                </a:schemeClr>
+              </a:solidFill>
+            </a:ln>
+          </p:spPr>
+          <p:style>
+            <a:lnRef idx="2">
+              <a:schemeClr val="accent1">
+                <a:shade val="50000"/>
+              </a:schemeClr>
+            </a:lnRef>
+            <a:fillRef idx="1">
+              <a:schemeClr val="accent1"/>
+            </a:fillRef>
+            <a:effectRef idx="0">
+              <a:schemeClr val="accent1"/>
+            </a:effectRef>
+            <a:fontRef idx="minor">
+              <a:schemeClr val="lt1"/>
+            </a:fontRef>
+          </p:style>
+          <p:txBody>
+            <a:bodyPr rtlCol="0" anchor="ctr"/>
+            <a:lstStyle/>
+            <a:p>
+              <a:pPr algn="ctr"/>
+              <a:r>
+                <a:rPr lang="en-US" altLang="zh-CN" sz="900" b="1" dirty="0">
+                  <a:solidFill>
+                    <a:schemeClr val="tx1"/>
+                  </a:solidFill>
+                  <a:latin typeface="Times New Roman" panose="02020603050405020304" pitchFamily="18" charset="0"/>
+                  <a:cs typeface="Times New Roman" panose="02020603050405020304" pitchFamily="18" charset="0"/>
+                </a:rPr>
+                <a:t>Actual</a:t>
+              </a:r>
+            </a:p>
+            <a:p>
+              <a:pPr algn="ctr"/>
+              <a:r>
+                <a:rPr lang="en-US" altLang="zh-CN" sz="900" b="1" dirty="0">
+                  <a:solidFill>
+                    <a:schemeClr val="tx1"/>
+                  </a:solidFill>
+                  <a:latin typeface="Times New Roman" panose="02020603050405020304" pitchFamily="18" charset="0"/>
+                  <a:cs typeface="Times New Roman" panose="02020603050405020304" pitchFamily="18" charset="0"/>
+                </a:rPr>
+                <a:t>2020-2022.5</a:t>
+              </a:r>
+            </a:p>
+            <a:p>
+              <a:pPr algn="ctr"/>
+              <a:r>
+                <a:rPr lang="en-US" altLang="zh-CN" sz="900" b="1" dirty="0">
+                  <a:solidFill>
+                    <a:schemeClr val="tx1"/>
+                  </a:solidFill>
+                  <a:latin typeface="Times New Roman" panose="02020603050405020304" pitchFamily="18" charset="0"/>
+                  <a:cs typeface="Times New Roman" panose="02020603050405020304" pitchFamily="18" charset="0"/>
+                </a:rPr>
+                <a:t>within COVID-19</a:t>
+              </a:r>
+              <a:endParaRPr lang="zh-CN" altLang="en-US" sz="900" b="1" dirty="0">
+                <a:solidFill>
+                  <a:schemeClr val="tx1"/>
+                </a:solidFill>
+                <a:latin typeface="Times New Roman" panose="02020603050405020304" pitchFamily="18" charset="0"/>
+                <a:cs typeface="Times New Roman" panose="02020603050405020304" pitchFamily="18" charset="0"/>
+              </a:endParaRPr>
+            </a:p>
+          </p:txBody>
+        </p:sp>
+        <p:sp>
+          <p:nvSpPr>
+            <p:cNvPr id="47" name="矩形: 圆角 46">
+              <a:extLst>
+                <a:ext uri="{FF2B5EF4-FFF2-40B4-BE49-F238E27FC236}">
+                  <a16:creationId xmlns:a16="http://schemas.microsoft.com/office/drawing/2014/main" id="{4B791426-F378-5CD6-0747-67306A9634E8}"/>
+                </a:ext>
+              </a:extLst>
+            </p:cNvPr>
+            <p:cNvSpPr/>
+            <p:nvPr/>
+          </p:nvSpPr>
+          <p:spPr>
+            <a:xfrm>
+              <a:off x="4395282" y="1502367"/>
+              <a:ext cx="826806" cy="764499"/>
+            </a:xfrm>
+            <a:prstGeom prst="roundRect">
+              <a:avLst>
+                <a:gd name="adj" fmla="val 8334"/>
+              </a:avLst>
+            </a:prstGeom>
+            <a:solidFill>
+              <a:schemeClr val="accent1">
+                <a:lumMod val="40000"/>
+                <a:lumOff val="60000"/>
+              </a:schemeClr>
+            </a:solidFill>
+            <a:ln w="19050">
+              <a:solidFill>
+                <a:schemeClr val="accent1">
+                  <a:lumMod val="75000"/>
+                </a:schemeClr>
+              </a:solidFill>
+            </a:ln>
+          </p:spPr>
+          <p:style>
+            <a:lnRef idx="2">
+              <a:schemeClr val="accent1">
+                <a:shade val="50000"/>
+              </a:schemeClr>
+            </a:lnRef>
+            <a:fillRef idx="1">
+              <a:schemeClr val="accent1"/>
+            </a:fillRef>
+            <a:effectRef idx="0">
+              <a:schemeClr val="accent1"/>
+            </a:effectRef>
+            <a:fontRef idx="minor">
+              <a:schemeClr val="lt1"/>
+            </a:fontRef>
+          </p:style>
+          <p:txBody>
+            <a:bodyPr rtlCol="0" anchor="ctr"/>
+            <a:lstStyle/>
+            <a:p>
+              <a:pPr algn="ctr"/>
+              <a:r>
+                <a:rPr lang="en-US" altLang="zh-CN" sz="900" b="1" dirty="0">
+                  <a:solidFill>
+                    <a:schemeClr val="tx1"/>
+                  </a:solidFill>
+                  <a:latin typeface="Times New Roman" panose="02020603050405020304" pitchFamily="18" charset="0"/>
+                  <a:cs typeface="Times New Roman" panose="02020603050405020304" pitchFamily="18" charset="0"/>
+                </a:rPr>
+                <a:t>Retrain database</a:t>
+              </a:r>
+            </a:p>
+            <a:p>
+              <a:pPr algn="ctr"/>
+              <a:r>
+                <a:rPr lang="en-US" altLang="zh-CN" sz="900" b="1" dirty="0">
+                  <a:solidFill>
+                    <a:schemeClr val="tx1"/>
+                  </a:solidFill>
+                  <a:latin typeface="Times New Roman" panose="02020603050405020304" pitchFamily="18" charset="0"/>
+                  <a:cs typeface="Times New Roman" panose="02020603050405020304" pitchFamily="18" charset="0"/>
+                </a:rPr>
+                <a:t>2008-2019</a:t>
+              </a:r>
+              <a:endParaRPr lang="zh-CN" altLang="en-US" sz="900" b="1" dirty="0">
+                <a:solidFill>
+                  <a:schemeClr val="tx1"/>
+                </a:solidFill>
+                <a:latin typeface="Times New Roman" panose="02020603050405020304" pitchFamily="18" charset="0"/>
+                <a:cs typeface="Times New Roman" panose="02020603050405020304" pitchFamily="18" charset="0"/>
+              </a:endParaRPr>
+            </a:p>
+          </p:txBody>
+        </p:sp>
+        <p:sp>
+          <p:nvSpPr>
+            <p:cNvPr id="49" name="文本框 48">
+              <a:extLst>
+                <a:ext uri="{FF2B5EF4-FFF2-40B4-BE49-F238E27FC236}">
+                  <a16:creationId xmlns:a16="http://schemas.microsoft.com/office/drawing/2014/main" id="{A4879A57-1425-5E51-1C04-E2272BF615B4}"/>
+                </a:ext>
+              </a:extLst>
+            </p:cNvPr>
+            <p:cNvSpPr txBox="1"/>
+            <p:nvPr/>
+          </p:nvSpPr>
+          <p:spPr>
+            <a:xfrm>
+              <a:off x="5311171" y="1898166"/>
+              <a:ext cx="889608" cy="230832"/>
+            </a:xfrm>
+            <a:prstGeom prst="rect">
+              <a:avLst/>
+            </a:prstGeom>
+            <a:noFill/>
+          </p:spPr>
+          <p:txBody>
+            <a:bodyPr wrap="square">
+              <a:spAutoFit/>
+            </a:bodyPr>
+            <a:lstStyle/>
+            <a:p>
+              <a:r>
+                <a:rPr lang="en-US" altLang="zh-CN" sz="900" dirty="0">
+                  <a:latin typeface="Times New Roman" panose="02020603050405020304" pitchFamily="18" charset="0"/>
+                  <a:cs typeface="Times New Roman" panose="02020603050405020304" pitchFamily="18" charset="0"/>
+                </a:rPr>
+                <a:t>Retrain</a:t>
+              </a:r>
+              <a:r>
+                <a:rPr lang="zh-CN" altLang="en-US" sz="900" dirty="0">
+                  <a:latin typeface="Times New Roman" panose="02020603050405020304" pitchFamily="18" charset="0"/>
+                  <a:cs typeface="Times New Roman" panose="02020603050405020304" pitchFamily="18" charset="0"/>
+                </a:rPr>
+                <a:t> model</a:t>
+              </a:r>
+            </a:p>
+          </p:txBody>
+        </p:sp>
+        <p:cxnSp>
+          <p:nvCxnSpPr>
+            <p:cNvPr id="8" name="直接箭头连接符 7">
+              <a:extLst>
+                <a:ext uri="{FF2B5EF4-FFF2-40B4-BE49-F238E27FC236}">
+                  <a16:creationId xmlns:a16="http://schemas.microsoft.com/office/drawing/2014/main" id="{966F5C95-C77C-F849-DF88-EC0415305CC4}"/>
+                </a:ext>
+              </a:extLst>
+            </p:cNvPr>
+            <p:cNvCxnSpPr>
+              <a:cxnSpLocks/>
+              <a:stCxn id="30" idx="3"/>
+            </p:cNvCxnSpPr>
+            <p:nvPr/>
+          </p:nvCxnSpPr>
+          <p:spPr>
+            <a:xfrm>
+              <a:off x="937337" y="622359"/>
+              <a:ext cx="894938" cy="0"/>
+            </a:xfrm>
+            <a:prstGeom prst="straightConnector1">
+              <a:avLst/>
+            </a:prstGeom>
+            <a:ln w="38100">
+              <a:solidFill>
+                <a:schemeClr val="accent2">
+                  <a:lumMod val="50000"/>
+                </a:schemeClr>
+              </a:solidFill>
+              <a:tailEnd type="triangle"/>
+            </a:ln>
+          </p:spPr>
+          <p:style>
+            <a:lnRef idx="1">
+              <a:schemeClr val="accent1"/>
+            </a:lnRef>
+            <a:fillRef idx="0">
+              <a:schemeClr val="accent1"/>
+            </a:fillRef>
+            <a:effectRef idx="0">
+              <a:schemeClr val="accent1"/>
+            </a:effectRef>
+            <a:fontRef idx="minor">
+              <a:schemeClr val="tx1"/>
+            </a:fontRef>
+          </p:style>
+        </p:cxnSp>
+        <p:cxnSp>
+          <p:nvCxnSpPr>
+            <p:cNvPr id="59" name="直接箭头连接符 58">
+              <a:extLst>
+                <a:ext uri="{FF2B5EF4-FFF2-40B4-BE49-F238E27FC236}">
+                  <a16:creationId xmlns:a16="http://schemas.microsoft.com/office/drawing/2014/main" id="{6F28458D-43AD-BD05-BE12-D3EA50219596}"/>
+                </a:ext>
+              </a:extLst>
+            </p:cNvPr>
+            <p:cNvCxnSpPr>
+              <a:cxnSpLocks/>
+              <a:endCxn id="36" idx="1"/>
+            </p:cNvCxnSpPr>
+            <p:nvPr/>
+          </p:nvCxnSpPr>
+          <p:spPr>
+            <a:xfrm flipV="1">
+              <a:off x="3548890" y="588597"/>
+              <a:ext cx="842084" cy="10273"/>
+            </a:xfrm>
+            <a:prstGeom prst="straightConnector1">
+              <a:avLst/>
+            </a:prstGeom>
+            <a:ln w="38100">
+              <a:solidFill>
+                <a:schemeClr val="accent6">
+                  <a:lumMod val="50000"/>
+                </a:schemeClr>
+              </a:solidFill>
+              <a:tailEnd type="triangle"/>
+            </a:ln>
+          </p:spPr>
+          <p:style>
+            <a:lnRef idx="1">
+              <a:schemeClr val="accent1"/>
+            </a:lnRef>
+            <a:fillRef idx="0">
+              <a:schemeClr val="accent1"/>
+            </a:fillRef>
+            <a:effectRef idx="0">
+              <a:schemeClr val="accent1"/>
+            </a:effectRef>
+            <a:fontRef idx="minor">
+              <a:schemeClr val="tx1"/>
+            </a:fontRef>
+          </p:style>
+        </p:cxnSp>
+        <p:cxnSp>
+          <p:nvCxnSpPr>
+            <p:cNvPr id="13" name="连接符: 肘形 12">
+              <a:extLst>
+                <a:ext uri="{FF2B5EF4-FFF2-40B4-BE49-F238E27FC236}">
+                  <a16:creationId xmlns:a16="http://schemas.microsoft.com/office/drawing/2014/main" id="{4206E632-4874-114D-F648-8BFA6B69DEB5}"/>
+                </a:ext>
+              </a:extLst>
+            </p:cNvPr>
+            <p:cNvCxnSpPr>
+              <a:cxnSpLocks/>
+              <a:stCxn id="36" idx="3"/>
+              <a:endCxn id="40" idx="0"/>
+            </p:cNvCxnSpPr>
+            <p:nvPr/>
+          </p:nvCxnSpPr>
+          <p:spPr>
+            <a:xfrm>
+              <a:off x="5222088" y="588597"/>
+              <a:ext cx="855062" cy="306136"/>
+            </a:xfrm>
+            <a:prstGeom prst="bentConnector2">
+              <a:avLst/>
+            </a:prstGeom>
+            <a:ln w="38100">
+              <a:solidFill>
+                <a:schemeClr val="accent6">
+                  <a:lumMod val="50000"/>
+                </a:schemeClr>
+              </a:solidFill>
+              <a:tailEnd type="triangle"/>
+            </a:ln>
+          </p:spPr>
+          <p:style>
+            <a:lnRef idx="1">
+              <a:schemeClr val="accent1"/>
+            </a:lnRef>
+            <a:fillRef idx="0">
+              <a:schemeClr val="accent1"/>
+            </a:fillRef>
+            <a:effectRef idx="0">
+              <a:schemeClr val="accent1"/>
+            </a:effectRef>
+            <a:fontRef idx="minor">
+              <a:schemeClr val="tx1"/>
+            </a:fontRef>
+          </p:style>
+        </p:cxnSp>
+        <p:cxnSp>
+          <p:nvCxnSpPr>
+            <p:cNvPr id="67" name="连接符: 肘形 66">
+              <a:extLst>
+                <a:ext uri="{FF2B5EF4-FFF2-40B4-BE49-F238E27FC236}">
+                  <a16:creationId xmlns:a16="http://schemas.microsoft.com/office/drawing/2014/main" id="{E3951CDF-0464-50D5-38EF-96335896529F}"/>
+                </a:ext>
+              </a:extLst>
+            </p:cNvPr>
+            <p:cNvCxnSpPr>
+              <a:cxnSpLocks/>
+              <a:stCxn id="40" idx="2"/>
+              <a:endCxn id="47" idx="3"/>
+            </p:cNvCxnSpPr>
+            <p:nvPr/>
+          </p:nvCxnSpPr>
+          <p:spPr>
+            <a:xfrm rot="5400000">
+              <a:off x="5514677" y="1322144"/>
+              <a:ext cx="269884" cy="855062"/>
+            </a:xfrm>
+            <a:prstGeom prst="bentConnector2">
+              <a:avLst/>
+            </a:prstGeom>
+            <a:ln w="38100">
+              <a:solidFill>
+                <a:schemeClr val="accent2">
+                  <a:lumMod val="50000"/>
+                </a:schemeClr>
+              </a:solidFill>
+              <a:tailEnd type="triangle"/>
+            </a:ln>
+          </p:spPr>
+          <p:style>
+            <a:lnRef idx="1">
+              <a:schemeClr val="accent1"/>
+            </a:lnRef>
+            <a:fillRef idx="0">
+              <a:schemeClr val="accent1"/>
+            </a:fillRef>
+            <a:effectRef idx="0">
+              <a:schemeClr val="accent1"/>
+            </a:effectRef>
+            <a:fontRef idx="minor">
+              <a:schemeClr val="tx1"/>
+            </a:fontRef>
+          </p:style>
+        </p:cxnSp>
+        <p:pic>
+          <p:nvPicPr>
+            <p:cNvPr id="41" name="图片 40">
+              <a:extLst>
+                <a:ext uri="{FF2B5EF4-FFF2-40B4-BE49-F238E27FC236}">
+                  <a16:creationId xmlns:a16="http://schemas.microsoft.com/office/drawing/2014/main" id="{D4E7C94A-B467-0B7E-D29E-27AE86ADDC85}"/>
+                </a:ext>
+              </a:extLst>
+            </p:cNvPr>
+            <p:cNvPicPr>
+              <a:picLocks noChangeAspect="1"/>
+            </p:cNvPicPr>
+            <p:nvPr/>
+          </p:nvPicPr>
+          <p:blipFill>
+            <a:blip r:embed="rId8"/>
+            <a:stretch>
+              <a:fillRect/>
+            </a:stretch>
+          </p:blipFill>
+          <p:spPr>
+            <a:xfrm>
+              <a:off x="2609896" y="1526213"/>
+              <a:ext cx="1419013" cy="720001"/>
+            </a:xfrm>
+            <a:prstGeom prst="rect">
+              <a:avLst/>
+            </a:prstGeom>
+            <a:ln>
+              <a:solidFill>
+                <a:schemeClr val="tx1"/>
+              </a:solidFill>
+            </a:ln>
+          </p:spPr>
+        </p:pic>
+        <p:cxnSp>
+          <p:nvCxnSpPr>
+            <p:cNvPr id="99" name="直接箭头连接符 98">
+              <a:extLst>
+                <a:ext uri="{FF2B5EF4-FFF2-40B4-BE49-F238E27FC236}">
+                  <a16:creationId xmlns:a16="http://schemas.microsoft.com/office/drawing/2014/main" id="{217C51CA-0795-522D-5E04-9A37BE538078}"/>
+                </a:ext>
+              </a:extLst>
+            </p:cNvPr>
+            <p:cNvCxnSpPr>
+              <a:cxnSpLocks/>
+              <a:stCxn id="47" idx="1"/>
+              <a:endCxn id="41" idx="3"/>
+            </p:cNvCxnSpPr>
+            <p:nvPr/>
+          </p:nvCxnSpPr>
+          <p:spPr>
+            <a:xfrm flipH="1">
+              <a:off x="4028909" y="1884617"/>
+              <a:ext cx="366373" cy="1597"/>
+            </a:xfrm>
+            <a:prstGeom prst="straightConnector1">
+              <a:avLst/>
+            </a:prstGeom>
+            <a:ln w="38100">
+              <a:solidFill>
+                <a:schemeClr val="accent6">
+                  <a:lumMod val="50000"/>
+                </a:schemeClr>
+              </a:solidFill>
+              <a:tailEnd type="triangle"/>
+            </a:ln>
+          </p:spPr>
+          <p:style>
+            <a:lnRef idx="1">
+              <a:schemeClr val="accent1"/>
+            </a:lnRef>
+            <a:fillRef idx="0">
+              <a:schemeClr val="accent1"/>
+            </a:fillRef>
+            <a:effectRef idx="0">
+              <a:schemeClr val="accent1"/>
+            </a:effectRef>
+            <a:fontRef idx="minor">
+              <a:schemeClr val="tx1"/>
+            </a:fontRef>
+          </p:style>
+        </p:cxnSp>
+        <p:cxnSp>
+          <p:nvCxnSpPr>
+            <p:cNvPr id="100" name="直接箭头连接符 99">
+              <a:extLst>
+                <a:ext uri="{FF2B5EF4-FFF2-40B4-BE49-F238E27FC236}">
+                  <a16:creationId xmlns:a16="http://schemas.microsoft.com/office/drawing/2014/main" id="{FEC2C331-F192-3BB2-F435-FAC558B9A92E}"/>
+                </a:ext>
+              </a:extLst>
+            </p:cNvPr>
+            <p:cNvCxnSpPr>
+              <a:cxnSpLocks/>
+              <a:stCxn id="41" idx="1"/>
+              <a:endCxn id="92" idx="3"/>
+            </p:cNvCxnSpPr>
+            <p:nvPr/>
+          </p:nvCxnSpPr>
+          <p:spPr>
+            <a:xfrm flipH="1">
+              <a:off x="2243523" y="1886214"/>
+              <a:ext cx="366373" cy="1385"/>
+            </a:xfrm>
+            <a:prstGeom prst="straightConnector1">
+              <a:avLst/>
+            </a:prstGeom>
+            <a:ln w="38100">
+              <a:solidFill>
+                <a:schemeClr val="accent6">
+                  <a:lumMod val="50000"/>
+                </a:schemeClr>
+              </a:solidFill>
+              <a:tailEnd type="triangle"/>
+            </a:ln>
+          </p:spPr>
+          <p:style>
+            <a:lnRef idx="1">
+              <a:schemeClr val="accent1"/>
+            </a:lnRef>
+            <a:fillRef idx="0">
+              <a:schemeClr val="accent1"/>
+            </a:fillRef>
+            <a:effectRef idx="0">
+              <a:schemeClr val="accent1"/>
+            </a:effectRef>
+            <a:fontRef idx="minor">
+              <a:schemeClr val="tx1"/>
+            </a:fontRef>
+          </p:style>
+        </p:cxnSp>
+        <p:cxnSp>
+          <p:nvCxnSpPr>
+            <p:cNvPr id="107" name="直接箭头连接符 106">
+              <a:extLst>
+                <a:ext uri="{FF2B5EF4-FFF2-40B4-BE49-F238E27FC236}">
+                  <a16:creationId xmlns:a16="http://schemas.microsoft.com/office/drawing/2014/main" id="{345D0739-F44B-412A-DF3D-6B383D20E4C6}"/>
+                </a:ext>
+              </a:extLst>
+            </p:cNvPr>
+            <p:cNvCxnSpPr>
+              <a:cxnSpLocks/>
+              <a:stCxn id="41" idx="2"/>
+              <a:endCxn id="93" idx="0"/>
+            </p:cNvCxnSpPr>
+            <p:nvPr/>
+          </p:nvCxnSpPr>
+          <p:spPr>
+            <a:xfrm flipH="1">
+              <a:off x="3319402" y="2246214"/>
+              <a:ext cx="1" cy="364027"/>
+            </a:xfrm>
+            <a:prstGeom prst="straightConnector1">
+              <a:avLst/>
+            </a:prstGeom>
+            <a:ln w="38100">
+              <a:solidFill>
+                <a:schemeClr val="accent6">
+                  <a:lumMod val="50000"/>
+                </a:schemeClr>
+              </a:solidFill>
+              <a:tailEnd type="triangle"/>
+            </a:ln>
+          </p:spPr>
+          <p:style>
+            <a:lnRef idx="1">
+              <a:schemeClr val="accent1"/>
+            </a:lnRef>
+            <a:fillRef idx="0">
+              <a:schemeClr val="accent1"/>
+            </a:fillRef>
+            <a:effectRef idx="0">
+              <a:schemeClr val="accent1"/>
+            </a:effectRef>
+            <a:fontRef idx="minor">
+              <a:schemeClr val="tx1"/>
+            </a:fontRef>
+          </p:style>
+        </p:cxnSp>
+        <p:sp>
+          <p:nvSpPr>
+            <p:cNvPr id="132" name="矩形: 圆角 131">
+              <a:extLst>
+                <a:ext uri="{FF2B5EF4-FFF2-40B4-BE49-F238E27FC236}">
+                  <a16:creationId xmlns:a16="http://schemas.microsoft.com/office/drawing/2014/main" id="{BD22F1B5-CAC7-0D30-9C56-3A3BB98EA4F6}"/>
+                </a:ext>
+              </a:extLst>
+            </p:cNvPr>
+            <p:cNvSpPr/>
+            <p:nvPr/>
+          </p:nvSpPr>
+          <p:spPr>
+            <a:xfrm>
+              <a:off x="110531" y="3966650"/>
+              <a:ext cx="826806" cy="716697"/>
+            </a:xfrm>
+            <a:prstGeom prst="roundRect">
+              <a:avLst>
+                <a:gd name="adj" fmla="val 8334"/>
+              </a:avLst>
+            </a:prstGeom>
+            <a:solidFill>
+              <a:schemeClr val="accent1">
+                <a:lumMod val="40000"/>
+                <a:lumOff val="60000"/>
+              </a:schemeClr>
+            </a:solidFill>
+            <a:ln w="19050">
+              <a:solidFill>
+                <a:schemeClr val="accent1">
+                  <a:lumMod val="75000"/>
+                </a:schemeClr>
+              </a:solidFill>
+            </a:ln>
+          </p:spPr>
+          <p:style>
+            <a:lnRef idx="2">
+              <a:schemeClr val="accent1">
+                <a:shade val="50000"/>
+              </a:schemeClr>
+            </a:lnRef>
+            <a:fillRef idx="1">
+              <a:schemeClr val="accent1"/>
+            </a:fillRef>
+            <a:effectRef idx="0">
+              <a:schemeClr val="accent1"/>
+            </a:effectRef>
+            <a:fontRef idx="minor">
+              <a:schemeClr val="lt1"/>
+            </a:fontRef>
+          </p:style>
+          <p:txBody>
+            <a:bodyPr rtlCol="0" anchor="ctr"/>
+            <a:lstStyle/>
+            <a:p>
+              <a:pPr algn="ctr"/>
+              <a:r>
+                <a:rPr lang="en-US" altLang="zh-CN" sz="900" b="1" dirty="0">
+                  <a:solidFill>
+                    <a:schemeClr val="tx1"/>
+                  </a:solidFill>
+                  <a:latin typeface="Times New Roman" panose="02020603050405020304" pitchFamily="18" charset="0"/>
+                  <a:cs typeface="Times New Roman" panose="02020603050405020304" pitchFamily="18" charset="0"/>
+                </a:rPr>
+                <a:t>Train database</a:t>
+              </a:r>
+            </a:p>
+            <a:p>
+              <a:pPr algn="ctr"/>
+              <a:r>
+                <a:rPr lang="en-US" altLang="zh-CN" sz="900" b="1" dirty="0">
+                  <a:solidFill>
+                    <a:schemeClr val="tx1"/>
+                  </a:solidFill>
+                  <a:latin typeface="Times New Roman" panose="02020603050405020304" pitchFamily="18" charset="0"/>
+                  <a:cs typeface="Times New Roman" panose="02020603050405020304" pitchFamily="18" charset="0"/>
+                </a:rPr>
+                <a:t>2008-2022.5</a:t>
+              </a:r>
+              <a:endParaRPr lang="zh-CN" altLang="en-US" sz="900" b="1" dirty="0">
+                <a:solidFill>
+                  <a:schemeClr val="tx1"/>
+                </a:solidFill>
+                <a:latin typeface="Times New Roman" panose="02020603050405020304" pitchFamily="18" charset="0"/>
+                <a:cs typeface="Times New Roman" panose="02020603050405020304" pitchFamily="18" charset="0"/>
+              </a:endParaRPr>
+            </a:p>
+          </p:txBody>
+        </p:sp>
+        <p:sp>
+          <p:nvSpPr>
+            <p:cNvPr id="133" name="文本框 132">
+              <a:extLst>
+                <a:ext uri="{FF2B5EF4-FFF2-40B4-BE49-F238E27FC236}">
+                  <a16:creationId xmlns:a16="http://schemas.microsoft.com/office/drawing/2014/main" id="{63713FD3-2EA6-1862-29AD-C99ADF3F500E}"/>
+                </a:ext>
+              </a:extLst>
+            </p:cNvPr>
+            <p:cNvSpPr txBox="1"/>
+            <p:nvPr/>
+          </p:nvSpPr>
+          <p:spPr>
+            <a:xfrm>
+              <a:off x="971253" y="4090527"/>
+              <a:ext cx="826806" cy="230832"/>
+            </a:xfrm>
+            <a:prstGeom prst="rect">
+              <a:avLst/>
+            </a:prstGeom>
+            <a:noFill/>
+          </p:spPr>
+          <p:txBody>
+            <a:bodyPr wrap="square">
+              <a:spAutoFit/>
+            </a:bodyPr>
+            <a:lstStyle/>
+            <a:p>
+              <a:r>
+                <a:rPr lang="en-US" altLang="zh-CN" sz="900" dirty="0">
+                  <a:latin typeface="Times New Roman" panose="02020603050405020304" pitchFamily="18" charset="0"/>
+                  <a:cs typeface="Times New Roman" panose="02020603050405020304" pitchFamily="18" charset="0"/>
+                </a:rPr>
+                <a:t>Train</a:t>
+              </a:r>
+              <a:r>
+                <a:rPr lang="zh-CN" altLang="en-US" sz="900" dirty="0">
+                  <a:latin typeface="Times New Roman" panose="02020603050405020304" pitchFamily="18" charset="0"/>
+                  <a:cs typeface="Times New Roman" panose="02020603050405020304" pitchFamily="18" charset="0"/>
+                </a:rPr>
+                <a:t> models</a:t>
+              </a:r>
+            </a:p>
+          </p:txBody>
+        </p:sp>
+        <p:sp>
+          <p:nvSpPr>
+            <p:cNvPr id="134" name="文本框 133">
+              <a:extLst>
+                <a:ext uri="{FF2B5EF4-FFF2-40B4-BE49-F238E27FC236}">
+                  <a16:creationId xmlns:a16="http://schemas.microsoft.com/office/drawing/2014/main" id="{801C2FC0-EACA-4EA5-AD0B-50AE8A57E846}"/>
+                </a:ext>
+              </a:extLst>
+            </p:cNvPr>
+            <p:cNvSpPr txBox="1"/>
+            <p:nvPr/>
+          </p:nvSpPr>
+          <p:spPr>
+            <a:xfrm>
+              <a:off x="3506514" y="4090527"/>
+              <a:ext cx="741636" cy="230832"/>
+            </a:xfrm>
+            <a:prstGeom prst="rect">
+              <a:avLst/>
+            </a:prstGeom>
+            <a:noFill/>
+          </p:spPr>
+          <p:txBody>
+            <a:bodyPr wrap="square">
+              <a:spAutoFit/>
+            </a:bodyPr>
+            <a:lstStyle/>
+            <a:p>
+              <a:r>
+                <a:rPr lang="en-US" altLang="zh-CN" sz="900" dirty="0">
+                  <a:latin typeface="Times New Roman" panose="02020603050405020304" pitchFamily="18" charset="0"/>
+                  <a:cs typeface="Times New Roman" panose="02020603050405020304" pitchFamily="18" charset="0"/>
+                </a:rPr>
+                <a:t>Test</a:t>
+              </a:r>
+              <a:r>
+                <a:rPr lang="zh-CN" altLang="en-US" sz="900" dirty="0">
+                  <a:latin typeface="Times New Roman" panose="02020603050405020304" pitchFamily="18" charset="0"/>
+                  <a:cs typeface="Times New Roman" panose="02020603050405020304" pitchFamily="18" charset="0"/>
+                </a:rPr>
+                <a:t> models</a:t>
+              </a:r>
+            </a:p>
+          </p:txBody>
+        </p:sp>
+        <p:sp>
+          <p:nvSpPr>
+            <p:cNvPr id="135" name="矩形: 圆角 134">
+              <a:extLst>
+                <a:ext uri="{FF2B5EF4-FFF2-40B4-BE49-F238E27FC236}">
+                  <a16:creationId xmlns:a16="http://schemas.microsoft.com/office/drawing/2014/main" id="{7666FF2E-C0D8-4B6A-A865-58AF7A0FE018}"/>
+                </a:ext>
+              </a:extLst>
+            </p:cNvPr>
+            <p:cNvSpPr/>
+            <p:nvPr/>
+          </p:nvSpPr>
+          <p:spPr>
+            <a:xfrm>
+              <a:off x="4390974" y="3909499"/>
+              <a:ext cx="831114" cy="763475"/>
+            </a:xfrm>
+            <a:prstGeom prst="roundRect">
+              <a:avLst>
+                <a:gd name="adj" fmla="val 8334"/>
+              </a:avLst>
+            </a:prstGeom>
+            <a:solidFill>
+              <a:srgbClr val="C9E6E4"/>
+            </a:solidFill>
+            <a:ln w="19050">
+              <a:solidFill>
+                <a:schemeClr val="accent6">
+                  <a:lumMod val="75000"/>
+                </a:schemeClr>
+              </a:solidFill>
+            </a:ln>
+          </p:spPr>
+          <p:style>
+            <a:lnRef idx="2">
+              <a:schemeClr val="accent1">
+                <a:shade val="50000"/>
+              </a:schemeClr>
+            </a:lnRef>
+            <a:fillRef idx="1">
+              <a:schemeClr val="accent1"/>
+            </a:fillRef>
+            <a:effectRef idx="0">
+              <a:schemeClr val="accent1"/>
+            </a:effectRef>
+            <a:fontRef idx="minor">
+              <a:schemeClr val="lt1"/>
+            </a:fontRef>
+          </p:style>
+          <p:txBody>
+            <a:bodyPr rtlCol="0" anchor="ctr"/>
+            <a:lstStyle/>
+            <a:p>
+              <a:pPr algn="ctr"/>
+              <a:r>
+                <a:rPr lang="en-US" altLang="zh-CN" sz="900" b="1" dirty="0">
+                  <a:solidFill>
+                    <a:schemeClr val="tx1"/>
+                  </a:solidFill>
+                  <a:latin typeface="Times New Roman" panose="02020603050405020304" pitchFamily="18" charset="0"/>
+                  <a:cs typeface="Times New Roman" panose="02020603050405020304" pitchFamily="18" charset="0"/>
+                </a:rPr>
+                <a:t>Test database</a:t>
+              </a:r>
+            </a:p>
+            <a:p>
+              <a:pPr algn="ctr"/>
+              <a:r>
+                <a:rPr lang="en-US" altLang="zh-CN" sz="900" b="1" dirty="0">
+                  <a:solidFill>
+                    <a:schemeClr val="tx1"/>
+                  </a:solidFill>
+                  <a:latin typeface="Times New Roman" panose="02020603050405020304" pitchFamily="18" charset="0"/>
+                  <a:cs typeface="Times New Roman" panose="02020603050405020304" pitchFamily="18" charset="0"/>
+                </a:rPr>
+                <a:t>2008-2022.5</a:t>
+              </a:r>
+              <a:endParaRPr lang="zh-CN" altLang="en-US" sz="900" b="1" dirty="0">
+                <a:solidFill>
+                  <a:schemeClr val="tx1"/>
+                </a:solidFill>
+                <a:latin typeface="Times New Roman" panose="02020603050405020304" pitchFamily="18" charset="0"/>
+                <a:cs typeface="Times New Roman" panose="02020603050405020304" pitchFamily="18" charset="0"/>
+              </a:endParaRPr>
+            </a:p>
+          </p:txBody>
+        </p:sp>
+        <p:pic>
+          <p:nvPicPr>
+            <p:cNvPr id="136" name="图片 135">
+              <a:extLst>
+                <a:ext uri="{FF2B5EF4-FFF2-40B4-BE49-F238E27FC236}">
+                  <a16:creationId xmlns:a16="http://schemas.microsoft.com/office/drawing/2014/main" id="{6453A468-A055-EDFB-6ECA-EB13C7D864E5}"/>
+                </a:ext>
+              </a:extLst>
+            </p:cNvPr>
+            <p:cNvPicPr>
+              <a:picLocks noChangeAspect="1"/>
+            </p:cNvPicPr>
+            <p:nvPr/>
+          </p:nvPicPr>
+          <p:blipFill>
+            <a:blip r:embed="rId9">
+              <a:extLst>
+                <a:ext uri="{28A0092B-C50C-407E-A947-70E740481C1C}">
+                  <a14:useLocalDpi xmlns:a14="http://schemas.microsoft.com/office/drawing/2010/main" val="0"/>
+                </a:ext>
+              </a:extLst>
+            </a:blip>
+            <a:srcRect/>
+            <a:stretch/>
+          </p:blipFill>
+          <p:spPr>
+            <a:xfrm>
+              <a:off x="5391735" y="3249023"/>
+              <a:ext cx="1370829" cy="720000"/>
+            </a:xfrm>
+            <a:prstGeom prst="rect">
+              <a:avLst/>
+            </a:prstGeom>
+            <a:ln>
+              <a:solidFill>
+                <a:schemeClr val="tx1"/>
+              </a:solidFill>
+            </a:ln>
+          </p:spPr>
+        </p:pic>
+        <p:sp>
+          <p:nvSpPr>
+            <p:cNvPr id="137" name="文本框 136">
+              <a:extLst>
+                <a:ext uri="{FF2B5EF4-FFF2-40B4-BE49-F238E27FC236}">
+                  <a16:creationId xmlns:a16="http://schemas.microsoft.com/office/drawing/2014/main" id="{1861E827-30F1-538C-DE5F-F38622A5A8AA}"/>
+                </a:ext>
+              </a:extLst>
+            </p:cNvPr>
+            <p:cNvSpPr txBox="1"/>
+            <p:nvPr/>
+          </p:nvSpPr>
+          <p:spPr>
+            <a:xfrm>
+              <a:off x="5233879" y="4291919"/>
+              <a:ext cx="1113442" cy="230832"/>
+            </a:xfrm>
+            <a:prstGeom prst="rect">
+              <a:avLst/>
+            </a:prstGeom>
+            <a:noFill/>
+          </p:spPr>
+          <p:txBody>
+            <a:bodyPr wrap="square">
+              <a:spAutoFit/>
+            </a:bodyPr>
+            <a:lstStyle/>
+            <a:p>
+              <a:r>
+                <a:rPr lang="en-US" altLang="zh-CN" sz="900" dirty="0">
+                  <a:latin typeface="Times New Roman" panose="02020603050405020304" pitchFamily="18" charset="0"/>
+                  <a:cs typeface="Times New Roman" panose="02020603050405020304" pitchFamily="18" charset="0"/>
+                </a:rPr>
+                <a:t>Find the best</a:t>
+              </a:r>
+              <a:r>
+                <a:rPr lang="zh-CN" altLang="en-US" sz="900" dirty="0">
+                  <a:latin typeface="Times New Roman" panose="02020603050405020304" pitchFamily="18" charset="0"/>
+                  <a:cs typeface="Times New Roman" panose="02020603050405020304" pitchFamily="18" charset="0"/>
+                </a:rPr>
+                <a:t> model</a:t>
+              </a:r>
+            </a:p>
+          </p:txBody>
+        </p:sp>
+        <p:cxnSp>
+          <p:nvCxnSpPr>
+            <p:cNvPr id="138" name="直接箭头连接符 137">
+              <a:extLst>
+                <a:ext uri="{FF2B5EF4-FFF2-40B4-BE49-F238E27FC236}">
+                  <a16:creationId xmlns:a16="http://schemas.microsoft.com/office/drawing/2014/main" id="{22D251A2-E4A5-E99D-FAD7-0EACCE268CAB}"/>
+                </a:ext>
+              </a:extLst>
+            </p:cNvPr>
+            <p:cNvCxnSpPr>
+              <a:cxnSpLocks/>
+              <a:stCxn id="132" idx="3"/>
+            </p:cNvCxnSpPr>
+            <p:nvPr/>
+          </p:nvCxnSpPr>
+          <p:spPr>
+            <a:xfrm>
+              <a:off x="937337" y="4324999"/>
+              <a:ext cx="894938" cy="0"/>
+            </a:xfrm>
+            <a:prstGeom prst="straightConnector1">
+              <a:avLst/>
+            </a:prstGeom>
+            <a:ln w="38100">
+              <a:solidFill>
+                <a:schemeClr val="accent2">
+                  <a:lumMod val="50000"/>
+                </a:schemeClr>
+              </a:solidFill>
+              <a:tailEnd type="triangle"/>
+            </a:ln>
+          </p:spPr>
+          <p:style>
+            <a:lnRef idx="1">
+              <a:schemeClr val="accent1"/>
+            </a:lnRef>
+            <a:fillRef idx="0">
+              <a:schemeClr val="accent1"/>
+            </a:fillRef>
+            <a:effectRef idx="0">
+              <a:schemeClr val="accent1"/>
+            </a:effectRef>
+            <a:fontRef idx="minor">
+              <a:schemeClr val="tx1"/>
+            </a:fontRef>
+          </p:style>
+        </p:cxnSp>
+        <p:cxnSp>
+          <p:nvCxnSpPr>
+            <p:cNvPr id="139" name="直接箭头连接符 138">
+              <a:extLst>
+                <a:ext uri="{FF2B5EF4-FFF2-40B4-BE49-F238E27FC236}">
+                  <a16:creationId xmlns:a16="http://schemas.microsoft.com/office/drawing/2014/main" id="{94A46EC9-D458-380C-A2E2-76029D6F2BA2}"/>
+                </a:ext>
+              </a:extLst>
+            </p:cNvPr>
+            <p:cNvCxnSpPr>
+              <a:cxnSpLocks/>
+              <a:endCxn id="135" idx="1"/>
+            </p:cNvCxnSpPr>
+            <p:nvPr/>
+          </p:nvCxnSpPr>
+          <p:spPr>
+            <a:xfrm flipV="1">
+              <a:off x="3548890" y="4291237"/>
+              <a:ext cx="842084" cy="10273"/>
+            </a:xfrm>
+            <a:prstGeom prst="straightConnector1">
+              <a:avLst/>
+            </a:prstGeom>
+            <a:ln w="38100">
+              <a:solidFill>
+                <a:schemeClr val="accent6">
+                  <a:lumMod val="50000"/>
+                </a:schemeClr>
+              </a:solidFill>
+              <a:tailEnd type="triangle"/>
+            </a:ln>
+          </p:spPr>
+          <p:style>
+            <a:lnRef idx="1">
+              <a:schemeClr val="accent1"/>
+            </a:lnRef>
+            <a:fillRef idx="0">
+              <a:schemeClr val="accent1"/>
+            </a:fillRef>
+            <a:effectRef idx="0">
+              <a:schemeClr val="accent1"/>
+            </a:effectRef>
+            <a:fontRef idx="minor">
+              <a:schemeClr val="tx1"/>
+            </a:fontRef>
+          </p:style>
+        </p:cxnSp>
+        <p:cxnSp>
+          <p:nvCxnSpPr>
+            <p:cNvPr id="140" name="连接符: 肘形 139">
+              <a:extLst>
+                <a:ext uri="{FF2B5EF4-FFF2-40B4-BE49-F238E27FC236}">
+                  <a16:creationId xmlns:a16="http://schemas.microsoft.com/office/drawing/2014/main" id="{C4A6EB70-87FC-9A65-9558-7CC6EF6275C2}"/>
+                </a:ext>
+              </a:extLst>
+            </p:cNvPr>
+            <p:cNvCxnSpPr>
+              <a:cxnSpLocks/>
+              <a:stCxn id="135" idx="3"/>
+              <a:endCxn id="136" idx="2"/>
+            </p:cNvCxnSpPr>
+            <p:nvPr/>
+          </p:nvCxnSpPr>
+          <p:spPr>
+            <a:xfrm flipV="1">
+              <a:off x="5222088" y="3969023"/>
+              <a:ext cx="855062" cy="322214"/>
+            </a:xfrm>
+            <a:prstGeom prst="bentConnector2">
+              <a:avLst/>
+            </a:prstGeom>
+            <a:ln w="38100">
+              <a:solidFill>
+                <a:schemeClr val="accent6">
+                  <a:lumMod val="50000"/>
+                </a:schemeClr>
+              </a:solidFill>
+              <a:tailEnd type="triangle"/>
+            </a:ln>
+          </p:spPr>
+          <p:style>
+            <a:lnRef idx="1">
+              <a:schemeClr val="accent1"/>
+            </a:lnRef>
+            <a:fillRef idx="0">
+              <a:schemeClr val="accent1"/>
+            </a:fillRef>
+            <a:effectRef idx="0">
+              <a:schemeClr val="accent1"/>
+            </a:effectRef>
+            <a:fontRef idx="minor">
+              <a:schemeClr val="tx1"/>
+            </a:fontRef>
+          </p:style>
+        </p:cxnSp>
+        <p:sp>
+          <p:nvSpPr>
+            <p:cNvPr id="143" name="矩形: 圆角 142">
+              <a:extLst>
+                <a:ext uri="{FF2B5EF4-FFF2-40B4-BE49-F238E27FC236}">
+                  <a16:creationId xmlns:a16="http://schemas.microsoft.com/office/drawing/2014/main" id="{8EC17298-7AAD-8D2C-2486-4B47D130C141}"/>
+                </a:ext>
+              </a:extLst>
+            </p:cNvPr>
+            <p:cNvSpPr/>
+            <p:nvPr/>
+          </p:nvSpPr>
+          <p:spPr>
+            <a:xfrm>
+              <a:off x="4294857" y="2614054"/>
+              <a:ext cx="928808" cy="716696"/>
+            </a:xfrm>
+            <a:prstGeom prst="roundRect">
+              <a:avLst>
+                <a:gd name="adj" fmla="val 8334"/>
+              </a:avLst>
+            </a:prstGeom>
+            <a:solidFill>
+              <a:schemeClr val="accent2">
+                <a:lumMod val="40000"/>
+                <a:lumOff val="60000"/>
+              </a:schemeClr>
+            </a:solidFill>
+            <a:ln w="19050">
+              <a:solidFill>
+                <a:schemeClr val="bg2">
+                  <a:lumMod val="25000"/>
+                </a:schemeClr>
+              </a:solidFill>
+            </a:ln>
+          </p:spPr>
+          <p:style>
+            <a:lnRef idx="2">
+              <a:schemeClr val="accent1">
+                <a:shade val="50000"/>
+              </a:schemeClr>
+            </a:lnRef>
+            <a:fillRef idx="1">
+              <a:schemeClr val="accent1"/>
+            </a:fillRef>
+            <a:effectRef idx="0">
+              <a:schemeClr val="accent1"/>
+            </a:effectRef>
+            <a:fontRef idx="minor">
+              <a:schemeClr val="lt1"/>
+            </a:fontRef>
+          </p:style>
+          <p:txBody>
+            <a:bodyPr rtlCol="0" anchor="ctr"/>
+            <a:lstStyle/>
+            <a:p>
+              <a:pPr algn="ctr"/>
+              <a:r>
+                <a:rPr lang="en-US" altLang="zh-CN" sz="900" b="1" dirty="0">
+                  <a:solidFill>
+                    <a:schemeClr val="tx1"/>
+                  </a:solidFill>
+                  <a:latin typeface="Times New Roman" panose="02020603050405020304" pitchFamily="18" charset="0"/>
+                  <a:cs typeface="Times New Roman" panose="02020603050405020304" pitchFamily="18" charset="0"/>
+                </a:rPr>
+                <a:t>Forecast</a:t>
+              </a:r>
+            </a:p>
+            <a:p>
+              <a:pPr algn="ctr"/>
+              <a:r>
+                <a:rPr lang="en-US" altLang="zh-CN" sz="900" b="1" dirty="0">
+                  <a:solidFill>
+                    <a:schemeClr val="tx1"/>
+                  </a:solidFill>
+                  <a:latin typeface="Times New Roman" panose="02020603050405020304" pitchFamily="18" charset="0"/>
+                  <a:cs typeface="Times New Roman" panose="02020603050405020304" pitchFamily="18" charset="0"/>
+                </a:rPr>
+                <a:t>2022.6-2025.5</a:t>
+              </a:r>
+            </a:p>
+            <a:p>
+              <a:pPr algn="ctr"/>
+              <a:r>
+                <a:rPr lang="en-US" altLang="zh-CN" sz="900" b="1" dirty="0">
+                  <a:solidFill>
+                    <a:schemeClr val="tx1"/>
+                  </a:solidFill>
+                  <a:latin typeface="Times New Roman" panose="02020603050405020304" pitchFamily="18" charset="0"/>
+                  <a:cs typeface="Times New Roman" panose="02020603050405020304" pitchFamily="18" charset="0"/>
+                </a:rPr>
+                <a:t>within COVID-19</a:t>
+              </a:r>
+              <a:endParaRPr lang="zh-CN" altLang="en-US" sz="900" b="1" dirty="0">
+                <a:solidFill>
+                  <a:schemeClr val="tx1"/>
+                </a:solidFill>
+                <a:latin typeface="Times New Roman" panose="02020603050405020304" pitchFamily="18" charset="0"/>
+                <a:cs typeface="Times New Roman" panose="02020603050405020304" pitchFamily="18" charset="0"/>
+              </a:endParaRPr>
+            </a:p>
+          </p:txBody>
+        </p:sp>
+        <p:cxnSp>
+          <p:nvCxnSpPr>
+            <p:cNvPr id="144" name="连接符: 肘形 143">
+              <a:extLst>
+                <a:ext uri="{FF2B5EF4-FFF2-40B4-BE49-F238E27FC236}">
+                  <a16:creationId xmlns:a16="http://schemas.microsoft.com/office/drawing/2014/main" id="{9DCC245C-017C-CE8D-3C7F-D3500E42E197}"/>
+                </a:ext>
+              </a:extLst>
+            </p:cNvPr>
+            <p:cNvCxnSpPr>
+              <a:cxnSpLocks/>
+              <a:stCxn id="136" idx="0"/>
+              <a:endCxn id="143" idx="3"/>
+            </p:cNvCxnSpPr>
+            <p:nvPr/>
+          </p:nvCxnSpPr>
+          <p:spPr>
+            <a:xfrm rot="16200000" flipV="1">
+              <a:off x="5512098" y="2683970"/>
+              <a:ext cx="276621" cy="853485"/>
+            </a:xfrm>
+            <a:prstGeom prst="bentConnector2">
+              <a:avLst/>
+            </a:prstGeom>
+            <a:ln w="38100">
+              <a:solidFill>
+                <a:schemeClr val="accent6">
+                  <a:lumMod val="50000"/>
+                </a:schemeClr>
+              </a:solidFill>
+              <a:tailEnd type="triangle"/>
+            </a:ln>
+          </p:spPr>
+          <p:style>
+            <a:lnRef idx="1">
+              <a:schemeClr val="accent1"/>
+            </a:lnRef>
+            <a:fillRef idx="0">
+              <a:schemeClr val="accent1"/>
+            </a:fillRef>
+            <a:effectRef idx="0">
+              <a:schemeClr val="accent1"/>
+            </a:effectRef>
+            <a:fontRef idx="minor">
+              <a:schemeClr val="tx1"/>
+            </a:fontRef>
+          </p:style>
+        </p:cxnSp>
+        <p:cxnSp>
+          <p:nvCxnSpPr>
+            <p:cNvPr id="148" name="直接箭头连接符 147">
+              <a:extLst>
+                <a:ext uri="{FF2B5EF4-FFF2-40B4-BE49-F238E27FC236}">
+                  <a16:creationId xmlns:a16="http://schemas.microsoft.com/office/drawing/2014/main" id="{F031DB09-93DC-7CC6-9708-62F769550D00}"/>
+                </a:ext>
+              </a:extLst>
+            </p:cNvPr>
+            <p:cNvCxnSpPr>
+              <a:cxnSpLocks/>
+              <a:stCxn id="93" idx="3"/>
+              <a:endCxn id="143" idx="1"/>
+            </p:cNvCxnSpPr>
+            <p:nvPr/>
+          </p:nvCxnSpPr>
+          <p:spPr>
+            <a:xfrm>
+              <a:off x="3783806" y="2968589"/>
+              <a:ext cx="511051" cy="3813"/>
+            </a:xfrm>
+            <a:prstGeom prst="straightConnector1">
+              <a:avLst/>
+            </a:prstGeom>
+            <a:ln w="38100">
+              <a:solidFill>
+                <a:schemeClr val="accent5">
+                  <a:lumMod val="50000"/>
+                </a:schemeClr>
+              </a:solidFill>
+              <a:headEnd type="triangle"/>
+              <a:tailEnd type="triangle"/>
+            </a:ln>
+          </p:spPr>
+          <p:style>
+            <a:lnRef idx="1">
+              <a:schemeClr val="accent1"/>
+            </a:lnRef>
+            <a:fillRef idx="0">
+              <a:schemeClr val="accent1"/>
+            </a:fillRef>
+            <a:effectRef idx="0">
+              <a:schemeClr val="accent1"/>
+            </a:effectRef>
+            <a:fontRef idx="minor">
+              <a:schemeClr val="tx1"/>
+            </a:fontRef>
+          </p:style>
+        </p:cxnSp>
+        <p:sp>
+          <p:nvSpPr>
+            <p:cNvPr id="150" name="文本框 149">
+              <a:extLst>
+                <a:ext uri="{FF2B5EF4-FFF2-40B4-BE49-F238E27FC236}">
+                  <a16:creationId xmlns:a16="http://schemas.microsoft.com/office/drawing/2014/main" id="{0F2B0ECE-8234-7925-87E1-FA6035E03074}"/>
+                </a:ext>
+              </a:extLst>
+            </p:cNvPr>
+            <p:cNvSpPr txBox="1"/>
+            <p:nvPr/>
+          </p:nvSpPr>
+          <p:spPr>
+            <a:xfrm>
+              <a:off x="3731418" y="2730199"/>
+              <a:ext cx="682892" cy="230832"/>
+            </a:xfrm>
+            <a:prstGeom prst="rect">
+              <a:avLst/>
+            </a:prstGeom>
+            <a:noFill/>
+          </p:spPr>
+          <p:txBody>
+            <a:bodyPr wrap="square">
+              <a:spAutoFit/>
+            </a:bodyPr>
+            <a:lstStyle/>
+            <a:p>
+              <a:r>
+                <a:rPr lang="en-US" altLang="zh-CN" sz="900" dirty="0">
+                  <a:latin typeface="Times New Roman" panose="02020603050405020304" pitchFamily="18" charset="0"/>
+                  <a:cs typeface="Times New Roman" panose="02020603050405020304" pitchFamily="18" charset="0"/>
+                </a:rPr>
+                <a:t>Compare</a:t>
+              </a:r>
+              <a:endParaRPr lang="zh-CN" altLang="en-US" sz="900" dirty="0">
+                <a:latin typeface="Times New Roman" panose="02020603050405020304" pitchFamily="18" charset="0"/>
+                <a:cs typeface="Times New Roman" panose="02020603050405020304" pitchFamily="18" charset="0"/>
+              </a:endParaRPr>
+            </a:p>
+          </p:txBody>
+        </p:sp>
+        <p:cxnSp>
+          <p:nvCxnSpPr>
+            <p:cNvPr id="151" name="直接箭头连接符 150">
+              <a:extLst>
+                <a:ext uri="{FF2B5EF4-FFF2-40B4-BE49-F238E27FC236}">
+                  <a16:creationId xmlns:a16="http://schemas.microsoft.com/office/drawing/2014/main" id="{7EE5906D-38EC-8D68-019E-6F1F77FEB0A0}"/>
+                </a:ext>
+              </a:extLst>
+            </p:cNvPr>
+            <p:cNvCxnSpPr>
+              <a:cxnSpLocks/>
+              <a:stCxn id="92" idx="2"/>
+              <a:endCxn id="98" idx="0"/>
+            </p:cNvCxnSpPr>
+            <p:nvPr/>
+          </p:nvCxnSpPr>
+          <p:spPr>
+            <a:xfrm>
+              <a:off x="1830120" y="2266859"/>
+              <a:ext cx="2155" cy="344782"/>
+            </a:xfrm>
+            <a:prstGeom prst="straightConnector1">
+              <a:avLst/>
+            </a:prstGeom>
+            <a:ln w="38100">
+              <a:solidFill>
+                <a:schemeClr val="accent5">
+                  <a:lumMod val="50000"/>
+                </a:schemeClr>
+              </a:solidFill>
+              <a:headEnd type="triangle"/>
+              <a:tailEnd type="triangle"/>
+            </a:ln>
+          </p:spPr>
+          <p:style>
+            <a:lnRef idx="1">
+              <a:schemeClr val="accent1"/>
+            </a:lnRef>
+            <a:fillRef idx="0">
+              <a:schemeClr val="accent1"/>
+            </a:fillRef>
+            <a:effectRef idx="0">
+              <a:schemeClr val="accent1"/>
+            </a:effectRef>
+            <a:fontRef idx="minor">
+              <a:schemeClr val="tx1"/>
+            </a:fontRef>
+          </p:style>
+        </p:cxnSp>
+        <p:sp>
+          <p:nvSpPr>
+            <p:cNvPr id="154" name="文本框 153">
+              <a:extLst>
+                <a:ext uri="{FF2B5EF4-FFF2-40B4-BE49-F238E27FC236}">
+                  <a16:creationId xmlns:a16="http://schemas.microsoft.com/office/drawing/2014/main" id="{A8E97E3B-6107-E94A-A204-2EE998C30A98}"/>
+                </a:ext>
+              </a:extLst>
+            </p:cNvPr>
+            <p:cNvSpPr txBox="1"/>
+            <p:nvPr/>
+          </p:nvSpPr>
+          <p:spPr>
+            <a:xfrm>
+              <a:off x="1798059" y="2308865"/>
+              <a:ext cx="682892" cy="230832"/>
+            </a:xfrm>
+            <a:prstGeom prst="rect">
+              <a:avLst/>
+            </a:prstGeom>
+            <a:noFill/>
+          </p:spPr>
+          <p:txBody>
+            <a:bodyPr wrap="square">
+              <a:spAutoFit/>
+            </a:bodyPr>
+            <a:lstStyle/>
+            <a:p>
+              <a:r>
+                <a:rPr lang="en-US" altLang="zh-CN" sz="900" dirty="0">
+                  <a:latin typeface="Times New Roman" panose="02020603050405020304" pitchFamily="18" charset="0"/>
+                  <a:cs typeface="Times New Roman" panose="02020603050405020304" pitchFamily="18" charset="0"/>
+                </a:rPr>
+                <a:t>Compare</a:t>
+              </a:r>
+              <a:endParaRPr lang="zh-CN" altLang="en-US" sz="900" dirty="0">
+                <a:latin typeface="Times New Roman" panose="02020603050405020304" pitchFamily="18" charset="0"/>
+                <a:cs typeface="Times New Roman" panose="02020603050405020304" pitchFamily="18" charset="0"/>
+              </a:endParaRPr>
+            </a:p>
+          </p:txBody>
+        </p:sp>
+        <p:grpSp>
+          <p:nvGrpSpPr>
+            <p:cNvPr id="172" name="组合 171">
+              <a:extLst>
+                <a:ext uri="{FF2B5EF4-FFF2-40B4-BE49-F238E27FC236}">
+                  <a16:creationId xmlns:a16="http://schemas.microsoft.com/office/drawing/2014/main" id="{73AA990E-CA77-F6F5-ADCD-6916E0087094}"/>
+                </a:ext>
+              </a:extLst>
+            </p:cNvPr>
+            <p:cNvGrpSpPr/>
+            <p:nvPr/>
+          </p:nvGrpSpPr>
+          <p:grpSpPr>
+            <a:xfrm>
+              <a:off x="1953085" y="3571516"/>
+              <a:ext cx="1395464" cy="1439439"/>
+              <a:chOff x="1971733" y="5526778"/>
+              <a:chExt cx="1395464" cy="1387947"/>
+            </a:xfrm>
+          </p:grpSpPr>
+          <p:pic>
+            <p:nvPicPr>
+              <p:cNvPr id="164" name="图片 163">
+                <a:extLst>
+                  <a:ext uri="{FF2B5EF4-FFF2-40B4-BE49-F238E27FC236}">
+                    <a16:creationId xmlns:a16="http://schemas.microsoft.com/office/drawing/2014/main" id="{6F53DB8D-0A11-8634-A0DA-1F0DA47E0FE1}"/>
+                  </a:ext>
+                </a:extLst>
+              </p:cNvPr>
+              <p:cNvPicPr>
+                <a:picLocks noChangeAspect="1"/>
+              </p:cNvPicPr>
+              <p:nvPr/>
+            </p:nvPicPr>
+            <p:blipFill rotWithShape="1">
+              <a:blip r:embed="rId10"/>
+              <a:srcRect r="2055"/>
+              <a:stretch/>
+            </p:blipFill>
+            <p:spPr>
+              <a:xfrm>
+                <a:off x="1971733" y="6194725"/>
+                <a:ext cx="1389600" cy="720000"/>
+              </a:xfrm>
+              <a:prstGeom prst="rect">
+                <a:avLst/>
+              </a:prstGeom>
+              <a:ln w="9525">
+                <a:solidFill>
+                  <a:schemeClr val="bg2">
+                    <a:lumMod val="25000"/>
+                  </a:schemeClr>
+                </a:solidFill>
+              </a:ln>
+              <a:effectLst>
+                <a:outerShdw blurRad="292100" dist="139700" dir="2700000" algn="tl" rotWithShape="0">
+                  <a:srgbClr val="333333">
+                    <a:alpha val="65000"/>
+                  </a:srgbClr>
+                </a:outerShdw>
+              </a:effectLst>
+              <a:scene3d>
+                <a:camera prst="isometricOffAxis2Top"/>
+                <a:lightRig rig="threePt" dir="t"/>
+              </a:scene3d>
+            </p:spPr>
+          </p:pic>
+          <p:pic>
+            <p:nvPicPr>
+              <p:cNvPr id="166" name="图片 165">
+                <a:extLst>
+                  <a:ext uri="{FF2B5EF4-FFF2-40B4-BE49-F238E27FC236}">
+                    <a16:creationId xmlns:a16="http://schemas.microsoft.com/office/drawing/2014/main" id="{993DC914-9F9C-F9A1-F68B-F78BFE2AFE2F}"/>
+                  </a:ext>
+                </a:extLst>
+              </p:cNvPr>
+              <p:cNvPicPr>
+                <a:picLocks noChangeAspect="1"/>
+              </p:cNvPicPr>
+              <p:nvPr/>
+            </p:nvPicPr>
+            <p:blipFill>
+              <a:blip r:embed="rId11"/>
+              <a:stretch>
+                <a:fillRect/>
+              </a:stretch>
+            </p:blipFill>
+            <p:spPr>
+              <a:xfrm>
+                <a:off x="1971733" y="6050206"/>
+                <a:ext cx="1388482" cy="720000"/>
+              </a:xfrm>
+              <a:prstGeom prst="rect">
+                <a:avLst/>
+              </a:prstGeom>
+              <a:ln w="9525">
+                <a:solidFill>
+                  <a:schemeClr val="bg2">
+                    <a:lumMod val="25000"/>
+                  </a:schemeClr>
+                </a:solidFill>
+              </a:ln>
+              <a:effectLst>
+                <a:outerShdw blurRad="292100" dist="139700" dir="2700000" algn="tl" rotWithShape="0">
+                  <a:srgbClr val="333333">
+                    <a:alpha val="65000"/>
+                  </a:srgbClr>
+                </a:outerShdw>
+              </a:effectLst>
+              <a:scene3d>
+                <a:camera prst="isometricOffAxis2Top"/>
+                <a:lightRig rig="threePt" dir="t"/>
+              </a:scene3d>
+            </p:spPr>
+          </p:pic>
+          <p:pic>
+            <p:nvPicPr>
+              <p:cNvPr id="162" name="图片 161">
+                <a:extLst>
+                  <a:ext uri="{FF2B5EF4-FFF2-40B4-BE49-F238E27FC236}">
+                    <a16:creationId xmlns:a16="http://schemas.microsoft.com/office/drawing/2014/main" id="{2B3C0E01-10AC-C551-7C75-974DEDB8E0DE}"/>
+                  </a:ext>
+                </a:extLst>
+              </p:cNvPr>
+              <p:cNvPicPr>
+                <a:picLocks noChangeAspect="1"/>
+              </p:cNvPicPr>
+              <p:nvPr/>
+            </p:nvPicPr>
+            <p:blipFill>
+              <a:blip r:embed="rId12"/>
+              <a:stretch>
+                <a:fillRect/>
+              </a:stretch>
+            </p:blipFill>
+            <p:spPr>
+              <a:xfrm>
+                <a:off x="1971733" y="5915497"/>
+                <a:ext cx="1395464" cy="720000"/>
+              </a:xfrm>
+              <a:prstGeom prst="rect">
+                <a:avLst/>
+              </a:prstGeom>
+              <a:ln w="9525">
+                <a:solidFill>
+                  <a:schemeClr val="bg2">
+                    <a:lumMod val="25000"/>
+                  </a:schemeClr>
+                </a:solidFill>
+              </a:ln>
+              <a:effectLst>
+                <a:outerShdw blurRad="292100" dist="139700" dir="2700000" algn="tl" rotWithShape="0">
+                  <a:srgbClr val="333333">
+                    <a:alpha val="65000"/>
+                  </a:srgbClr>
+                </a:outerShdw>
+              </a:effectLst>
+              <a:scene3d>
+                <a:camera prst="isometricOffAxis2Top"/>
+                <a:lightRig rig="threePt" dir="t"/>
+              </a:scene3d>
+            </p:spPr>
+          </p:pic>
+          <p:pic>
+            <p:nvPicPr>
+              <p:cNvPr id="160" name="图片 159">
+                <a:extLst>
+                  <a:ext uri="{FF2B5EF4-FFF2-40B4-BE49-F238E27FC236}">
+                    <a16:creationId xmlns:a16="http://schemas.microsoft.com/office/drawing/2014/main" id="{F9A57A32-6BCE-1AA2-95BC-11F3A3DA45F3}"/>
+                  </a:ext>
+                </a:extLst>
+              </p:cNvPr>
+              <p:cNvPicPr>
+                <a:picLocks noChangeAspect="1"/>
+              </p:cNvPicPr>
+              <p:nvPr/>
+            </p:nvPicPr>
+            <p:blipFill>
+              <a:blip r:embed="rId13"/>
+              <a:stretch>
+                <a:fillRect/>
+              </a:stretch>
+            </p:blipFill>
+            <p:spPr>
+              <a:xfrm>
+                <a:off x="1971733" y="5788300"/>
+                <a:ext cx="1389600" cy="712490"/>
+              </a:xfrm>
+              <a:prstGeom prst="rect">
+                <a:avLst/>
+              </a:prstGeom>
+              <a:ln w="9525">
+                <a:solidFill>
+                  <a:schemeClr val="bg2">
+                    <a:lumMod val="25000"/>
+                  </a:schemeClr>
+                </a:solidFill>
+              </a:ln>
+              <a:effectLst>
+                <a:outerShdw blurRad="292100" dist="139700" dir="2700000" algn="tl" rotWithShape="0">
+                  <a:srgbClr val="333333">
+                    <a:alpha val="65000"/>
+                  </a:srgbClr>
+                </a:outerShdw>
+              </a:effectLst>
+              <a:scene3d>
+                <a:camera prst="isometricOffAxis2Top"/>
+                <a:lightRig rig="threePt" dir="t"/>
+              </a:scene3d>
+            </p:spPr>
+          </p:pic>
+          <p:pic>
+            <p:nvPicPr>
+              <p:cNvPr id="158" name="图片 157">
+                <a:extLst>
+                  <a:ext uri="{FF2B5EF4-FFF2-40B4-BE49-F238E27FC236}">
+                    <a16:creationId xmlns:a16="http://schemas.microsoft.com/office/drawing/2014/main" id="{14DB5323-2E31-A594-2D71-1A753056B13F}"/>
+                  </a:ext>
+                </a:extLst>
+              </p:cNvPr>
+              <p:cNvPicPr>
+                <a:picLocks noChangeAspect="1"/>
+              </p:cNvPicPr>
+              <p:nvPr/>
+            </p:nvPicPr>
+            <p:blipFill>
+              <a:blip r:embed="rId14"/>
+              <a:stretch>
+                <a:fillRect/>
+              </a:stretch>
+            </p:blipFill>
+            <p:spPr>
+              <a:xfrm>
+                <a:off x="1971733" y="5661485"/>
+                <a:ext cx="1389600" cy="712108"/>
+              </a:xfrm>
+              <a:prstGeom prst="rect">
+                <a:avLst/>
+              </a:prstGeom>
+              <a:ln w="9525">
+                <a:solidFill>
+                  <a:schemeClr val="bg2">
+                    <a:lumMod val="25000"/>
+                  </a:schemeClr>
+                </a:solidFill>
+              </a:ln>
+              <a:effectLst>
+                <a:outerShdw blurRad="292100" dist="139700" dir="2700000" algn="tl" rotWithShape="0">
+                  <a:srgbClr val="333333">
+                    <a:alpha val="65000"/>
+                  </a:srgbClr>
+                </a:outerShdw>
+              </a:effectLst>
+              <a:scene3d>
+                <a:camera prst="isometricOffAxis2Top"/>
+                <a:lightRig rig="threePt" dir="t"/>
+              </a:scene3d>
+            </p:spPr>
+          </p:pic>
+          <p:pic>
+            <p:nvPicPr>
+              <p:cNvPr id="156" name="图片 155">
+                <a:extLst>
+                  <a:ext uri="{FF2B5EF4-FFF2-40B4-BE49-F238E27FC236}">
+                    <a16:creationId xmlns:a16="http://schemas.microsoft.com/office/drawing/2014/main" id="{EC640E95-781C-3A1E-E0F5-141750C24D41}"/>
+                  </a:ext>
+                </a:extLst>
+              </p:cNvPr>
+              <p:cNvPicPr>
+                <a:picLocks noChangeAspect="1"/>
+              </p:cNvPicPr>
+              <p:nvPr/>
+            </p:nvPicPr>
+            <p:blipFill>
+              <a:blip r:embed="rId15"/>
+              <a:stretch>
+                <a:fillRect/>
+              </a:stretch>
+            </p:blipFill>
+            <p:spPr>
+              <a:xfrm>
+                <a:off x="1971733" y="5526778"/>
+                <a:ext cx="1390173" cy="720000"/>
+              </a:xfrm>
+              <a:prstGeom prst="rect">
+                <a:avLst/>
+              </a:prstGeom>
+              <a:ln w="9525">
+                <a:solidFill>
+                  <a:schemeClr val="bg2">
+                    <a:lumMod val="25000"/>
+                  </a:schemeClr>
+                </a:solidFill>
+              </a:ln>
+              <a:effectLst>
+                <a:outerShdw blurRad="292100" dist="139700" dir="2700000" algn="tl" rotWithShape="0">
+                  <a:srgbClr val="333333">
+                    <a:alpha val="65000"/>
+                  </a:srgbClr>
+                </a:outerShdw>
+              </a:effectLst>
+              <a:scene3d>
+                <a:camera prst="isometricOffAxis2Top"/>
+                <a:lightRig rig="threePt" dir="t"/>
+              </a:scene3d>
+            </p:spPr>
+          </p:pic>
+        </p:grpSp>
+        <p:sp>
+          <p:nvSpPr>
+            <p:cNvPr id="190" name="矩形: 圆角 189">
+              <a:extLst>
+                <a:ext uri="{FF2B5EF4-FFF2-40B4-BE49-F238E27FC236}">
+                  <a16:creationId xmlns:a16="http://schemas.microsoft.com/office/drawing/2014/main" id="{1A5A91FE-4AA0-8681-2CCC-AFD5AFBB317C}"/>
+                </a:ext>
+              </a:extLst>
+            </p:cNvPr>
+            <p:cNvSpPr/>
+            <p:nvPr/>
+          </p:nvSpPr>
+          <p:spPr>
+            <a:xfrm>
+              <a:off x="99483" y="1715577"/>
+              <a:ext cx="1124935" cy="1436834"/>
+            </a:xfrm>
+            <a:prstGeom prst="roundRect">
+              <a:avLst>
+                <a:gd name="adj" fmla="val 8334"/>
+              </a:avLst>
+            </a:prstGeom>
+            <a:solidFill>
+              <a:schemeClr val="accent4">
+                <a:lumMod val="40000"/>
+                <a:lumOff val="60000"/>
+              </a:schemeClr>
+            </a:solidFill>
+            <a:ln w="19050">
+              <a:solidFill>
+                <a:schemeClr val="accent4">
+                  <a:lumMod val="50000"/>
+                </a:schemeClr>
+              </a:solidFill>
+              <a:prstDash val="sysDash"/>
+            </a:ln>
+          </p:spPr>
+          <p:style>
+            <a:lnRef idx="2">
+              <a:schemeClr val="accent1">
+                <a:shade val="50000"/>
+              </a:schemeClr>
+            </a:lnRef>
+            <a:fillRef idx="1">
+              <a:schemeClr val="accent1"/>
+            </a:fillRef>
+            <a:effectRef idx="0">
+              <a:schemeClr val="accent1"/>
+            </a:effectRef>
+            <a:fontRef idx="minor">
+              <a:schemeClr val="lt1"/>
+            </a:fontRef>
+          </p:style>
+          <p:txBody>
+            <a:bodyPr rtlCol="0" anchor="ctr"/>
+            <a:lstStyle/>
+            <a:p>
+              <a:pPr>
+                <a:lnSpc>
+                  <a:spcPct val="150000"/>
+                </a:lnSpc>
+              </a:pPr>
+              <a:r>
+                <a:rPr lang="en-US" altLang="zh-CN" sz="1000" b="1" dirty="0">
+                  <a:solidFill>
+                    <a:schemeClr val="tx1"/>
+                  </a:solidFill>
+                  <a:latin typeface="Times New Roman" panose="02020603050405020304" pitchFamily="18" charset="0"/>
+                  <a:cs typeface="Times New Roman" panose="02020603050405020304" pitchFamily="18" charset="0"/>
+                </a:rPr>
+                <a:t>Grey Model</a:t>
+              </a:r>
+            </a:p>
+            <a:p>
+              <a:pPr>
+                <a:lnSpc>
+                  <a:spcPct val="150000"/>
+                </a:lnSpc>
+              </a:pPr>
+              <a:r>
+                <a:rPr lang="en-US" altLang="zh-CN" sz="1000" b="1" dirty="0">
+                  <a:solidFill>
+                    <a:schemeClr val="tx1"/>
+                  </a:solidFill>
+                  <a:latin typeface="Times New Roman" panose="02020603050405020304" pitchFamily="18" charset="0"/>
+                  <a:cs typeface="Times New Roman" panose="02020603050405020304" pitchFamily="18" charset="0"/>
+                </a:rPr>
+                <a:t>Neural Network</a:t>
+              </a:r>
+            </a:p>
+            <a:p>
+              <a:pPr>
+                <a:lnSpc>
+                  <a:spcPct val="150000"/>
+                </a:lnSpc>
+              </a:pPr>
+              <a:r>
+                <a:rPr lang="en-US" altLang="zh-CN" sz="1000" b="1" dirty="0">
+                  <a:solidFill>
+                    <a:schemeClr val="tx1"/>
+                  </a:solidFill>
+                  <a:latin typeface="Times New Roman" panose="02020603050405020304" pitchFamily="18" charset="0"/>
+                  <a:cs typeface="Times New Roman" panose="02020603050405020304" pitchFamily="18" charset="0"/>
+                </a:rPr>
+                <a:t>STL</a:t>
+              </a:r>
+            </a:p>
+            <a:p>
+              <a:pPr>
+                <a:lnSpc>
+                  <a:spcPct val="150000"/>
+                </a:lnSpc>
+              </a:pPr>
+              <a:r>
+                <a:rPr lang="en-US" altLang="zh-CN" sz="1000" b="1" dirty="0">
+                  <a:solidFill>
+                    <a:schemeClr val="tx1"/>
+                  </a:solidFill>
+                  <a:latin typeface="Times New Roman" panose="02020603050405020304" pitchFamily="18" charset="0"/>
+                  <a:cs typeface="Times New Roman" panose="02020603050405020304" pitchFamily="18" charset="0"/>
+                </a:rPr>
+                <a:t>ETS</a:t>
+              </a:r>
+            </a:p>
+            <a:p>
+              <a:pPr>
+                <a:lnSpc>
+                  <a:spcPct val="150000"/>
+                </a:lnSpc>
+              </a:pPr>
+              <a:r>
+                <a:rPr lang="en-US" altLang="zh-CN" sz="1000" b="1" dirty="0">
+                  <a:solidFill>
+                    <a:schemeClr val="tx1"/>
+                  </a:solidFill>
+                  <a:latin typeface="Times New Roman" panose="02020603050405020304" pitchFamily="18" charset="0"/>
+                  <a:cs typeface="Times New Roman" panose="02020603050405020304" pitchFamily="18" charset="0"/>
+                </a:rPr>
+                <a:t>SARIMA</a:t>
+              </a:r>
+            </a:p>
+            <a:p>
+              <a:pPr>
+                <a:lnSpc>
+                  <a:spcPct val="150000"/>
+                </a:lnSpc>
+              </a:pPr>
+              <a:r>
+                <a:rPr lang="en-US" altLang="zh-CN" sz="1000" b="1" dirty="0">
+                  <a:solidFill>
+                    <a:schemeClr val="tx1"/>
+                  </a:solidFill>
+                  <a:latin typeface="Times New Roman" panose="02020603050405020304" pitchFamily="18" charset="0"/>
+                  <a:cs typeface="Times New Roman" panose="02020603050405020304" pitchFamily="18" charset="0"/>
+                </a:rPr>
+                <a:t>Hybrid</a:t>
+              </a:r>
+            </a:p>
+          </p:txBody>
+        </p:sp>
+      </p:grpSp>
+    </p:spTree>
+    <p:extLst>
+      <p:ext uri="{BB962C8B-B14F-4D97-AF65-F5344CB8AC3E}">
+        <p14:creationId xmlns:p14="http://schemas.microsoft.com/office/powerpoint/2010/main" val="2769116104"/>
+      </p:ext>
+    </p:extLst>
+  </p:cSld>
+  <p:clrMapOvr>
+    <a:masterClrMapping/>
+  </p:clrMapOvr>
+</p:sld>
+</file>
+
+<file path=ppt/slides/slide2.xml><?xml version="1.0" encoding="utf-8"?>
 <p:sld xmlns:a="http://schemas.openxmlformats.org/drawingml/2006/main" xmlns:r="http://schemas.openxmlformats.org/officeDocument/2006/relationships" xmlns:p="http://schemas.openxmlformats.org/presentationml/2006/main">
   <p:cSld>
     <p:spTree>
@@ -5622,2499 +9554,6 @@
 </p:sld>
 </file>
 
-<file path=ppt/slides/slide2.xml><?xml version="1.0" encoding="utf-8"?>
-<p:sld xmlns:a="http://schemas.openxmlformats.org/drawingml/2006/main" xmlns:r="http://schemas.openxmlformats.org/officeDocument/2006/relationships" xmlns:p="http://schemas.openxmlformats.org/presentationml/2006/main">
-  <p:cSld>
-    <p:spTree>
-      <p:nvGrpSpPr>
-        <p:cNvPr id="1" name=""/>
-        <p:cNvGrpSpPr/>
-        <p:nvPr/>
-      </p:nvGrpSpPr>
-      <p:grpSpPr>
-        <a:xfrm>
-          <a:off x="0" y="0"/>
-          <a:ext cx="0" cy="0"/>
-          <a:chOff x="0" y="0"/>
-          <a:chExt cx="0" cy="0"/>
-        </a:xfrm>
-      </p:grpSpPr>
-      <p:grpSp>
-        <p:nvGrpSpPr>
-          <p:cNvPr id="109" name="组合 108">
-            <a:extLst>
-              <a:ext uri="{FF2B5EF4-FFF2-40B4-BE49-F238E27FC236}">
-                <a16:creationId xmlns:a16="http://schemas.microsoft.com/office/drawing/2014/main" id="{1FCE4B2D-577A-513D-5B0E-94EF305F3A0A}"/>
-              </a:ext>
-            </a:extLst>
-          </p:cNvPr>
-          <p:cNvGrpSpPr/>
-          <p:nvPr/>
-        </p:nvGrpSpPr>
-        <p:grpSpPr>
-          <a:xfrm>
-            <a:off x="110531" y="666797"/>
-            <a:ext cx="5424052" cy="5515447"/>
-            <a:chOff x="110531" y="666797"/>
-            <a:chExt cx="5424052" cy="5515447"/>
-          </a:xfrm>
-        </p:grpSpPr>
-        <p:grpSp>
-          <p:nvGrpSpPr>
-            <p:cNvPr id="29" name="组合 28">
-              <a:extLst>
-                <a:ext uri="{FF2B5EF4-FFF2-40B4-BE49-F238E27FC236}">
-                  <a16:creationId xmlns:a16="http://schemas.microsoft.com/office/drawing/2014/main" id="{B5B7B4F2-7F3F-890D-92E3-C0734CD4707C}"/>
-                </a:ext>
-              </a:extLst>
-            </p:cNvPr>
-            <p:cNvGrpSpPr/>
-            <p:nvPr/>
-          </p:nvGrpSpPr>
-          <p:grpSpPr>
-            <a:xfrm>
-              <a:off x="2125444" y="666797"/>
-              <a:ext cx="1433485" cy="1439439"/>
-              <a:chOff x="1316796" y="2610364"/>
-              <a:chExt cx="1433485" cy="1439439"/>
-            </a:xfrm>
-          </p:grpSpPr>
-          <p:pic>
-            <p:nvPicPr>
-              <p:cNvPr id="11" name="图片 10">
-                <a:extLst>
-                  <a:ext uri="{FF2B5EF4-FFF2-40B4-BE49-F238E27FC236}">
-                    <a16:creationId xmlns:a16="http://schemas.microsoft.com/office/drawing/2014/main" id="{5860ED0B-4DE4-8AF6-28C8-F8C7CBC1876F}"/>
-                  </a:ext>
-                </a:extLst>
-              </p:cNvPr>
-              <p:cNvPicPr>
-                <a:picLocks noChangeAspect="1"/>
-              </p:cNvPicPr>
-              <p:nvPr/>
-            </p:nvPicPr>
-            <p:blipFill>
-              <a:blip r:embed="rId2"/>
-              <a:stretch>
-                <a:fillRect/>
-              </a:stretch>
-            </p:blipFill>
-            <p:spPr>
-              <a:xfrm>
-                <a:off x="1331267" y="3329803"/>
-                <a:ext cx="1419014" cy="720000"/>
-              </a:xfrm>
-              <a:prstGeom prst="rect">
-                <a:avLst/>
-              </a:prstGeom>
-              <a:ln w="9525">
-                <a:solidFill>
-                  <a:schemeClr val="bg2">
-                    <a:lumMod val="25000"/>
-                  </a:schemeClr>
-                </a:solidFill>
-              </a:ln>
-              <a:effectLst>
-                <a:outerShdw blurRad="292100" dist="139700" dir="2700000" algn="tl" rotWithShape="0">
-                  <a:srgbClr val="333333">
-                    <a:alpha val="65000"/>
-                  </a:srgbClr>
-                </a:outerShdw>
-              </a:effectLst>
-              <a:scene3d>
-                <a:camera prst="isometricOffAxis2Top"/>
-                <a:lightRig rig="threePt" dir="t"/>
-              </a:scene3d>
-            </p:spPr>
-          </p:pic>
-          <p:pic>
-            <p:nvPicPr>
-              <p:cNvPr id="15" name="图片 14">
-                <a:extLst>
-                  <a:ext uri="{FF2B5EF4-FFF2-40B4-BE49-F238E27FC236}">
-                    <a16:creationId xmlns:a16="http://schemas.microsoft.com/office/drawing/2014/main" id="{9AE19F95-F996-B76C-331C-4AB7A191192D}"/>
-                  </a:ext>
-                </a:extLst>
-              </p:cNvPr>
-              <p:cNvPicPr>
-                <a:picLocks noChangeAspect="1"/>
-              </p:cNvPicPr>
-              <p:nvPr/>
-            </p:nvPicPr>
-            <p:blipFill>
-              <a:blip r:embed="rId3"/>
-              <a:stretch>
-                <a:fillRect/>
-              </a:stretch>
-            </p:blipFill>
-            <p:spPr>
-              <a:xfrm>
-                <a:off x="1329610" y="3185916"/>
-                <a:ext cx="1420671" cy="720000"/>
-              </a:xfrm>
-              <a:prstGeom prst="rect">
-                <a:avLst/>
-              </a:prstGeom>
-              <a:ln w="9525">
-                <a:solidFill>
-                  <a:schemeClr val="bg2">
-                    <a:lumMod val="25000"/>
-                  </a:schemeClr>
-                </a:solidFill>
-              </a:ln>
-              <a:effectLst>
-                <a:outerShdw blurRad="292100" dist="139700" dir="2700000" algn="tl" rotWithShape="0">
-                  <a:srgbClr val="333333">
-                    <a:alpha val="65000"/>
-                  </a:srgbClr>
-                </a:outerShdw>
-              </a:effectLst>
-              <a:scene3d>
-                <a:camera prst="isometricOffAxis2Top"/>
-                <a:lightRig rig="threePt" dir="t"/>
-              </a:scene3d>
-            </p:spPr>
-          </p:pic>
-          <p:pic>
-            <p:nvPicPr>
-              <p:cNvPr id="17" name="图片 16">
-                <a:extLst>
-                  <a:ext uri="{FF2B5EF4-FFF2-40B4-BE49-F238E27FC236}">
-                    <a16:creationId xmlns:a16="http://schemas.microsoft.com/office/drawing/2014/main" id="{E65710DB-E261-3597-EF60-6CA0E64EA158}"/>
-                  </a:ext>
-                </a:extLst>
-              </p:cNvPr>
-              <p:cNvPicPr>
-                <a:picLocks noChangeAspect="1"/>
-              </p:cNvPicPr>
-              <p:nvPr/>
-            </p:nvPicPr>
-            <p:blipFill>
-              <a:blip r:embed="rId4"/>
-              <a:stretch>
-                <a:fillRect/>
-              </a:stretch>
-            </p:blipFill>
-            <p:spPr>
-              <a:xfrm>
-                <a:off x="1326497" y="3042028"/>
-                <a:ext cx="1423784" cy="720000"/>
-              </a:xfrm>
-              <a:prstGeom prst="rect">
-                <a:avLst/>
-              </a:prstGeom>
-              <a:ln w="9525">
-                <a:solidFill>
-                  <a:schemeClr val="bg2">
-                    <a:lumMod val="25000"/>
-                  </a:schemeClr>
-                </a:solidFill>
-              </a:ln>
-              <a:effectLst>
-                <a:outerShdw blurRad="292100" dist="139700" dir="2700000" algn="tl" rotWithShape="0">
-                  <a:srgbClr val="333333">
-                    <a:alpha val="65000"/>
-                  </a:srgbClr>
-                </a:outerShdw>
-              </a:effectLst>
-              <a:scene3d>
-                <a:camera prst="isometricOffAxis2Top"/>
-                <a:lightRig rig="threePt" dir="t"/>
-              </a:scene3d>
-            </p:spPr>
-          </p:pic>
-          <p:pic>
-            <p:nvPicPr>
-              <p:cNvPr id="19" name="图片 18">
-                <a:extLst>
-                  <a:ext uri="{FF2B5EF4-FFF2-40B4-BE49-F238E27FC236}">
-                    <a16:creationId xmlns:a16="http://schemas.microsoft.com/office/drawing/2014/main" id="{FA3FAB41-73EC-B915-8B25-B95714C0ADAA}"/>
-                  </a:ext>
-                </a:extLst>
-              </p:cNvPr>
-              <p:cNvPicPr>
-                <a:picLocks noChangeAspect="1"/>
-              </p:cNvPicPr>
-              <p:nvPr/>
-            </p:nvPicPr>
-            <p:blipFill>
-              <a:blip r:embed="rId5"/>
-              <a:stretch>
-                <a:fillRect/>
-              </a:stretch>
-            </p:blipFill>
-            <p:spPr>
-              <a:xfrm>
-                <a:off x="1316796" y="2898140"/>
-                <a:ext cx="1433485" cy="720000"/>
-              </a:xfrm>
-              <a:prstGeom prst="rect">
-                <a:avLst/>
-              </a:prstGeom>
-              <a:ln w="9525">
-                <a:solidFill>
-                  <a:schemeClr val="bg2">
-                    <a:lumMod val="25000"/>
-                  </a:schemeClr>
-                </a:solidFill>
-              </a:ln>
-              <a:effectLst>
-                <a:outerShdw blurRad="292100" dist="139700" dir="2700000" algn="tl" rotWithShape="0">
-                  <a:srgbClr val="333333">
-                    <a:alpha val="65000"/>
-                  </a:srgbClr>
-                </a:outerShdw>
-              </a:effectLst>
-              <a:scene3d>
-                <a:camera prst="isometricOffAxis2Top"/>
-                <a:lightRig rig="threePt" dir="t"/>
-              </a:scene3d>
-            </p:spPr>
-          </p:pic>
-          <p:pic>
-            <p:nvPicPr>
-              <p:cNvPr id="27" name="图片 26">
-                <a:extLst>
-                  <a:ext uri="{FF2B5EF4-FFF2-40B4-BE49-F238E27FC236}">
-                    <a16:creationId xmlns:a16="http://schemas.microsoft.com/office/drawing/2014/main" id="{2390D1C7-E69A-0AC1-5A85-285927A30E78}"/>
-                  </a:ext>
-                </a:extLst>
-              </p:cNvPr>
-              <p:cNvPicPr>
-                <a:picLocks noChangeAspect="1"/>
-              </p:cNvPicPr>
-              <p:nvPr/>
-            </p:nvPicPr>
-            <p:blipFill>
-              <a:blip r:embed="rId6"/>
-              <a:stretch>
-                <a:fillRect/>
-              </a:stretch>
-            </p:blipFill>
-            <p:spPr>
-              <a:xfrm>
-                <a:off x="1348511" y="2754252"/>
-                <a:ext cx="1401770" cy="720000"/>
-              </a:xfrm>
-              <a:prstGeom prst="rect">
-                <a:avLst/>
-              </a:prstGeom>
-              <a:ln w="9525">
-                <a:solidFill>
-                  <a:schemeClr val="bg2">
-                    <a:lumMod val="25000"/>
-                  </a:schemeClr>
-                </a:solidFill>
-              </a:ln>
-              <a:effectLst>
-                <a:outerShdw blurRad="292100" dist="139700" dir="2700000" algn="tl" rotWithShape="0">
-                  <a:srgbClr val="333333">
-                    <a:alpha val="65000"/>
-                  </a:srgbClr>
-                </a:outerShdw>
-              </a:effectLst>
-              <a:scene3d>
-                <a:camera prst="isometricOffAxis2Top"/>
-                <a:lightRig rig="threePt" dir="t"/>
-              </a:scene3d>
-            </p:spPr>
-          </p:pic>
-          <p:pic>
-            <p:nvPicPr>
-              <p:cNvPr id="25" name="图片 24">
-                <a:extLst>
-                  <a:ext uri="{FF2B5EF4-FFF2-40B4-BE49-F238E27FC236}">
-                    <a16:creationId xmlns:a16="http://schemas.microsoft.com/office/drawing/2014/main" id="{CE0C5607-07F1-AA11-F155-66093FFB721E}"/>
-                  </a:ext>
-                </a:extLst>
-              </p:cNvPr>
-              <p:cNvPicPr>
-                <a:picLocks noChangeAspect="1"/>
-              </p:cNvPicPr>
-              <p:nvPr/>
-            </p:nvPicPr>
-            <p:blipFill>
-              <a:blip r:embed="rId7"/>
-              <a:stretch>
-                <a:fillRect/>
-              </a:stretch>
-            </p:blipFill>
-            <p:spPr>
-              <a:xfrm>
-                <a:off x="1359228" y="2610364"/>
-                <a:ext cx="1391053" cy="720000"/>
-              </a:xfrm>
-              <a:prstGeom prst="rect">
-                <a:avLst/>
-              </a:prstGeom>
-              <a:ln w="9525">
-                <a:solidFill>
-                  <a:schemeClr val="bg2">
-                    <a:lumMod val="25000"/>
-                  </a:schemeClr>
-                </a:solidFill>
-              </a:ln>
-              <a:effectLst>
-                <a:outerShdw blurRad="292100" dist="139700" dir="2700000" algn="tl" rotWithShape="0">
-                  <a:srgbClr val="333333">
-                    <a:alpha val="65000"/>
-                  </a:srgbClr>
-                </a:outerShdw>
-              </a:effectLst>
-              <a:scene3d>
-                <a:camera prst="isometricOffAxis2Top"/>
-                <a:lightRig rig="threePt" dir="t"/>
-              </a:scene3d>
-            </p:spPr>
-          </p:pic>
-        </p:grpSp>
-        <p:sp>
-          <p:nvSpPr>
-            <p:cNvPr id="30" name="矩形: 圆角 29">
-              <a:extLst>
-                <a:ext uri="{FF2B5EF4-FFF2-40B4-BE49-F238E27FC236}">
-                  <a16:creationId xmlns:a16="http://schemas.microsoft.com/office/drawing/2014/main" id="{188849D0-B58D-F4D8-260F-495D8B574838}"/>
-                </a:ext>
-              </a:extLst>
-            </p:cNvPr>
-            <p:cNvSpPr/>
-            <p:nvPr/>
-          </p:nvSpPr>
-          <p:spPr>
-            <a:xfrm>
-              <a:off x="110531" y="954572"/>
-              <a:ext cx="826806" cy="764499"/>
-            </a:xfrm>
-            <a:prstGeom prst="roundRect">
-              <a:avLst>
-                <a:gd name="adj" fmla="val 8334"/>
-              </a:avLst>
-            </a:prstGeom>
-            <a:solidFill>
-              <a:srgbClr val="7788AC"/>
-            </a:solidFill>
-            <a:ln w="19050">
-              <a:solidFill>
-                <a:schemeClr val="bg2">
-                  <a:lumMod val="25000"/>
-                </a:schemeClr>
-              </a:solidFill>
-            </a:ln>
-          </p:spPr>
-          <p:style>
-            <a:lnRef idx="2">
-              <a:schemeClr val="accent1">
-                <a:shade val="50000"/>
-              </a:schemeClr>
-            </a:lnRef>
-            <a:fillRef idx="1">
-              <a:schemeClr val="accent1"/>
-            </a:fillRef>
-            <a:effectRef idx="0">
-              <a:schemeClr val="accent1"/>
-            </a:effectRef>
-            <a:fontRef idx="minor">
-              <a:schemeClr val="lt1"/>
-            </a:fontRef>
-          </p:style>
-          <p:txBody>
-            <a:bodyPr rtlCol="0" anchor="ctr"/>
-            <a:lstStyle/>
-            <a:p>
-              <a:pPr algn="ctr"/>
-              <a:r>
-                <a:rPr lang="en-US" altLang="zh-CN" sz="900" b="1" dirty="0">
-                  <a:solidFill>
-                    <a:schemeClr val="tx1"/>
-                  </a:solidFill>
-                  <a:latin typeface="Times New Roman" panose="02020603050405020304" pitchFamily="18" charset="0"/>
-                  <a:cs typeface="Times New Roman" panose="02020603050405020304" pitchFamily="18" charset="0"/>
-                </a:rPr>
-                <a:t>Train database</a:t>
-              </a:r>
-            </a:p>
-            <a:p>
-              <a:pPr algn="ctr"/>
-              <a:r>
-                <a:rPr lang="en-US" altLang="zh-CN" sz="900" b="1" dirty="0">
-                  <a:solidFill>
-                    <a:schemeClr val="tx1"/>
-                  </a:solidFill>
-                  <a:latin typeface="Times New Roman" panose="02020603050405020304" pitchFamily="18" charset="0"/>
-                  <a:cs typeface="Times New Roman" panose="02020603050405020304" pitchFamily="18" charset="0"/>
-                </a:rPr>
-                <a:t>2008-2017</a:t>
-              </a:r>
-              <a:endParaRPr lang="zh-CN" altLang="en-US" sz="900" b="1" dirty="0">
-                <a:solidFill>
-                  <a:schemeClr val="tx1"/>
-                </a:solidFill>
-                <a:latin typeface="Times New Roman" panose="02020603050405020304" pitchFamily="18" charset="0"/>
-                <a:cs typeface="Times New Roman" panose="02020603050405020304" pitchFamily="18" charset="0"/>
-              </a:endParaRPr>
-            </a:p>
-          </p:txBody>
-        </p:sp>
-        <p:sp>
-          <p:nvSpPr>
-            <p:cNvPr id="31" name="箭头: 右 30">
-              <a:extLst>
-                <a:ext uri="{FF2B5EF4-FFF2-40B4-BE49-F238E27FC236}">
-                  <a16:creationId xmlns:a16="http://schemas.microsoft.com/office/drawing/2014/main" id="{22CB64B3-A166-3B15-F4D9-0DD484EF417A}"/>
-                </a:ext>
-              </a:extLst>
-            </p:cNvPr>
-            <p:cNvSpPr/>
-            <p:nvPr/>
-          </p:nvSpPr>
-          <p:spPr>
-            <a:xfrm>
-              <a:off x="969052" y="1169218"/>
-              <a:ext cx="1022308" cy="217299"/>
-            </a:xfrm>
-            <a:prstGeom prst="rightArrow">
-              <a:avLst/>
-            </a:prstGeom>
-            <a:solidFill>
-              <a:schemeClr val="tx1"/>
-            </a:solidFill>
-            <a:ln>
-              <a:solidFill>
-                <a:schemeClr val="tx1"/>
-              </a:solidFill>
-            </a:ln>
-          </p:spPr>
-          <p:style>
-            <a:lnRef idx="2">
-              <a:schemeClr val="accent1">
-                <a:shade val="50000"/>
-              </a:schemeClr>
-            </a:lnRef>
-            <a:fillRef idx="1">
-              <a:schemeClr val="accent1"/>
-            </a:fillRef>
-            <a:effectRef idx="0">
-              <a:schemeClr val="accent1"/>
-            </a:effectRef>
-            <a:fontRef idx="minor">
-              <a:schemeClr val="lt1"/>
-            </a:fontRef>
-          </p:style>
-          <p:txBody>
-            <a:bodyPr rtlCol="0" anchor="ctr"/>
-            <a:lstStyle/>
-            <a:p>
-              <a:pPr algn="ctr"/>
-              <a:endParaRPr lang="zh-CN" altLang="en-US" sz="900"/>
-            </a:p>
-          </p:txBody>
-        </p:sp>
-        <p:sp>
-          <p:nvSpPr>
-            <p:cNvPr id="33" name="文本框 32">
-              <a:extLst>
-                <a:ext uri="{FF2B5EF4-FFF2-40B4-BE49-F238E27FC236}">
-                  <a16:creationId xmlns:a16="http://schemas.microsoft.com/office/drawing/2014/main" id="{0FE54EC6-6DA6-2736-6951-E619D25D60F2}"/>
-                </a:ext>
-              </a:extLst>
-            </p:cNvPr>
-            <p:cNvSpPr txBox="1"/>
-            <p:nvPr/>
-          </p:nvSpPr>
-          <p:spPr>
-            <a:xfrm>
-              <a:off x="990602" y="1011149"/>
-              <a:ext cx="1381760" cy="230832"/>
-            </a:xfrm>
-            <a:prstGeom prst="rect">
-              <a:avLst/>
-            </a:prstGeom>
-            <a:noFill/>
-          </p:spPr>
-          <p:txBody>
-            <a:bodyPr wrap="square">
-              <a:spAutoFit/>
-            </a:bodyPr>
-            <a:lstStyle/>
-            <a:p>
-              <a:r>
-                <a:rPr lang="zh-CN" altLang="en-US" sz="900" dirty="0">
-                  <a:latin typeface="Times New Roman" panose="02020603050405020304" pitchFamily="18" charset="0"/>
-                  <a:cs typeface="Times New Roman" panose="02020603050405020304" pitchFamily="18" charset="0"/>
-                </a:rPr>
-                <a:t>Build models</a:t>
-              </a:r>
-            </a:p>
-          </p:txBody>
-        </p:sp>
-        <p:sp>
-          <p:nvSpPr>
-            <p:cNvPr id="34" name="箭头: 右 33">
-              <a:extLst>
-                <a:ext uri="{FF2B5EF4-FFF2-40B4-BE49-F238E27FC236}">
-                  <a16:creationId xmlns:a16="http://schemas.microsoft.com/office/drawing/2014/main" id="{3DA81455-B1A1-0137-0A27-D6DEF65B986F}"/>
-                </a:ext>
-              </a:extLst>
-            </p:cNvPr>
-            <p:cNvSpPr/>
-            <p:nvPr/>
-          </p:nvSpPr>
-          <p:spPr>
-            <a:xfrm>
-              <a:off x="3781836" y="1169218"/>
-              <a:ext cx="831116" cy="217299"/>
-            </a:xfrm>
-            <a:prstGeom prst="rightArrow">
-              <a:avLst/>
-            </a:prstGeom>
-            <a:solidFill>
-              <a:schemeClr val="tx1"/>
-            </a:solidFill>
-            <a:ln>
-              <a:solidFill>
-                <a:schemeClr val="tx1"/>
-              </a:solidFill>
-            </a:ln>
-          </p:spPr>
-          <p:style>
-            <a:lnRef idx="2">
-              <a:schemeClr val="accent1">
-                <a:shade val="50000"/>
-              </a:schemeClr>
-            </a:lnRef>
-            <a:fillRef idx="1">
-              <a:schemeClr val="accent1"/>
-            </a:fillRef>
-            <a:effectRef idx="0">
-              <a:schemeClr val="accent1"/>
-            </a:effectRef>
-            <a:fontRef idx="minor">
-              <a:schemeClr val="lt1"/>
-            </a:fontRef>
-          </p:style>
-          <p:txBody>
-            <a:bodyPr rtlCol="0" anchor="ctr"/>
-            <a:lstStyle/>
-            <a:p>
-              <a:pPr algn="ctr"/>
-              <a:endParaRPr lang="zh-CN" altLang="en-US" sz="900"/>
-            </a:p>
-          </p:txBody>
-        </p:sp>
-        <p:sp>
-          <p:nvSpPr>
-            <p:cNvPr id="35" name="文本框 34">
-              <a:extLst>
-                <a:ext uri="{FF2B5EF4-FFF2-40B4-BE49-F238E27FC236}">
-                  <a16:creationId xmlns:a16="http://schemas.microsoft.com/office/drawing/2014/main" id="{E9311B15-16C5-FA0B-BEAF-5A452A2AD661}"/>
-                </a:ext>
-              </a:extLst>
-            </p:cNvPr>
-            <p:cNvSpPr txBox="1"/>
-            <p:nvPr/>
-          </p:nvSpPr>
-          <p:spPr>
-            <a:xfrm>
-              <a:off x="3693013" y="1011149"/>
-              <a:ext cx="1381760" cy="230832"/>
-            </a:xfrm>
-            <a:prstGeom prst="rect">
-              <a:avLst/>
-            </a:prstGeom>
-            <a:noFill/>
-          </p:spPr>
-          <p:txBody>
-            <a:bodyPr wrap="square">
-              <a:spAutoFit/>
-            </a:bodyPr>
-            <a:lstStyle/>
-            <a:p>
-              <a:r>
-                <a:rPr lang="en-US" altLang="zh-CN" sz="900" dirty="0">
-                  <a:latin typeface="Times New Roman" panose="02020603050405020304" pitchFamily="18" charset="0"/>
-                  <a:cs typeface="Times New Roman" panose="02020603050405020304" pitchFamily="18" charset="0"/>
-                </a:rPr>
-                <a:t>Test</a:t>
-              </a:r>
-              <a:r>
-                <a:rPr lang="zh-CN" altLang="en-US" sz="900" dirty="0">
-                  <a:latin typeface="Times New Roman" panose="02020603050405020304" pitchFamily="18" charset="0"/>
-                  <a:cs typeface="Times New Roman" panose="02020603050405020304" pitchFamily="18" charset="0"/>
-                </a:rPr>
-                <a:t> models</a:t>
-              </a:r>
-            </a:p>
-          </p:txBody>
-        </p:sp>
-        <p:sp>
-          <p:nvSpPr>
-            <p:cNvPr id="36" name="矩形: 圆角 35">
-              <a:extLst>
-                <a:ext uri="{FF2B5EF4-FFF2-40B4-BE49-F238E27FC236}">
-                  <a16:creationId xmlns:a16="http://schemas.microsoft.com/office/drawing/2014/main" id="{24E44B73-305D-2917-549D-95AC27B82B38}"/>
-                </a:ext>
-              </a:extLst>
-            </p:cNvPr>
-            <p:cNvSpPr/>
-            <p:nvPr/>
-          </p:nvSpPr>
-          <p:spPr>
-            <a:xfrm>
-              <a:off x="4703469" y="954572"/>
-              <a:ext cx="831114" cy="763475"/>
-            </a:xfrm>
-            <a:prstGeom prst="roundRect">
-              <a:avLst>
-                <a:gd name="adj" fmla="val 8334"/>
-              </a:avLst>
-            </a:prstGeom>
-            <a:solidFill>
-              <a:srgbClr val="C9E6E4"/>
-            </a:solidFill>
-            <a:ln w="19050">
-              <a:solidFill>
-                <a:schemeClr val="bg2">
-                  <a:lumMod val="25000"/>
-                </a:schemeClr>
-              </a:solidFill>
-            </a:ln>
-          </p:spPr>
-          <p:style>
-            <a:lnRef idx="2">
-              <a:schemeClr val="accent1">
-                <a:shade val="50000"/>
-              </a:schemeClr>
-            </a:lnRef>
-            <a:fillRef idx="1">
-              <a:schemeClr val="accent1"/>
-            </a:fillRef>
-            <a:effectRef idx="0">
-              <a:schemeClr val="accent1"/>
-            </a:effectRef>
-            <a:fontRef idx="minor">
-              <a:schemeClr val="lt1"/>
-            </a:fontRef>
-          </p:style>
-          <p:txBody>
-            <a:bodyPr rtlCol="0" anchor="ctr"/>
-            <a:lstStyle/>
-            <a:p>
-              <a:pPr algn="ctr"/>
-              <a:r>
-                <a:rPr lang="en-US" altLang="zh-CN" sz="900" b="1" dirty="0">
-                  <a:solidFill>
-                    <a:schemeClr val="tx1"/>
-                  </a:solidFill>
-                  <a:latin typeface="Times New Roman" panose="02020603050405020304" pitchFamily="18" charset="0"/>
-                  <a:cs typeface="Times New Roman" panose="02020603050405020304" pitchFamily="18" charset="0"/>
-                </a:rPr>
-                <a:t>Test database</a:t>
-              </a:r>
-            </a:p>
-            <a:p>
-              <a:pPr algn="ctr"/>
-              <a:r>
-                <a:rPr lang="en-US" altLang="zh-CN" sz="900" b="1" dirty="0">
-                  <a:solidFill>
-                    <a:schemeClr val="tx1"/>
-                  </a:solidFill>
-                  <a:latin typeface="Times New Roman" panose="02020603050405020304" pitchFamily="18" charset="0"/>
-                  <a:cs typeface="Times New Roman" panose="02020603050405020304" pitchFamily="18" charset="0"/>
-                </a:rPr>
-                <a:t>2018-2019</a:t>
-              </a:r>
-              <a:endParaRPr lang="zh-CN" altLang="en-US" sz="900" b="1" dirty="0">
-                <a:solidFill>
-                  <a:schemeClr val="tx1"/>
-                </a:solidFill>
-                <a:latin typeface="Times New Roman" panose="02020603050405020304" pitchFamily="18" charset="0"/>
-                <a:cs typeface="Times New Roman" panose="02020603050405020304" pitchFamily="18" charset="0"/>
-              </a:endParaRPr>
-            </a:p>
-          </p:txBody>
-        </p:sp>
-        <p:pic>
-          <p:nvPicPr>
-            <p:cNvPr id="40" name="图片 39">
-              <a:extLst>
-                <a:ext uri="{FF2B5EF4-FFF2-40B4-BE49-F238E27FC236}">
-                  <a16:creationId xmlns:a16="http://schemas.microsoft.com/office/drawing/2014/main" id="{3AB5C61A-A05D-0F97-CC0A-66ABF48EDEAD}"/>
-                </a:ext>
-              </a:extLst>
-            </p:cNvPr>
-            <p:cNvPicPr>
-              <a:picLocks noChangeAspect="1"/>
-            </p:cNvPicPr>
-            <p:nvPr/>
-          </p:nvPicPr>
-          <p:blipFill>
-            <a:blip r:embed="rId2"/>
-            <a:stretch>
-              <a:fillRect/>
-            </a:stretch>
-          </p:blipFill>
-          <p:spPr>
-            <a:xfrm>
-              <a:off x="3284456" y="2382901"/>
-              <a:ext cx="1419013" cy="720000"/>
-            </a:xfrm>
-            <a:prstGeom prst="rect">
-              <a:avLst/>
-            </a:prstGeom>
-            <a:ln>
-              <a:solidFill>
-                <a:schemeClr val="tx1"/>
-              </a:solidFill>
-            </a:ln>
-          </p:spPr>
-        </p:pic>
-        <p:sp>
-          <p:nvSpPr>
-            <p:cNvPr id="42" name="箭头: 直角上 41">
-              <a:extLst>
-                <a:ext uri="{FF2B5EF4-FFF2-40B4-BE49-F238E27FC236}">
-                  <a16:creationId xmlns:a16="http://schemas.microsoft.com/office/drawing/2014/main" id="{43491979-337F-4471-77EC-7DB3DCBD19E8}"/>
-                </a:ext>
-              </a:extLst>
-            </p:cNvPr>
-            <p:cNvSpPr/>
-            <p:nvPr/>
-          </p:nvSpPr>
-          <p:spPr>
-            <a:xfrm rot="5400000" flipV="1">
-              <a:off x="4398559" y="2112764"/>
-              <a:ext cx="1082216" cy="392429"/>
-            </a:xfrm>
-            <a:prstGeom prst="bentUpArrow">
-              <a:avLst>
-                <a:gd name="adj1" fmla="val 22558"/>
-                <a:gd name="adj2" fmla="val 25000"/>
-                <a:gd name="adj3" fmla="val 28039"/>
-              </a:avLst>
-            </a:prstGeom>
-            <a:solidFill>
-              <a:schemeClr val="tx1"/>
-            </a:solidFill>
-            <a:ln>
-              <a:solidFill>
-                <a:schemeClr val="tx1"/>
-              </a:solidFill>
-            </a:ln>
-          </p:spPr>
-          <p:style>
-            <a:lnRef idx="2">
-              <a:schemeClr val="accent1">
-                <a:shade val="50000"/>
-              </a:schemeClr>
-            </a:lnRef>
-            <a:fillRef idx="1">
-              <a:schemeClr val="accent1"/>
-            </a:fillRef>
-            <a:effectRef idx="0">
-              <a:schemeClr val="accent1"/>
-            </a:effectRef>
-            <a:fontRef idx="minor">
-              <a:schemeClr val="lt1"/>
-            </a:fontRef>
-          </p:style>
-          <p:txBody>
-            <a:bodyPr rtlCol="0" anchor="ctr"/>
-            <a:lstStyle/>
-            <a:p>
-              <a:pPr algn="ctr"/>
-              <a:endParaRPr lang="zh-CN" altLang="en-US" sz="900"/>
-            </a:p>
-          </p:txBody>
-        </p:sp>
-        <p:sp>
-          <p:nvSpPr>
-            <p:cNvPr id="43" name="文本框 42">
-              <a:extLst>
-                <a:ext uri="{FF2B5EF4-FFF2-40B4-BE49-F238E27FC236}">
-                  <a16:creationId xmlns:a16="http://schemas.microsoft.com/office/drawing/2014/main" id="{D5FB475D-5D3E-E129-CF18-41750D1621F3}"/>
-                </a:ext>
-              </a:extLst>
-            </p:cNvPr>
-            <p:cNvSpPr txBox="1"/>
-            <p:nvPr/>
-          </p:nvSpPr>
-          <p:spPr>
-            <a:xfrm rot="5400000">
-              <a:off x="4724622" y="2159380"/>
-              <a:ext cx="1055211" cy="230832"/>
-            </a:xfrm>
-            <a:prstGeom prst="rect">
-              <a:avLst/>
-            </a:prstGeom>
-            <a:noFill/>
-          </p:spPr>
-          <p:txBody>
-            <a:bodyPr wrap="square">
-              <a:spAutoFit/>
-            </a:bodyPr>
-            <a:lstStyle/>
-            <a:p>
-              <a:r>
-                <a:rPr lang="en-US" altLang="zh-CN" sz="900" dirty="0">
-                  <a:latin typeface="Times New Roman" panose="02020603050405020304" pitchFamily="18" charset="0"/>
-                  <a:cs typeface="Times New Roman" panose="02020603050405020304" pitchFamily="18" charset="0"/>
-                </a:rPr>
-                <a:t>Find best</a:t>
-              </a:r>
-              <a:r>
-                <a:rPr lang="zh-CN" altLang="en-US" sz="900" dirty="0">
-                  <a:latin typeface="Times New Roman" panose="02020603050405020304" pitchFamily="18" charset="0"/>
-                  <a:cs typeface="Times New Roman" panose="02020603050405020304" pitchFamily="18" charset="0"/>
-                </a:rPr>
-                <a:t> model</a:t>
-              </a:r>
-            </a:p>
-          </p:txBody>
-        </p:sp>
-        <p:grpSp>
-          <p:nvGrpSpPr>
-            <p:cNvPr id="76" name="组合 75">
-              <a:extLst>
-                <a:ext uri="{FF2B5EF4-FFF2-40B4-BE49-F238E27FC236}">
-                  <a16:creationId xmlns:a16="http://schemas.microsoft.com/office/drawing/2014/main" id="{35EDB79F-BC19-DF4A-2C48-96C0AEE2C360}"/>
-                </a:ext>
-              </a:extLst>
-            </p:cNvPr>
-            <p:cNvGrpSpPr/>
-            <p:nvPr/>
-          </p:nvGrpSpPr>
-          <p:grpSpPr>
-            <a:xfrm>
-              <a:off x="2125444" y="4742805"/>
-              <a:ext cx="1433485" cy="1439439"/>
-              <a:chOff x="1316796" y="2610364"/>
-              <a:chExt cx="1433485" cy="1439439"/>
-            </a:xfrm>
-          </p:grpSpPr>
-          <p:pic>
-            <p:nvPicPr>
-              <p:cNvPr id="77" name="图片 76">
-                <a:extLst>
-                  <a:ext uri="{FF2B5EF4-FFF2-40B4-BE49-F238E27FC236}">
-                    <a16:creationId xmlns:a16="http://schemas.microsoft.com/office/drawing/2014/main" id="{E67B7D37-C4D1-50E9-AEC1-1B556C7D8B47}"/>
-                  </a:ext>
-                </a:extLst>
-              </p:cNvPr>
-              <p:cNvPicPr>
-                <a:picLocks noChangeAspect="1"/>
-              </p:cNvPicPr>
-              <p:nvPr/>
-            </p:nvPicPr>
-            <p:blipFill>
-              <a:blip r:embed="rId2"/>
-              <a:stretch>
-                <a:fillRect/>
-              </a:stretch>
-            </p:blipFill>
-            <p:spPr>
-              <a:xfrm>
-                <a:off x="1331267" y="3329803"/>
-                <a:ext cx="1419014" cy="720000"/>
-              </a:xfrm>
-              <a:prstGeom prst="rect">
-                <a:avLst/>
-              </a:prstGeom>
-              <a:ln w="9525">
-                <a:solidFill>
-                  <a:schemeClr val="bg2">
-                    <a:lumMod val="25000"/>
-                  </a:schemeClr>
-                </a:solidFill>
-              </a:ln>
-              <a:effectLst>
-                <a:outerShdw blurRad="292100" dist="139700" dir="2700000" algn="tl" rotWithShape="0">
-                  <a:srgbClr val="333333">
-                    <a:alpha val="65000"/>
-                  </a:srgbClr>
-                </a:outerShdw>
-              </a:effectLst>
-              <a:scene3d>
-                <a:camera prst="isometricOffAxis2Top"/>
-                <a:lightRig rig="threePt" dir="t"/>
-              </a:scene3d>
-            </p:spPr>
-          </p:pic>
-          <p:pic>
-            <p:nvPicPr>
-              <p:cNvPr id="78" name="图片 77">
-                <a:extLst>
-                  <a:ext uri="{FF2B5EF4-FFF2-40B4-BE49-F238E27FC236}">
-                    <a16:creationId xmlns:a16="http://schemas.microsoft.com/office/drawing/2014/main" id="{3760A974-F713-D54F-2578-A8FFFABB04F0}"/>
-                  </a:ext>
-                </a:extLst>
-              </p:cNvPr>
-              <p:cNvPicPr>
-                <a:picLocks noChangeAspect="1"/>
-              </p:cNvPicPr>
-              <p:nvPr/>
-            </p:nvPicPr>
-            <p:blipFill>
-              <a:blip r:embed="rId3"/>
-              <a:stretch>
-                <a:fillRect/>
-              </a:stretch>
-            </p:blipFill>
-            <p:spPr>
-              <a:xfrm>
-                <a:off x="1329610" y="3185916"/>
-                <a:ext cx="1420671" cy="720000"/>
-              </a:xfrm>
-              <a:prstGeom prst="rect">
-                <a:avLst/>
-              </a:prstGeom>
-              <a:ln w="9525">
-                <a:solidFill>
-                  <a:schemeClr val="bg2">
-                    <a:lumMod val="25000"/>
-                  </a:schemeClr>
-                </a:solidFill>
-              </a:ln>
-              <a:effectLst>
-                <a:outerShdw blurRad="292100" dist="139700" dir="2700000" algn="tl" rotWithShape="0">
-                  <a:srgbClr val="333333">
-                    <a:alpha val="65000"/>
-                  </a:srgbClr>
-                </a:outerShdw>
-              </a:effectLst>
-              <a:scene3d>
-                <a:camera prst="isometricOffAxis2Top"/>
-                <a:lightRig rig="threePt" dir="t"/>
-              </a:scene3d>
-            </p:spPr>
-          </p:pic>
-          <p:pic>
-            <p:nvPicPr>
-              <p:cNvPr id="79" name="图片 78">
-                <a:extLst>
-                  <a:ext uri="{FF2B5EF4-FFF2-40B4-BE49-F238E27FC236}">
-                    <a16:creationId xmlns:a16="http://schemas.microsoft.com/office/drawing/2014/main" id="{5EB0F1B7-B22A-CE33-0254-B26B773C8E01}"/>
-                  </a:ext>
-                </a:extLst>
-              </p:cNvPr>
-              <p:cNvPicPr>
-                <a:picLocks noChangeAspect="1"/>
-              </p:cNvPicPr>
-              <p:nvPr/>
-            </p:nvPicPr>
-            <p:blipFill>
-              <a:blip r:embed="rId4"/>
-              <a:stretch>
-                <a:fillRect/>
-              </a:stretch>
-            </p:blipFill>
-            <p:spPr>
-              <a:xfrm>
-                <a:off x="1326497" y="3042028"/>
-                <a:ext cx="1423784" cy="720000"/>
-              </a:xfrm>
-              <a:prstGeom prst="rect">
-                <a:avLst/>
-              </a:prstGeom>
-              <a:ln w="9525">
-                <a:solidFill>
-                  <a:schemeClr val="bg2">
-                    <a:lumMod val="25000"/>
-                  </a:schemeClr>
-                </a:solidFill>
-              </a:ln>
-              <a:effectLst>
-                <a:outerShdw blurRad="292100" dist="139700" dir="2700000" algn="tl" rotWithShape="0">
-                  <a:srgbClr val="333333">
-                    <a:alpha val="65000"/>
-                  </a:srgbClr>
-                </a:outerShdw>
-              </a:effectLst>
-              <a:scene3d>
-                <a:camera prst="isometricOffAxis2Top"/>
-                <a:lightRig rig="threePt" dir="t"/>
-              </a:scene3d>
-            </p:spPr>
-          </p:pic>
-          <p:pic>
-            <p:nvPicPr>
-              <p:cNvPr id="80" name="图片 79">
-                <a:extLst>
-                  <a:ext uri="{FF2B5EF4-FFF2-40B4-BE49-F238E27FC236}">
-                    <a16:creationId xmlns:a16="http://schemas.microsoft.com/office/drawing/2014/main" id="{602303A1-AF4D-342D-CB3C-3B9B892E215E}"/>
-                  </a:ext>
-                </a:extLst>
-              </p:cNvPr>
-              <p:cNvPicPr>
-                <a:picLocks noChangeAspect="1"/>
-              </p:cNvPicPr>
-              <p:nvPr/>
-            </p:nvPicPr>
-            <p:blipFill>
-              <a:blip r:embed="rId5"/>
-              <a:stretch>
-                <a:fillRect/>
-              </a:stretch>
-            </p:blipFill>
-            <p:spPr>
-              <a:xfrm>
-                <a:off x="1316796" y="2898140"/>
-                <a:ext cx="1433485" cy="720000"/>
-              </a:xfrm>
-              <a:prstGeom prst="rect">
-                <a:avLst/>
-              </a:prstGeom>
-              <a:ln w="9525">
-                <a:solidFill>
-                  <a:schemeClr val="bg2">
-                    <a:lumMod val="25000"/>
-                  </a:schemeClr>
-                </a:solidFill>
-              </a:ln>
-              <a:effectLst>
-                <a:outerShdw blurRad="292100" dist="139700" dir="2700000" algn="tl" rotWithShape="0">
-                  <a:srgbClr val="333333">
-                    <a:alpha val="65000"/>
-                  </a:srgbClr>
-                </a:outerShdw>
-              </a:effectLst>
-              <a:scene3d>
-                <a:camera prst="isometricOffAxis2Top"/>
-                <a:lightRig rig="threePt" dir="t"/>
-              </a:scene3d>
-            </p:spPr>
-          </p:pic>
-          <p:pic>
-            <p:nvPicPr>
-              <p:cNvPr id="81" name="图片 80">
-                <a:extLst>
-                  <a:ext uri="{FF2B5EF4-FFF2-40B4-BE49-F238E27FC236}">
-                    <a16:creationId xmlns:a16="http://schemas.microsoft.com/office/drawing/2014/main" id="{F97F4583-B577-F95F-7899-08ACF1E3D540}"/>
-                  </a:ext>
-                </a:extLst>
-              </p:cNvPr>
-              <p:cNvPicPr>
-                <a:picLocks noChangeAspect="1"/>
-              </p:cNvPicPr>
-              <p:nvPr/>
-            </p:nvPicPr>
-            <p:blipFill>
-              <a:blip r:embed="rId6"/>
-              <a:stretch>
-                <a:fillRect/>
-              </a:stretch>
-            </p:blipFill>
-            <p:spPr>
-              <a:xfrm>
-                <a:off x="1348511" y="2754252"/>
-                <a:ext cx="1401770" cy="720000"/>
-              </a:xfrm>
-              <a:prstGeom prst="rect">
-                <a:avLst/>
-              </a:prstGeom>
-              <a:ln w="9525">
-                <a:solidFill>
-                  <a:schemeClr val="bg2">
-                    <a:lumMod val="25000"/>
-                  </a:schemeClr>
-                </a:solidFill>
-              </a:ln>
-              <a:effectLst>
-                <a:outerShdw blurRad="292100" dist="139700" dir="2700000" algn="tl" rotWithShape="0">
-                  <a:srgbClr val="333333">
-                    <a:alpha val="65000"/>
-                  </a:srgbClr>
-                </a:outerShdw>
-              </a:effectLst>
-              <a:scene3d>
-                <a:camera prst="isometricOffAxis2Top"/>
-                <a:lightRig rig="threePt" dir="t"/>
-              </a:scene3d>
-            </p:spPr>
-          </p:pic>
-          <p:pic>
-            <p:nvPicPr>
-              <p:cNvPr id="82" name="图片 81">
-                <a:extLst>
-                  <a:ext uri="{FF2B5EF4-FFF2-40B4-BE49-F238E27FC236}">
-                    <a16:creationId xmlns:a16="http://schemas.microsoft.com/office/drawing/2014/main" id="{F1E5A658-B3B3-1433-244F-4447FDC33437}"/>
-                  </a:ext>
-                </a:extLst>
-              </p:cNvPr>
-              <p:cNvPicPr>
-                <a:picLocks noChangeAspect="1"/>
-              </p:cNvPicPr>
-              <p:nvPr/>
-            </p:nvPicPr>
-            <p:blipFill>
-              <a:blip r:embed="rId7"/>
-              <a:stretch>
-                <a:fillRect/>
-              </a:stretch>
-            </p:blipFill>
-            <p:spPr>
-              <a:xfrm>
-                <a:off x="1359228" y="2610364"/>
-                <a:ext cx="1391053" cy="720000"/>
-              </a:xfrm>
-              <a:prstGeom prst="rect">
-                <a:avLst/>
-              </a:prstGeom>
-              <a:ln w="9525">
-                <a:solidFill>
-                  <a:schemeClr val="bg2">
-                    <a:lumMod val="25000"/>
-                  </a:schemeClr>
-                </a:solidFill>
-              </a:ln>
-              <a:effectLst>
-                <a:outerShdw blurRad="292100" dist="139700" dir="2700000" algn="tl" rotWithShape="0">
-                  <a:srgbClr val="333333">
-                    <a:alpha val="65000"/>
-                  </a:srgbClr>
-                </a:outerShdw>
-              </a:effectLst>
-              <a:scene3d>
-                <a:camera prst="isometricOffAxis2Top"/>
-                <a:lightRig rig="threePt" dir="t"/>
-              </a:scene3d>
-            </p:spPr>
-          </p:pic>
-        </p:grpSp>
-        <p:sp>
-          <p:nvSpPr>
-            <p:cNvPr id="83" name="矩形: 圆角 82">
-              <a:extLst>
-                <a:ext uri="{FF2B5EF4-FFF2-40B4-BE49-F238E27FC236}">
-                  <a16:creationId xmlns:a16="http://schemas.microsoft.com/office/drawing/2014/main" id="{4C3F7E9F-6CCE-02CF-70F7-2083BBC98544}"/>
-                </a:ext>
-              </a:extLst>
-            </p:cNvPr>
-            <p:cNvSpPr/>
-            <p:nvPr/>
-          </p:nvSpPr>
-          <p:spPr>
-            <a:xfrm>
-              <a:off x="110532" y="5008981"/>
-              <a:ext cx="826806" cy="763200"/>
-            </a:xfrm>
-            <a:prstGeom prst="roundRect">
-              <a:avLst>
-                <a:gd name="adj" fmla="val 8334"/>
-              </a:avLst>
-            </a:prstGeom>
-            <a:solidFill>
-              <a:srgbClr val="7788AC"/>
-            </a:solidFill>
-            <a:ln w="19050">
-              <a:solidFill>
-                <a:schemeClr val="bg2">
-                  <a:lumMod val="25000"/>
-                </a:schemeClr>
-              </a:solidFill>
-            </a:ln>
-          </p:spPr>
-          <p:style>
-            <a:lnRef idx="2">
-              <a:schemeClr val="accent1">
-                <a:shade val="50000"/>
-              </a:schemeClr>
-            </a:lnRef>
-            <a:fillRef idx="1">
-              <a:schemeClr val="accent1"/>
-            </a:fillRef>
-            <a:effectRef idx="0">
-              <a:schemeClr val="accent1"/>
-            </a:effectRef>
-            <a:fontRef idx="minor">
-              <a:schemeClr val="lt1"/>
-            </a:fontRef>
-          </p:style>
-          <p:txBody>
-            <a:bodyPr rtlCol="0" anchor="ctr"/>
-            <a:lstStyle/>
-            <a:p>
-              <a:pPr algn="ctr"/>
-              <a:r>
-                <a:rPr lang="en-US" altLang="zh-CN" sz="900" b="1" dirty="0">
-                  <a:solidFill>
-                    <a:schemeClr val="tx1"/>
-                  </a:solidFill>
-                  <a:latin typeface="Times New Roman" panose="02020603050405020304" pitchFamily="18" charset="0"/>
-                  <a:cs typeface="Times New Roman" panose="02020603050405020304" pitchFamily="18" charset="0"/>
-                </a:rPr>
-                <a:t>Train database</a:t>
-              </a:r>
-            </a:p>
-            <a:p>
-              <a:pPr algn="ctr"/>
-              <a:r>
-                <a:rPr lang="en-US" altLang="zh-CN" sz="900" b="1" dirty="0">
-                  <a:solidFill>
-                    <a:schemeClr val="tx1"/>
-                  </a:solidFill>
-                  <a:latin typeface="Times New Roman" panose="02020603050405020304" pitchFamily="18" charset="0"/>
-                  <a:cs typeface="Times New Roman" panose="02020603050405020304" pitchFamily="18" charset="0"/>
-                </a:rPr>
-                <a:t>2008-2022.5</a:t>
-              </a:r>
-              <a:endParaRPr lang="zh-CN" altLang="en-US" sz="900" b="1" dirty="0">
-                <a:solidFill>
-                  <a:schemeClr val="tx1"/>
-                </a:solidFill>
-                <a:latin typeface="Times New Roman" panose="02020603050405020304" pitchFamily="18" charset="0"/>
-                <a:cs typeface="Times New Roman" panose="02020603050405020304" pitchFamily="18" charset="0"/>
-              </a:endParaRPr>
-            </a:p>
-          </p:txBody>
-        </p:sp>
-        <p:sp>
-          <p:nvSpPr>
-            <p:cNvPr id="84" name="箭头: 右 83">
-              <a:extLst>
-                <a:ext uri="{FF2B5EF4-FFF2-40B4-BE49-F238E27FC236}">
-                  <a16:creationId xmlns:a16="http://schemas.microsoft.com/office/drawing/2014/main" id="{B2436495-A261-2D0B-C383-8D084E718B2F}"/>
-                </a:ext>
-              </a:extLst>
-            </p:cNvPr>
-            <p:cNvSpPr/>
-            <p:nvPr/>
-          </p:nvSpPr>
-          <p:spPr>
-            <a:xfrm>
-              <a:off x="990602" y="5245226"/>
-              <a:ext cx="1000758" cy="217299"/>
-            </a:xfrm>
-            <a:prstGeom prst="rightArrow">
-              <a:avLst/>
-            </a:prstGeom>
-            <a:solidFill>
-              <a:schemeClr val="tx1"/>
-            </a:solidFill>
-            <a:ln>
-              <a:solidFill>
-                <a:schemeClr val="tx1"/>
-              </a:solidFill>
-            </a:ln>
-          </p:spPr>
-          <p:style>
-            <a:lnRef idx="2">
-              <a:schemeClr val="accent1">
-                <a:shade val="50000"/>
-              </a:schemeClr>
-            </a:lnRef>
-            <a:fillRef idx="1">
-              <a:schemeClr val="accent1"/>
-            </a:fillRef>
-            <a:effectRef idx="0">
-              <a:schemeClr val="accent1"/>
-            </a:effectRef>
-            <a:fontRef idx="minor">
-              <a:schemeClr val="lt1"/>
-            </a:fontRef>
-          </p:style>
-          <p:txBody>
-            <a:bodyPr rtlCol="0" anchor="ctr"/>
-            <a:lstStyle/>
-            <a:p>
-              <a:pPr algn="ctr"/>
-              <a:endParaRPr lang="zh-CN" altLang="en-US" sz="900"/>
-            </a:p>
-          </p:txBody>
-        </p:sp>
-        <p:sp>
-          <p:nvSpPr>
-            <p:cNvPr id="85" name="文本框 84">
-              <a:extLst>
-                <a:ext uri="{FF2B5EF4-FFF2-40B4-BE49-F238E27FC236}">
-                  <a16:creationId xmlns:a16="http://schemas.microsoft.com/office/drawing/2014/main" id="{B777D483-C260-CBE7-B055-45A05D8A7271}"/>
-                </a:ext>
-              </a:extLst>
-            </p:cNvPr>
-            <p:cNvSpPr txBox="1"/>
-            <p:nvPr/>
-          </p:nvSpPr>
-          <p:spPr>
-            <a:xfrm>
-              <a:off x="984455" y="5087157"/>
-              <a:ext cx="1381760" cy="230832"/>
-            </a:xfrm>
-            <a:prstGeom prst="rect">
-              <a:avLst/>
-            </a:prstGeom>
-            <a:noFill/>
-          </p:spPr>
-          <p:txBody>
-            <a:bodyPr wrap="square">
-              <a:spAutoFit/>
-            </a:bodyPr>
-            <a:lstStyle/>
-            <a:p>
-              <a:r>
-                <a:rPr lang="zh-CN" altLang="en-US" sz="900" dirty="0">
-                  <a:latin typeface="Times New Roman" panose="02020603050405020304" pitchFamily="18" charset="0"/>
-                  <a:cs typeface="Times New Roman" panose="02020603050405020304" pitchFamily="18" charset="0"/>
-                </a:rPr>
-                <a:t>Build models</a:t>
-              </a:r>
-            </a:p>
-          </p:txBody>
-        </p:sp>
-        <p:sp>
-          <p:nvSpPr>
-            <p:cNvPr id="86" name="箭头: 右 85">
-              <a:extLst>
-                <a:ext uri="{FF2B5EF4-FFF2-40B4-BE49-F238E27FC236}">
-                  <a16:creationId xmlns:a16="http://schemas.microsoft.com/office/drawing/2014/main" id="{9749C1E8-B89A-A4C4-5B4A-36124AD49DD1}"/>
-                </a:ext>
-              </a:extLst>
-            </p:cNvPr>
-            <p:cNvSpPr/>
-            <p:nvPr/>
-          </p:nvSpPr>
-          <p:spPr>
-            <a:xfrm>
-              <a:off x="3781836" y="5245226"/>
-              <a:ext cx="831116" cy="217299"/>
-            </a:xfrm>
-            <a:prstGeom prst="rightArrow">
-              <a:avLst/>
-            </a:prstGeom>
-            <a:solidFill>
-              <a:schemeClr val="tx1"/>
-            </a:solidFill>
-            <a:ln>
-              <a:solidFill>
-                <a:schemeClr val="tx1"/>
-              </a:solidFill>
-            </a:ln>
-          </p:spPr>
-          <p:style>
-            <a:lnRef idx="2">
-              <a:schemeClr val="accent1">
-                <a:shade val="50000"/>
-              </a:schemeClr>
-            </a:lnRef>
-            <a:fillRef idx="1">
-              <a:schemeClr val="accent1"/>
-            </a:fillRef>
-            <a:effectRef idx="0">
-              <a:schemeClr val="accent1"/>
-            </a:effectRef>
-            <a:fontRef idx="minor">
-              <a:schemeClr val="lt1"/>
-            </a:fontRef>
-          </p:style>
-          <p:txBody>
-            <a:bodyPr rtlCol="0" anchor="ctr"/>
-            <a:lstStyle/>
-            <a:p>
-              <a:pPr algn="ctr"/>
-              <a:endParaRPr lang="zh-CN" altLang="en-US" sz="900"/>
-            </a:p>
-          </p:txBody>
-        </p:sp>
-        <p:sp>
-          <p:nvSpPr>
-            <p:cNvPr id="87" name="文本框 86">
-              <a:extLst>
-                <a:ext uri="{FF2B5EF4-FFF2-40B4-BE49-F238E27FC236}">
-                  <a16:creationId xmlns:a16="http://schemas.microsoft.com/office/drawing/2014/main" id="{CCDADDC1-7D10-2343-2EA0-0F476D870660}"/>
-                </a:ext>
-              </a:extLst>
-            </p:cNvPr>
-            <p:cNvSpPr txBox="1"/>
-            <p:nvPr/>
-          </p:nvSpPr>
-          <p:spPr>
-            <a:xfrm>
-              <a:off x="3693013" y="5087157"/>
-              <a:ext cx="1381760" cy="230832"/>
-            </a:xfrm>
-            <a:prstGeom prst="rect">
-              <a:avLst/>
-            </a:prstGeom>
-            <a:noFill/>
-          </p:spPr>
-          <p:txBody>
-            <a:bodyPr wrap="square">
-              <a:spAutoFit/>
-            </a:bodyPr>
-            <a:lstStyle/>
-            <a:p>
-              <a:r>
-                <a:rPr lang="en-US" altLang="zh-CN" sz="900" dirty="0">
-                  <a:latin typeface="Times New Roman" panose="02020603050405020304" pitchFamily="18" charset="0"/>
-                  <a:cs typeface="Times New Roman" panose="02020603050405020304" pitchFamily="18" charset="0"/>
-                </a:rPr>
-                <a:t>Test</a:t>
-              </a:r>
-              <a:r>
-                <a:rPr lang="zh-CN" altLang="en-US" sz="900" dirty="0">
-                  <a:latin typeface="Times New Roman" panose="02020603050405020304" pitchFamily="18" charset="0"/>
-                  <a:cs typeface="Times New Roman" panose="02020603050405020304" pitchFamily="18" charset="0"/>
-                </a:rPr>
-                <a:t> models</a:t>
-              </a:r>
-            </a:p>
-          </p:txBody>
-        </p:sp>
-        <p:sp>
-          <p:nvSpPr>
-            <p:cNvPr id="88" name="矩形: 圆角 87">
-              <a:extLst>
-                <a:ext uri="{FF2B5EF4-FFF2-40B4-BE49-F238E27FC236}">
-                  <a16:creationId xmlns:a16="http://schemas.microsoft.com/office/drawing/2014/main" id="{9FB23301-174B-31AD-4339-7FAAC0354757}"/>
-                </a:ext>
-              </a:extLst>
-            </p:cNvPr>
-            <p:cNvSpPr/>
-            <p:nvPr/>
-          </p:nvSpPr>
-          <p:spPr>
-            <a:xfrm>
-              <a:off x="4703468" y="5008706"/>
-              <a:ext cx="831115" cy="763475"/>
-            </a:xfrm>
-            <a:prstGeom prst="roundRect">
-              <a:avLst>
-                <a:gd name="adj" fmla="val 8334"/>
-              </a:avLst>
-            </a:prstGeom>
-            <a:solidFill>
-              <a:srgbClr val="C9E6E4"/>
-            </a:solidFill>
-            <a:ln w="19050">
-              <a:solidFill>
-                <a:schemeClr val="bg2">
-                  <a:lumMod val="25000"/>
-                </a:schemeClr>
-              </a:solidFill>
-            </a:ln>
-          </p:spPr>
-          <p:style>
-            <a:lnRef idx="2">
-              <a:schemeClr val="accent1">
-                <a:shade val="50000"/>
-              </a:schemeClr>
-            </a:lnRef>
-            <a:fillRef idx="1">
-              <a:schemeClr val="accent1"/>
-            </a:fillRef>
-            <a:effectRef idx="0">
-              <a:schemeClr val="accent1"/>
-            </a:effectRef>
-            <a:fontRef idx="minor">
-              <a:schemeClr val="lt1"/>
-            </a:fontRef>
-          </p:style>
-          <p:txBody>
-            <a:bodyPr rtlCol="0" anchor="ctr"/>
-            <a:lstStyle/>
-            <a:p>
-              <a:pPr algn="ctr"/>
-              <a:r>
-                <a:rPr lang="en-US" altLang="zh-CN" sz="900" b="1" dirty="0">
-                  <a:solidFill>
-                    <a:schemeClr val="tx1"/>
-                  </a:solidFill>
-                  <a:latin typeface="Times New Roman" panose="02020603050405020304" pitchFamily="18" charset="0"/>
-                  <a:cs typeface="Times New Roman" panose="02020603050405020304" pitchFamily="18" charset="0"/>
-                </a:rPr>
-                <a:t>Test database</a:t>
-              </a:r>
-            </a:p>
-            <a:p>
-              <a:pPr algn="ctr"/>
-              <a:r>
-                <a:rPr lang="en-US" altLang="zh-CN" sz="900" b="1" dirty="0">
-                  <a:solidFill>
-                    <a:schemeClr val="tx1"/>
-                  </a:solidFill>
-                  <a:latin typeface="Times New Roman" panose="02020603050405020304" pitchFamily="18" charset="0"/>
-                  <a:cs typeface="Times New Roman" panose="02020603050405020304" pitchFamily="18" charset="0"/>
-                </a:rPr>
-                <a:t>2007-2022.5</a:t>
-              </a:r>
-              <a:endParaRPr lang="zh-CN" altLang="en-US" sz="900" b="1" dirty="0">
-                <a:solidFill>
-                  <a:schemeClr val="tx1"/>
-                </a:solidFill>
-                <a:latin typeface="Times New Roman" panose="02020603050405020304" pitchFamily="18" charset="0"/>
-                <a:cs typeface="Times New Roman" panose="02020603050405020304" pitchFamily="18" charset="0"/>
-              </a:endParaRPr>
-            </a:p>
-          </p:txBody>
-        </p:sp>
-        <p:pic>
-          <p:nvPicPr>
-            <p:cNvPr id="89" name="图片 88">
-              <a:extLst>
-                <a:ext uri="{FF2B5EF4-FFF2-40B4-BE49-F238E27FC236}">
-                  <a16:creationId xmlns:a16="http://schemas.microsoft.com/office/drawing/2014/main" id="{5893C3BB-1E4C-38B0-A4C1-570AACFE1794}"/>
-                </a:ext>
-              </a:extLst>
-            </p:cNvPr>
-            <p:cNvPicPr>
-              <a:picLocks noChangeAspect="1"/>
-            </p:cNvPicPr>
-            <p:nvPr/>
-          </p:nvPicPr>
-          <p:blipFill>
-            <a:blip r:embed="rId2"/>
-            <a:stretch>
-              <a:fillRect/>
-            </a:stretch>
-          </p:blipFill>
-          <p:spPr>
-            <a:xfrm>
-              <a:off x="3284456" y="3702303"/>
-              <a:ext cx="1419013" cy="720000"/>
-            </a:xfrm>
-            <a:prstGeom prst="rect">
-              <a:avLst/>
-            </a:prstGeom>
-            <a:ln>
-              <a:solidFill>
-                <a:schemeClr val="tx1"/>
-              </a:solidFill>
-            </a:ln>
-          </p:spPr>
-        </p:pic>
-        <p:sp>
-          <p:nvSpPr>
-            <p:cNvPr id="90" name="箭头: 直角上 89">
-              <a:extLst>
-                <a:ext uri="{FF2B5EF4-FFF2-40B4-BE49-F238E27FC236}">
-                  <a16:creationId xmlns:a16="http://schemas.microsoft.com/office/drawing/2014/main" id="{9A2807CE-FAB6-16E9-F6F2-691625644101}"/>
-                </a:ext>
-              </a:extLst>
-            </p:cNvPr>
-            <p:cNvSpPr/>
-            <p:nvPr/>
-          </p:nvSpPr>
-          <p:spPr>
-            <a:xfrm rot="16200000">
-              <a:off x="4408682" y="4260431"/>
-              <a:ext cx="1055210" cy="385667"/>
-            </a:xfrm>
-            <a:prstGeom prst="bentUpArrow">
-              <a:avLst>
-                <a:gd name="adj1" fmla="val 22558"/>
-                <a:gd name="adj2" fmla="val 25000"/>
-                <a:gd name="adj3" fmla="val 28039"/>
-              </a:avLst>
-            </a:prstGeom>
-            <a:solidFill>
-              <a:schemeClr val="tx1"/>
-            </a:solidFill>
-            <a:ln>
-              <a:solidFill>
-                <a:schemeClr val="tx1"/>
-              </a:solidFill>
-            </a:ln>
-          </p:spPr>
-          <p:style>
-            <a:lnRef idx="2">
-              <a:schemeClr val="accent1">
-                <a:shade val="50000"/>
-              </a:schemeClr>
-            </a:lnRef>
-            <a:fillRef idx="1">
-              <a:schemeClr val="accent1"/>
-            </a:fillRef>
-            <a:effectRef idx="0">
-              <a:schemeClr val="accent1"/>
-            </a:effectRef>
-            <a:fontRef idx="minor">
-              <a:schemeClr val="lt1"/>
-            </a:fontRef>
-          </p:style>
-          <p:txBody>
-            <a:bodyPr rtlCol="0" anchor="ctr"/>
-            <a:lstStyle/>
-            <a:p>
-              <a:pPr algn="ctr"/>
-              <a:endParaRPr lang="zh-CN" altLang="en-US" sz="900" dirty="0"/>
-            </a:p>
-          </p:txBody>
-        </p:sp>
-        <p:sp>
-          <p:nvSpPr>
-            <p:cNvPr id="91" name="文本框 90">
-              <a:extLst>
-                <a:ext uri="{FF2B5EF4-FFF2-40B4-BE49-F238E27FC236}">
-                  <a16:creationId xmlns:a16="http://schemas.microsoft.com/office/drawing/2014/main" id="{76409130-A004-FB55-6E45-0761C9942EB9}"/>
-                </a:ext>
-              </a:extLst>
-            </p:cNvPr>
-            <p:cNvSpPr txBox="1"/>
-            <p:nvPr/>
-          </p:nvSpPr>
-          <p:spPr>
-            <a:xfrm rot="5400000">
-              <a:off x="4724621" y="4365684"/>
-              <a:ext cx="1055211" cy="230832"/>
-            </a:xfrm>
-            <a:prstGeom prst="rect">
-              <a:avLst/>
-            </a:prstGeom>
-            <a:noFill/>
-          </p:spPr>
-          <p:txBody>
-            <a:bodyPr wrap="square">
-              <a:spAutoFit/>
-            </a:bodyPr>
-            <a:lstStyle/>
-            <a:p>
-              <a:r>
-                <a:rPr lang="en-US" altLang="zh-CN" sz="900" dirty="0">
-                  <a:latin typeface="Times New Roman" panose="02020603050405020304" pitchFamily="18" charset="0"/>
-                  <a:cs typeface="Times New Roman" panose="02020603050405020304" pitchFamily="18" charset="0"/>
-                </a:rPr>
-                <a:t>Find best</a:t>
-              </a:r>
-              <a:r>
-                <a:rPr lang="zh-CN" altLang="en-US" sz="900" dirty="0">
-                  <a:latin typeface="Times New Roman" panose="02020603050405020304" pitchFamily="18" charset="0"/>
-                  <a:cs typeface="Times New Roman" panose="02020603050405020304" pitchFamily="18" charset="0"/>
-                </a:rPr>
-                <a:t> model</a:t>
-              </a:r>
-            </a:p>
-          </p:txBody>
-        </p:sp>
-        <p:sp>
-          <p:nvSpPr>
-            <p:cNvPr id="92" name="矩形: 圆角 91">
-              <a:extLst>
-                <a:ext uri="{FF2B5EF4-FFF2-40B4-BE49-F238E27FC236}">
-                  <a16:creationId xmlns:a16="http://schemas.microsoft.com/office/drawing/2014/main" id="{1FF6CA13-7093-ED74-EC59-CB34BA4DC7A4}"/>
-                </a:ext>
-              </a:extLst>
-            </p:cNvPr>
-            <p:cNvSpPr/>
-            <p:nvPr/>
-          </p:nvSpPr>
-          <p:spPr>
-            <a:xfrm>
-              <a:off x="1737360" y="1951280"/>
-              <a:ext cx="928808" cy="716696"/>
-            </a:xfrm>
-            <a:prstGeom prst="roundRect">
-              <a:avLst>
-                <a:gd name="adj" fmla="val 8334"/>
-              </a:avLst>
-            </a:prstGeom>
-            <a:solidFill>
-              <a:schemeClr val="accent6">
-                <a:lumMod val="40000"/>
-                <a:lumOff val="60000"/>
-              </a:schemeClr>
-            </a:solidFill>
-            <a:ln w="19050">
-              <a:solidFill>
-                <a:schemeClr val="bg2">
-                  <a:lumMod val="25000"/>
-                </a:schemeClr>
-              </a:solidFill>
-            </a:ln>
-          </p:spPr>
-          <p:style>
-            <a:lnRef idx="2">
-              <a:schemeClr val="accent1">
-                <a:shade val="50000"/>
-              </a:schemeClr>
-            </a:lnRef>
-            <a:fillRef idx="1">
-              <a:schemeClr val="accent1"/>
-            </a:fillRef>
-            <a:effectRef idx="0">
-              <a:schemeClr val="accent1"/>
-            </a:effectRef>
-            <a:fontRef idx="minor">
-              <a:schemeClr val="lt1"/>
-            </a:fontRef>
-          </p:style>
-          <p:txBody>
-            <a:bodyPr rtlCol="0" anchor="ctr"/>
-            <a:lstStyle/>
-            <a:p>
-              <a:pPr algn="ctr"/>
-              <a:r>
-                <a:rPr lang="en-US" altLang="zh-CN" sz="900" b="1" dirty="0">
-                  <a:solidFill>
-                    <a:schemeClr val="tx1"/>
-                  </a:solidFill>
-                  <a:latin typeface="Times New Roman" panose="02020603050405020304" pitchFamily="18" charset="0"/>
-                  <a:cs typeface="Times New Roman" panose="02020603050405020304" pitchFamily="18" charset="0"/>
-                </a:rPr>
-                <a:t>Forecast</a:t>
-              </a:r>
-            </a:p>
-            <a:p>
-              <a:pPr algn="ctr"/>
-              <a:r>
-                <a:rPr lang="en-US" altLang="zh-CN" sz="900" b="1" dirty="0">
-                  <a:solidFill>
-                    <a:schemeClr val="tx1"/>
-                  </a:solidFill>
-                  <a:latin typeface="Times New Roman" panose="02020603050405020304" pitchFamily="18" charset="0"/>
-                  <a:cs typeface="Times New Roman" panose="02020603050405020304" pitchFamily="18" charset="0"/>
-                </a:rPr>
-                <a:t>2020-2022.5</a:t>
-              </a:r>
-            </a:p>
-            <a:p>
-              <a:pPr algn="ctr"/>
-              <a:r>
-                <a:rPr lang="en-US" altLang="zh-CN" sz="900" b="1" dirty="0">
-                  <a:solidFill>
-                    <a:schemeClr val="tx1"/>
-                  </a:solidFill>
-                  <a:latin typeface="Times New Roman" panose="02020603050405020304" pitchFamily="18" charset="0"/>
-                  <a:cs typeface="Times New Roman" panose="02020603050405020304" pitchFamily="18" charset="0"/>
-                </a:rPr>
-                <a:t>without COVID-19</a:t>
-              </a:r>
-              <a:endParaRPr lang="zh-CN" altLang="en-US" sz="900" b="1" dirty="0">
-                <a:solidFill>
-                  <a:schemeClr val="tx1"/>
-                </a:solidFill>
-                <a:latin typeface="Times New Roman" panose="02020603050405020304" pitchFamily="18" charset="0"/>
-                <a:cs typeface="Times New Roman" panose="02020603050405020304" pitchFamily="18" charset="0"/>
-              </a:endParaRPr>
-            </a:p>
-          </p:txBody>
-        </p:sp>
-        <p:sp>
-          <p:nvSpPr>
-            <p:cNvPr id="93" name="矩形: 圆角 92">
-              <a:extLst>
-                <a:ext uri="{FF2B5EF4-FFF2-40B4-BE49-F238E27FC236}">
-                  <a16:creationId xmlns:a16="http://schemas.microsoft.com/office/drawing/2014/main" id="{1FAFA3C6-71D8-61D5-3FF1-518F09B57125}"/>
-                </a:ext>
-              </a:extLst>
-            </p:cNvPr>
-            <p:cNvSpPr/>
-            <p:nvPr/>
-          </p:nvSpPr>
-          <p:spPr>
-            <a:xfrm>
-              <a:off x="1737360" y="2897274"/>
-              <a:ext cx="928808" cy="716696"/>
-            </a:xfrm>
-            <a:prstGeom prst="roundRect">
-              <a:avLst>
-                <a:gd name="adj" fmla="val 8334"/>
-              </a:avLst>
-            </a:prstGeom>
-            <a:solidFill>
-              <a:schemeClr val="accent6">
-                <a:lumMod val="40000"/>
-                <a:lumOff val="60000"/>
-              </a:schemeClr>
-            </a:solidFill>
-            <a:ln w="19050">
-              <a:solidFill>
-                <a:schemeClr val="bg2">
-                  <a:lumMod val="25000"/>
-                </a:schemeClr>
-              </a:solidFill>
-            </a:ln>
-          </p:spPr>
-          <p:style>
-            <a:lnRef idx="2">
-              <a:schemeClr val="accent1">
-                <a:shade val="50000"/>
-              </a:schemeClr>
-            </a:lnRef>
-            <a:fillRef idx="1">
-              <a:schemeClr val="accent1"/>
-            </a:fillRef>
-            <a:effectRef idx="0">
-              <a:schemeClr val="accent1"/>
-            </a:effectRef>
-            <a:fontRef idx="minor">
-              <a:schemeClr val="lt1"/>
-            </a:fontRef>
-          </p:style>
-          <p:txBody>
-            <a:bodyPr rtlCol="0" anchor="ctr"/>
-            <a:lstStyle/>
-            <a:p>
-              <a:pPr algn="ctr"/>
-              <a:r>
-                <a:rPr lang="en-US" altLang="zh-CN" sz="900" b="1" dirty="0">
-                  <a:solidFill>
-                    <a:schemeClr val="tx1"/>
-                  </a:solidFill>
-                  <a:latin typeface="Times New Roman" panose="02020603050405020304" pitchFamily="18" charset="0"/>
-                  <a:cs typeface="Times New Roman" panose="02020603050405020304" pitchFamily="18" charset="0"/>
-                </a:rPr>
-                <a:t>Forecast</a:t>
-              </a:r>
-            </a:p>
-            <a:p>
-              <a:pPr algn="ctr"/>
-              <a:r>
-                <a:rPr lang="en-US" altLang="zh-CN" sz="900" b="1" dirty="0">
-                  <a:solidFill>
-                    <a:schemeClr val="tx1"/>
-                  </a:solidFill>
-                  <a:latin typeface="Times New Roman" panose="02020603050405020304" pitchFamily="18" charset="0"/>
-                  <a:cs typeface="Times New Roman" panose="02020603050405020304" pitchFamily="18" charset="0"/>
-                </a:rPr>
-                <a:t>2022.6-2023.5</a:t>
-              </a:r>
-            </a:p>
-            <a:p>
-              <a:pPr algn="ctr"/>
-              <a:r>
-                <a:rPr lang="en-US" altLang="zh-CN" sz="900" b="1" dirty="0">
-                  <a:solidFill>
-                    <a:schemeClr val="tx1"/>
-                  </a:solidFill>
-                  <a:latin typeface="Times New Roman" panose="02020603050405020304" pitchFamily="18" charset="0"/>
-                  <a:cs typeface="Times New Roman" panose="02020603050405020304" pitchFamily="18" charset="0"/>
-                </a:rPr>
-                <a:t>without COVID-19</a:t>
-              </a:r>
-              <a:endParaRPr lang="zh-CN" altLang="en-US" sz="900" b="1" dirty="0">
-                <a:solidFill>
-                  <a:schemeClr val="tx1"/>
-                </a:solidFill>
-                <a:latin typeface="Times New Roman" panose="02020603050405020304" pitchFamily="18" charset="0"/>
-                <a:cs typeface="Times New Roman" panose="02020603050405020304" pitchFamily="18" charset="0"/>
-              </a:endParaRPr>
-            </a:p>
-          </p:txBody>
-        </p:sp>
-        <p:sp>
-          <p:nvSpPr>
-            <p:cNvPr id="94" name="矩形: 圆角 93">
-              <a:extLst>
-                <a:ext uri="{FF2B5EF4-FFF2-40B4-BE49-F238E27FC236}">
-                  <a16:creationId xmlns:a16="http://schemas.microsoft.com/office/drawing/2014/main" id="{23261E0A-18F7-DAC3-71B6-21ADDCFDB43A}"/>
-                </a:ext>
-              </a:extLst>
-            </p:cNvPr>
-            <p:cNvSpPr/>
-            <p:nvPr/>
-          </p:nvSpPr>
-          <p:spPr>
-            <a:xfrm>
-              <a:off x="1737360" y="3842674"/>
-              <a:ext cx="928808" cy="716696"/>
-            </a:xfrm>
-            <a:prstGeom prst="roundRect">
-              <a:avLst>
-                <a:gd name="adj" fmla="val 8334"/>
-              </a:avLst>
-            </a:prstGeom>
-            <a:solidFill>
-              <a:schemeClr val="accent2">
-                <a:lumMod val="40000"/>
-                <a:lumOff val="60000"/>
-              </a:schemeClr>
-            </a:solidFill>
-            <a:ln w="19050">
-              <a:solidFill>
-                <a:schemeClr val="bg2">
-                  <a:lumMod val="25000"/>
-                </a:schemeClr>
-              </a:solidFill>
-            </a:ln>
-          </p:spPr>
-          <p:style>
-            <a:lnRef idx="2">
-              <a:schemeClr val="accent1">
-                <a:shade val="50000"/>
-              </a:schemeClr>
-            </a:lnRef>
-            <a:fillRef idx="1">
-              <a:schemeClr val="accent1"/>
-            </a:fillRef>
-            <a:effectRef idx="0">
-              <a:schemeClr val="accent1"/>
-            </a:effectRef>
-            <a:fontRef idx="minor">
-              <a:schemeClr val="lt1"/>
-            </a:fontRef>
-          </p:style>
-          <p:txBody>
-            <a:bodyPr rtlCol="0" anchor="ctr"/>
-            <a:lstStyle/>
-            <a:p>
-              <a:pPr algn="ctr"/>
-              <a:r>
-                <a:rPr lang="en-US" altLang="zh-CN" sz="900" b="1" dirty="0">
-                  <a:solidFill>
-                    <a:schemeClr val="tx1"/>
-                  </a:solidFill>
-                  <a:latin typeface="Times New Roman" panose="02020603050405020304" pitchFamily="18" charset="0"/>
-                  <a:cs typeface="Times New Roman" panose="02020603050405020304" pitchFamily="18" charset="0"/>
-                </a:rPr>
-                <a:t>Forecast</a:t>
-              </a:r>
-            </a:p>
-            <a:p>
-              <a:pPr algn="ctr"/>
-              <a:r>
-                <a:rPr lang="en-US" altLang="zh-CN" sz="900" b="1" dirty="0">
-                  <a:solidFill>
-                    <a:schemeClr val="tx1"/>
-                  </a:solidFill>
-                  <a:latin typeface="Times New Roman" panose="02020603050405020304" pitchFamily="18" charset="0"/>
-                  <a:cs typeface="Times New Roman" panose="02020603050405020304" pitchFamily="18" charset="0"/>
-                </a:rPr>
-                <a:t>2022.6-2023.5</a:t>
-              </a:r>
-            </a:p>
-            <a:p>
-              <a:pPr algn="ctr"/>
-              <a:r>
-                <a:rPr lang="en-US" altLang="zh-CN" sz="900" b="1" dirty="0">
-                  <a:solidFill>
-                    <a:schemeClr val="tx1"/>
-                  </a:solidFill>
-                  <a:latin typeface="Times New Roman" panose="02020603050405020304" pitchFamily="18" charset="0"/>
-                  <a:cs typeface="Times New Roman" panose="02020603050405020304" pitchFamily="18" charset="0"/>
-                </a:rPr>
-                <a:t>within COVID-19</a:t>
-              </a:r>
-              <a:endParaRPr lang="zh-CN" altLang="en-US" sz="900" b="1" dirty="0">
-                <a:solidFill>
-                  <a:schemeClr val="tx1"/>
-                </a:solidFill>
-                <a:latin typeface="Times New Roman" panose="02020603050405020304" pitchFamily="18" charset="0"/>
-                <a:cs typeface="Times New Roman" panose="02020603050405020304" pitchFamily="18" charset="0"/>
-              </a:endParaRPr>
-            </a:p>
-          </p:txBody>
-        </p:sp>
-        <p:sp>
-          <p:nvSpPr>
-            <p:cNvPr id="95" name="箭头: 右 94">
-              <a:extLst>
-                <a:ext uri="{FF2B5EF4-FFF2-40B4-BE49-F238E27FC236}">
-                  <a16:creationId xmlns:a16="http://schemas.microsoft.com/office/drawing/2014/main" id="{05A4F69C-6F1C-A741-398E-607DDCBF3EF0}"/>
-                </a:ext>
-              </a:extLst>
-            </p:cNvPr>
-            <p:cNvSpPr/>
-            <p:nvPr/>
-          </p:nvSpPr>
-          <p:spPr>
-            <a:xfrm flipH="1">
-              <a:off x="2697919" y="2448665"/>
-              <a:ext cx="554786" cy="217299"/>
-            </a:xfrm>
-            <a:prstGeom prst="rightArrow">
-              <a:avLst/>
-            </a:prstGeom>
-            <a:solidFill>
-              <a:schemeClr val="tx1"/>
-            </a:solidFill>
-            <a:ln>
-              <a:solidFill>
-                <a:schemeClr val="tx1"/>
-              </a:solidFill>
-            </a:ln>
-          </p:spPr>
-          <p:style>
-            <a:lnRef idx="2">
-              <a:schemeClr val="accent1">
-                <a:shade val="50000"/>
-              </a:schemeClr>
-            </a:lnRef>
-            <a:fillRef idx="1">
-              <a:schemeClr val="accent1"/>
-            </a:fillRef>
-            <a:effectRef idx="0">
-              <a:schemeClr val="accent1"/>
-            </a:effectRef>
-            <a:fontRef idx="minor">
-              <a:schemeClr val="lt1"/>
-            </a:fontRef>
-          </p:style>
-          <p:txBody>
-            <a:bodyPr rtlCol="0" anchor="ctr"/>
-            <a:lstStyle/>
-            <a:p>
-              <a:pPr algn="ctr"/>
-              <a:endParaRPr lang="zh-CN" altLang="en-US" sz="900"/>
-            </a:p>
-          </p:txBody>
-        </p:sp>
-        <p:sp>
-          <p:nvSpPr>
-            <p:cNvPr id="96" name="箭头: 右 95">
-              <a:extLst>
-                <a:ext uri="{FF2B5EF4-FFF2-40B4-BE49-F238E27FC236}">
-                  <a16:creationId xmlns:a16="http://schemas.microsoft.com/office/drawing/2014/main" id="{C4B9EB13-4314-5E1D-7FF8-22A410AE08EF}"/>
-                </a:ext>
-              </a:extLst>
-            </p:cNvPr>
-            <p:cNvSpPr/>
-            <p:nvPr/>
-          </p:nvSpPr>
-          <p:spPr>
-            <a:xfrm flipH="1">
-              <a:off x="2697919" y="2885602"/>
-              <a:ext cx="554786" cy="217299"/>
-            </a:xfrm>
-            <a:prstGeom prst="rightArrow">
-              <a:avLst/>
-            </a:prstGeom>
-            <a:solidFill>
-              <a:schemeClr val="tx1"/>
-            </a:solidFill>
-            <a:ln>
-              <a:solidFill>
-                <a:schemeClr val="tx1"/>
-              </a:solidFill>
-            </a:ln>
-          </p:spPr>
-          <p:style>
-            <a:lnRef idx="2">
-              <a:schemeClr val="accent1">
-                <a:shade val="50000"/>
-              </a:schemeClr>
-            </a:lnRef>
-            <a:fillRef idx="1">
-              <a:schemeClr val="accent1"/>
-            </a:fillRef>
-            <a:effectRef idx="0">
-              <a:schemeClr val="accent1"/>
-            </a:effectRef>
-            <a:fontRef idx="minor">
-              <a:schemeClr val="lt1"/>
-            </a:fontRef>
-          </p:style>
-          <p:txBody>
-            <a:bodyPr rtlCol="0" anchor="ctr"/>
-            <a:lstStyle/>
-            <a:p>
-              <a:pPr algn="ctr"/>
-              <a:endParaRPr lang="zh-CN" altLang="en-US" sz="900"/>
-            </a:p>
-          </p:txBody>
-        </p:sp>
-        <p:sp>
-          <p:nvSpPr>
-            <p:cNvPr id="97" name="箭头: 右 96">
-              <a:extLst>
-                <a:ext uri="{FF2B5EF4-FFF2-40B4-BE49-F238E27FC236}">
-                  <a16:creationId xmlns:a16="http://schemas.microsoft.com/office/drawing/2014/main" id="{37E25310-D485-F519-4A25-967F9CBAC787}"/>
-                </a:ext>
-              </a:extLst>
-            </p:cNvPr>
-            <p:cNvSpPr/>
-            <p:nvPr/>
-          </p:nvSpPr>
-          <p:spPr>
-            <a:xfrm flipH="1">
-              <a:off x="2706480" y="4014437"/>
-              <a:ext cx="554786" cy="217299"/>
-            </a:xfrm>
-            <a:prstGeom prst="rightArrow">
-              <a:avLst/>
-            </a:prstGeom>
-            <a:solidFill>
-              <a:schemeClr val="tx1"/>
-            </a:solidFill>
-            <a:ln>
-              <a:solidFill>
-                <a:schemeClr val="tx1"/>
-              </a:solidFill>
-            </a:ln>
-          </p:spPr>
-          <p:style>
-            <a:lnRef idx="2">
-              <a:schemeClr val="accent1">
-                <a:shade val="50000"/>
-              </a:schemeClr>
-            </a:lnRef>
-            <a:fillRef idx="1">
-              <a:schemeClr val="accent1"/>
-            </a:fillRef>
-            <a:effectRef idx="0">
-              <a:schemeClr val="accent1"/>
-            </a:effectRef>
-            <a:fontRef idx="minor">
-              <a:schemeClr val="lt1"/>
-            </a:fontRef>
-          </p:style>
-          <p:txBody>
-            <a:bodyPr rtlCol="0" anchor="ctr"/>
-            <a:lstStyle/>
-            <a:p>
-              <a:pPr algn="ctr"/>
-              <a:endParaRPr lang="zh-CN" altLang="en-US" sz="900"/>
-            </a:p>
-          </p:txBody>
-        </p:sp>
-        <p:sp>
-          <p:nvSpPr>
-            <p:cNvPr id="98" name="矩形: 圆角 97">
-              <a:extLst>
-                <a:ext uri="{FF2B5EF4-FFF2-40B4-BE49-F238E27FC236}">
-                  <a16:creationId xmlns:a16="http://schemas.microsoft.com/office/drawing/2014/main" id="{9CC8ED86-D667-0077-E9BD-31536DE5F94A}"/>
-                </a:ext>
-              </a:extLst>
-            </p:cNvPr>
-            <p:cNvSpPr/>
-            <p:nvPr/>
-          </p:nvSpPr>
-          <p:spPr>
-            <a:xfrm>
-              <a:off x="110977" y="1918334"/>
-              <a:ext cx="831116" cy="781289"/>
-            </a:xfrm>
-            <a:prstGeom prst="roundRect">
-              <a:avLst>
-                <a:gd name="adj" fmla="val 8334"/>
-              </a:avLst>
-            </a:prstGeom>
-            <a:solidFill>
-              <a:schemeClr val="accent2">
-                <a:lumMod val="40000"/>
-                <a:lumOff val="60000"/>
-              </a:schemeClr>
-            </a:solidFill>
-            <a:ln w="19050">
-              <a:solidFill>
-                <a:schemeClr val="bg2">
-                  <a:lumMod val="25000"/>
-                </a:schemeClr>
-              </a:solidFill>
-            </a:ln>
-          </p:spPr>
-          <p:style>
-            <a:lnRef idx="2">
-              <a:schemeClr val="accent1">
-                <a:shade val="50000"/>
-              </a:schemeClr>
-            </a:lnRef>
-            <a:fillRef idx="1">
-              <a:schemeClr val="accent1"/>
-            </a:fillRef>
-            <a:effectRef idx="0">
-              <a:schemeClr val="accent1"/>
-            </a:effectRef>
-            <a:fontRef idx="minor">
-              <a:schemeClr val="lt1"/>
-            </a:fontRef>
-          </p:style>
-          <p:txBody>
-            <a:bodyPr rtlCol="0" anchor="ctr"/>
-            <a:lstStyle/>
-            <a:p>
-              <a:pPr algn="ctr"/>
-              <a:r>
-                <a:rPr lang="en-US" altLang="zh-CN" sz="900" b="1" dirty="0">
-                  <a:solidFill>
-                    <a:schemeClr val="tx1"/>
-                  </a:solidFill>
-                  <a:latin typeface="Times New Roman" panose="02020603050405020304" pitchFamily="18" charset="0"/>
-                  <a:cs typeface="Times New Roman" panose="02020603050405020304" pitchFamily="18" charset="0"/>
-                </a:rPr>
-                <a:t>Compare database 2020-2022.5</a:t>
-              </a:r>
-            </a:p>
-            <a:p>
-              <a:pPr algn="ctr"/>
-              <a:r>
-                <a:rPr lang="en-US" altLang="zh-CN" sz="900" b="1" dirty="0">
-                  <a:solidFill>
-                    <a:schemeClr val="tx1"/>
-                  </a:solidFill>
-                  <a:latin typeface="Times New Roman" panose="02020603050405020304" pitchFamily="18" charset="0"/>
-                  <a:cs typeface="Times New Roman" panose="02020603050405020304" pitchFamily="18" charset="0"/>
-                </a:rPr>
-                <a:t>within COVID-19</a:t>
-              </a:r>
-              <a:endParaRPr lang="zh-CN" altLang="en-US" sz="900" b="1" dirty="0">
-                <a:solidFill>
-                  <a:schemeClr val="tx1"/>
-                </a:solidFill>
-                <a:latin typeface="Times New Roman" panose="02020603050405020304" pitchFamily="18" charset="0"/>
-                <a:cs typeface="Times New Roman" panose="02020603050405020304" pitchFamily="18" charset="0"/>
-              </a:endParaRPr>
-            </a:p>
-          </p:txBody>
-        </p:sp>
-        <p:sp>
-          <p:nvSpPr>
-            <p:cNvPr id="101" name="箭头: 左右 100">
-              <a:extLst>
-                <a:ext uri="{FF2B5EF4-FFF2-40B4-BE49-F238E27FC236}">
-                  <a16:creationId xmlns:a16="http://schemas.microsoft.com/office/drawing/2014/main" id="{B546DF54-8B2F-5222-3A31-80E2D9BAAECE}"/>
-                </a:ext>
-              </a:extLst>
-            </p:cNvPr>
-            <p:cNvSpPr/>
-            <p:nvPr/>
-          </p:nvSpPr>
-          <p:spPr>
-            <a:xfrm>
-              <a:off x="982405" y="2234621"/>
-              <a:ext cx="682892" cy="212674"/>
-            </a:xfrm>
-            <a:prstGeom prst="leftRightArrow">
-              <a:avLst>
-                <a:gd name="adj1" fmla="val 50000"/>
-                <a:gd name="adj2" fmla="val 52025"/>
-              </a:avLst>
-            </a:prstGeom>
-            <a:solidFill>
-              <a:srgbClr val="002060"/>
-            </a:solidFill>
-            <a:ln>
-              <a:solidFill>
-                <a:srgbClr val="002060"/>
-              </a:solidFill>
-            </a:ln>
-          </p:spPr>
-          <p:style>
-            <a:lnRef idx="2">
-              <a:schemeClr val="accent1">
-                <a:shade val="50000"/>
-              </a:schemeClr>
-            </a:lnRef>
-            <a:fillRef idx="1">
-              <a:schemeClr val="accent1"/>
-            </a:fillRef>
-            <a:effectRef idx="0">
-              <a:schemeClr val="accent1"/>
-            </a:effectRef>
-            <a:fontRef idx="minor">
-              <a:schemeClr val="lt1"/>
-            </a:fontRef>
-          </p:style>
-          <p:txBody>
-            <a:bodyPr rtlCol="0" anchor="ctr"/>
-            <a:lstStyle/>
-            <a:p>
-              <a:pPr algn="ctr"/>
-              <a:endParaRPr lang="zh-CN" altLang="en-US" sz="900"/>
-            </a:p>
-          </p:txBody>
-        </p:sp>
-        <p:sp>
-          <p:nvSpPr>
-            <p:cNvPr id="102" name="文本框 101">
-              <a:extLst>
-                <a:ext uri="{FF2B5EF4-FFF2-40B4-BE49-F238E27FC236}">
-                  <a16:creationId xmlns:a16="http://schemas.microsoft.com/office/drawing/2014/main" id="{CA1542AA-A578-475B-C185-7499525EE08D}"/>
-                </a:ext>
-              </a:extLst>
-            </p:cNvPr>
-            <p:cNvSpPr txBox="1"/>
-            <p:nvPr/>
-          </p:nvSpPr>
-          <p:spPr>
-            <a:xfrm>
-              <a:off x="633326" y="3585502"/>
-              <a:ext cx="682892" cy="230832"/>
-            </a:xfrm>
-            <a:prstGeom prst="rect">
-              <a:avLst/>
-            </a:prstGeom>
-            <a:noFill/>
-          </p:spPr>
-          <p:txBody>
-            <a:bodyPr wrap="square">
-              <a:spAutoFit/>
-            </a:bodyPr>
-            <a:lstStyle/>
-            <a:p>
-              <a:r>
-                <a:rPr lang="en-US" altLang="zh-CN" sz="900" dirty="0">
-                  <a:latin typeface="Times New Roman" panose="02020603050405020304" pitchFamily="18" charset="0"/>
-                  <a:cs typeface="Times New Roman" panose="02020603050405020304" pitchFamily="18" charset="0"/>
-                </a:rPr>
-                <a:t>Compare</a:t>
-              </a:r>
-              <a:endParaRPr lang="zh-CN" altLang="en-US" sz="900" dirty="0">
-                <a:latin typeface="Times New Roman" panose="02020603050405020304" pitchFamily="18" charset="0"/>
-                <a:cs typeface="Times New Roman" panose="02020603050405020304" pitchFamily="18" charset="0"/>
-              </a:endParaRPr>
-            </a:p>
-          </p:txBody>
-        </p:sp>
-        <p:sp>
-          <p:nvSpPr>
-            <p:cNvPr id="104" name="箭头: 直角上 103">
-              <a:extLst>
-                <a:ext uri="{FF2B5EF4-FFF2-40B4-BE49-F238E27FC236}">
-                  <a16:creationId xmlns:a16="http://schemas.microsoft.com/office/drawing/2014/main" id="{01DC0101-C04D-2303-2C69-A090EBF62A97}"/>
-                </a:ext>
-              </a:extLst>
-            </p:cNvPr>
-            <p:cNvSpPr/>
-            <p:nvPr/>
-          </p:nvSpPr>
-          <p:spPr>
-            <a:xfrm rot="16200000" flipH="1" flipV="1">
-              <a:off x="1216130" y="3750814"/>
-              <a:ext cx="529433" cy="432410"/>
-            </a:xfrm>
-            <a:prstGeom prst="bentUpArrow">
-              <a:avLst>
-                <a:gd name="adj1" fmla="val 22558"/>
-                <a:gd name="adj2" fmla="val 25000"/>
-                <a:gd name="adj3" fmla="val 28039"/>
-              </a:avLst>
-            </a:prstGeom>
-            <a:solidFill>
-              <a:srgbClr val="002060"/>
-            </a:solidFill>
-            <a:ln>
-              <a:solidFill>
-                <a:srgbClr val="002060"/>
-              </a:solidFill>
-            </a:ln>
-          </p:spPr>
-          <p:style>
-            <a:lnRef idx="2">
-              <a:schemeClr val="accent1">
-                <a:shade val="50000"/>
-              </a:schemeClr>
-            </a:lnRef>
-            <a:fillRef idx="1">
-              <a:schemeClr val="accent1"/>
-            </a:fillRef>
-            <a:effectRef idx="0">
-              <a:schemeClr val="accent1"/>
-            </a:effectRef>
-            <a:fontRef idx="minor">
-              <a:schemeClr val="lt1"/>
-            </a:fontRef>
-          </p:style>
-          <p:txBody>
-            <a:bodyPr rtlCol="0" anchor="ctr"/>
-            <a:lstStyle/>
-            <a:p>
-              <a:pPr algn="ctr"/>
-              <a:endParaRPr lang="zh-CN" altLang="en-US" sz="900"/>
-            </a:p>
-          </p:txBody>
-        </p:sp>
-        <p:sp>
-          <p:nvSpPr>
-            <p:cNvPr id="105" name="箭头: 直角上 104">
-              <a:extLst>
-                <a:ext uri="{FF2B5EF4-FFF2-40B4-BE49-F238E27FC236}">
-                  <a16:creationId xmlns:a16="http://schemas.microsoft.com/office/drawing/2014/main" id="{9E99C68B-FA8C-747C-42C7-267431C755CE}"/>
-                </a:ext>
-              </a:extLst>
-            </p:cNvPr>
-            <p:cNvSpPr/>
-            <p:nvPr/>
-          </p:nvSpPr>
-          <p:spPr>
-            <a:xfrm rot="5400000" flipH="1">
-              <a:off x="1216126" y="3222203"/>
-              <a:ext cx="529433" cy="432410"/>
-            </a:xfrm>
-            <a:prstGeom prst="bentUpArrow">
-              <a:avLst>
-                <a:gd name="adj1" fmla="val 22558"/>
-                <a:gd name="adj2" fmla="val 25000"/>
-                <a:gd name="adj3" fmla="val 28039"/>
-              </a:avLst>
-            </a:prstGeom>
-            <a:solidFill>
-              <a:srgbClr val="002060"/>
-            </a:solidFill>
-            <a:ln>
-              <a:solidFill>
-                <a:srgbClr val="002060"/>
-              </a:solidFill>
-            </a:ln>
-          </p:spPr>
-          <p:style>
-            <a:lnRef idx="2">
-              <a:schemeClr val="accent1">
-                <a:shade val="50000"/>
-              </a:schemeClr>
-            </a:lnRef>
-            <a:fillRef idx="1">
-              <a:schemeClr val="accent1"/>
-            </a:fillRef>
-            <a:effectRef idx="0">
-              <a:schemeClr val="accent1"/>
-            </a:effectRef>
-            <a:fontRef idx="minor">
-              <a:schemeClr val="lt1"/>
-            </a:fontRef>
-          </p:style>
-          <p:txBody>
-            <a:bodyPr rtlCol="0" anchor="ctr"/>
-            <a:lstStyle/>
-            <a:p>
-              <a:pPr algn="ctr"/>
-              <a:endParaRPr lang="zh-CN" altLang="en-US" sz="900"/>
-            </a:p>
-          </p:txBody>
-        </p:sp>
-        <p:sp>
-          <p:nvSpPr>
-            <p:cNvPr id="106" name="文本框 105">
-              <a:extLst>
-                <a:ext uri="{FF2B5EF4-FFF2-40B4-BE49-F238E27FC236}">
-                  <a16:creationId xmlns:a16="http://schemas.microsoft.com/office/drawing/2014/main" id="{19A183A4-A806-3958-A0BF-2408FFBCD2B6}"/>
-                </a:ext>
-              </a:extLst>
-            </p:cNvPr>
-            <p:cNvSpPr txBox="1"/>
-            <p:nvPr/>
-          </p:nvSpPr>
-          <p:spPr>
-            <a:xfrm>
-              <a:off x="1014156" y="2031160"/>
-              <a:ext cx="682892" cy="230832"/>
-            </a:xfrm>
-            <a:prstGeom prst="rect">
-              <a:avLst/>
-            </a:prstGeom>
-            <a:noFill/>
-          </p:spPr>
-          <p:txBody>
-            <a:bodyPr wrap="square">
-              <a:spAutoFit/>
-            </a:bodyPr>
-            <a:lstStyle/>
-            <a:p>
-              <a:r>
-                <a:rPr lang="en-US" altLang="zh-CN" sz="900" dirty="0">
-                  <a:latin typeface="Times New Roman" panose="02020603050405020304" pitchFamily="18" charset="0"/>
-                  <a:cs typeface="Times New Roman" panose="02020603050405020304" pitchFamily="18" charset="0"/>
-                </a:rPr>
-                <a:t>Compare</a:t>
-              </a:r>
-              <a:endParaRPr lang="zh-CN" altLang="en-US" sz="900" dirty="0">
-                <a:latin typeface="Times New Roman" panose="02020603050405020304" pitchFamily="18" charset="0"/>
-                <a:cs typeface="Times New Roman" panose="02020603050405020304" pitchFamily="18" charset="0"/>
-              </a:endParaRPr>
-            </a:p>
-          </p:txBody>
-        </p:sp>
-      </p:grpSp>
-    </p:spTree>
-    <p:extLst>
-      <p:ext uri="{BB962C8B-B14F-4D97-AF65-F5344CB8AC3E}">
-        <p14:creationId xmlns:p14="http://schemas.microsoft.com/office/powerpoint/2010/main" val="2769116104"/>
-      </p:ext>
-    </p:extLst>
-  </p:cSld>
-  <p:clrMapOvr>
-    <a:masterClrMapping/>
-  </p:clrMapOvr>
-</p:sld>
-</file>
-
 <file path=ppt/theme/theme1.xml><?xml version="1.0" encoding="utf-8"?>
 <a:theme xmlns:a="http://schemas.openxmlformats.org/drawingml/2006/main" name="Office 主题​​">
   <a:themeElements>
